--- a/intro.pptx
+++ b/intro.pptx
@@ -5,7 +5,7 @@
     <p:sldMasterId id="2147483648" r:id="rId1"/>
   </p:sldMasterIdLst>
   <p:notesMasterIdLst>
-    <p:notesMasterId r:id="rId20"/>
+    <p:notesMasterId r:id="rId13"/>
   </p:notesMasterIdLst>
   <p:sldIdLst>
     <p:sldId id="256" r:id="rId2"/>
@@ -16,16 +16,9 @@
     <p:sldId id="261" r:id="rId7"/>
     <p:sldId id="262" r:id="rId8"/>
     <p:sldId id="263" r:id="rId9"/>
-    <p:sldId id="264" r:id="rId10"/>
-    <p:sldId id="265" r:id="rId11"/>
-    <p:sldId id="266" r:id="rId12"/>
-    <p:sldId id="267" r:id="rId13"/>
-    <p:sldId id="268" r:id="rId14"/>
-    <p:sldId id="271" r:id="rId15"/>
-    <p:sldId id="269" r:id="rId16"/>
-    <p:sldId id="270" r:id="rId17"/>
-    <p:sldId id="272" r:id="rId18"/>
-    <p:sldId id="273" r:id="rId19"/>
+    <p:sldId id="275" r:id="rId10"/>
+    <p:sldId id="268" r:id="rId11"/>
+    <p:sldId id="273" r:id="rId12"/>
   </p:sldIdLst>
   <p:sldSz cx="9144000" cy="5143500" type="screen16x9"/>
   <p:notesSz cx="6858000" cy="9144000"/>
@@ -662,2090 +655,6 @@
 </p:notes>
 </file>
 
-<file path=ppt/notesSlides/notesSlide10.xml><?xml version="1.0" encoding="utf-8"?>
-<p:notes xmlns:a="http://schemas.openxmlformats.org/drawingml/2006/main" xmlns:r="http://schemas.openxmlformats.org/officeDocument/2006/relationships" xmlns:p="http://schemas.openxmlformats.org/presentationml/2006/main">
-  <p:cSld>
-    <p:spTree>
-      <p:nvGrpSpPr>
-        <p:cNvPr id="1" name=""/>
-        <p:cNvGrpSpPr/>
-        <p:nvPr/>
-      </p:nvGrpSpPr>
-      <p:grpSpPr>
-        <a:xfrm>
-          <a:off x="0" y="0"/>
-          <a:ext cx="0" cy="0"/>
-          <a:chOff x="0" y="0"/>
-          <a:chExt cx="0" cy="0"/>
-        </a:xfrm>
-      </p:grpSpPr>
-      <p:sp>
-        <p:nvSpPr>
-          <p:cNvPr id="2" name="Slide Image Placeholder 1"/>
-          <p:cNvSpPr>
-            <a:spLocks noGrp="1" noRot="1" noChangeAspect="1"/>
-          </p:cNvSpPr>
-          <p:nvPr>
-            <p:ph type="sldImg"/>
-          </p:nvPr>
-        </p:nvSpPr>
-        <p:spPr/>
-      </p:sp>
-      <p:sp>
-        <p:nvSpPr>
-          <p:cNvPr id="3" name="Notes Placeholder 2"/>
-          <p:cNvSpPr>
-            <a:spLocks noGrp="1"/>
-          </p:cNvSpPr>
-          <p:nvPr>
-            <p:ph type="body" idx="1"/>
-          </p:nvPr>
-        </p:nvSpPr>
-        <p:spPr/>
-        <p:txBody>
-          <a:bodyPr/>
-          <a:lstStyle/>
-          <a:p>
-            <a:r>
-              <a:rPr lang="en-US" dirty="0" smtClean="0"/>
-              <a:t>TRUNCATE</a:t>
-            </a:r>
-            <a:r>
-              <a:rPr lang="en-US" baseline="0" dirty="0" smtClean="0"/>
-              <a:t> playlist; </a:t>
-            </a:r>
-            <a:r>
-              <a:rPr lang="en-US" baseline="0" dirty="0" err="1" smtClean="0"/>
-              <a:t>hvis</a:t>
-            </a:r>
-            <a:r>
-              <a:rPr lang="en-US" baseline="0" dirty="0" smtClean="0"/>
-              <a:t> data </a:t>
-            </a:r>
-            <a:r>
-              <a:rPr lang="en-US" baseline="0" dirty="0" err="1" smtClean="0"/>
-              <a:t>fra</a:t>
-            </a:r>
-            <a:r>
-              <a:rPr lang="en-US" baseline="0" dirty="0" smtClean="0"/>
-              <a:t> </a:t>
-            </a:r>
-            <a:r>
-              <a:rPr lang="en-US" baseline="0" dirty="0" err="1" smtClean="0"/>
-              <a:t>før</a:t>
-            </a:r>
-            <a:endParaRPr lang="en-US" dirty="0"/>
-          </a:p>
-        </p:txBody>
-      </p:sp>
-      <p:sp>
-        <p:nvSpPr>
-          <p:cNvPr id="4" name="Slide Number Placeholder 3"/>
-          <p:cNvSpPr>
-            <a:spLocks noGrp="1"/>
-          </p:cNvSpPr>
-          <p:nvPr>
-            <p:ph type="sldNum" sz="quarter" idx="10"/>
-          </p:nvPr>
-        </p:nvSpPr>
-        <p:spPr/>
-        <p:txBody>
-          <a:bodyPr/>
-          <a:lstStyle/>
-          <a:p>
-            <a:fld id="{5B8851A2-1533-BD40-9223-E39EB9F7BBE7}" type="slidenum">
-              <a:rPr lang="en-US" smtClean="0"/>
-              <a:t>11</a:t>
-            </a:fld>
-            <a:endParaRPr lang="en-US"/>
-          </a:p>
-        </p:txBody>
-      </p:sp>
-    </p:spTree>
-    <p:extLst>
-      <p:ext uri="{BB962C8B-B14F-4D97-AF65-F5344CB8AC3E}">
-        <p14:creationId xmlns:p14="http://schemas.microsoft.com/office/powerpoint/2010/main" val="64450671"/>
-      </p:ext>
-    </p:extLst>
-  </p:cSld>
-  <p:clrMapOvr>
-    <a:masterClrMapping/>
-  </p:clrMapOvr>
-</p:notes>
-</file>
-
-<file path=ppt/notesSlides/notesSlide11.xml><?xml version="1.0" encoding="utf-8"?>
-<p:notes xmlns:a="http://schemas.openxmlformats.org/drawingml/2006/main" xmlns:r="http://schemas.openxmlformats.org/officeDocument/2006/relationships" xmlns:p="http://schemas.openxmlformats.org/presentationml/2006/main">
-  <p:cSld>
-    <p:spTree>
-      <p:nvGrpSpPr>
-        <p:cNvPr id="1" name=""/>
-        <p:cNvGrpSpPr/>
-        <p:nvPr/>
-      </p:nvGrpSpPr>
-      <p:grpSpPr>
-        <a:xfrm>
-          <a:off x="0" y="0"/>
-          <a:ext cx="0" cy="0"/>
-          <a:chOff x="0" y="0"/>
-          <a:chExt cx="0" cy="0"/>
-        </a:xfrm>
-      </p:grpSpPr>
-      <p:sp>
-        <p:nvSpPr>
-          <p:cNvPr id="2" name="Slide Image Placeholder 1"/>
-          <p:cNvSpPr>
-            <a:spLocks noGrp="1" noRot="1" noChangeAspect="1"/>
-          </p:cNvSpPr>
-          <p:nvPr>
-            <p:ph type="sldImg"/>
-          </p:nvPr>
-        </p:nvSpPr>
-        <p:spPr/>
-      </p:sp>
-      <p:sp>
-        <p:nvSpPr>
-          <p:cNvPr id="3" name="Notes Placeholder 2"/>
-          <p:cNvSpPr>
-            <a:spLocks noGrp="1"/>
-          </p:cNvSpPr>
-          <p:nvPr>
-            <p:ph type="body" idx="1"/>
-          </p:nvPr>
-        </p:nvSpPr>
-        <p:spPr/>
-        <p:txBody>
-          <a:bodyPr/>
-          <a:lstStyle/>
-          <a:p>
-            <a:pPr marL="171450" indent="-171450">
-              <a:buFont typeface="Arial"/>
-              <a:buChar char="•"/>
-            </a:pPr>
-            <a:r>
-              <a:rPr lang="en-US" dirty="0" smtClean="0"/>
-              <a:t>CREATE INDEX &lt;index-</a:t>
-            </a:r>
-            <a:r>
-              <a:rPr lang="en-US" dirty="0" err="1" smtClean="0"/>
-              <a:t>navn</a:t>
-            </a:r>
-            <a:r>
-              <a:rPr lang="en-US" dirty="0" smtClean="0"/>
-              <a:t>&gt; ON  &lt;table-</a:t>
-            </a:r>
-            <a:r>
-              <a:rPr lang="en-US" dirty="0" err="1" smtClean="0"/>
-              <a:t>navn</a:t>
-            </a:r>
-            <a:r>
-              <a:rPr lang="en-US" dirty="0" smtClean="0"/>
-              <a:t>&gt; (&lt;column-</a:t>
-            </a:r>
-            <a:r>
-              <a:rPr lang="en-US" dirty="0" err="1" smtClean="0"/>
-              <a:t>navn</a:t>
-            </a:r>
-            <a:r>
-              <a:rPr lang="en-US" dirty="0" smtClean="0"/>
-              <a:t>&gt;)</a:t>
-            </a:r>
-          </a:p>
-          <a:p>
-            <a:pPr marL="628650" lvl="1" indent="-171450">
-              <a:buFont typeface="Arial"/>
-              <a:buChar char="•"/>
-            </a:pPr>
-            <a:r>
-              <a:rPr lang="en-US" dirty="0" err="1" smtClean="0"/>
-              <a:t>Lokal</a:t>
-            </a:r>
-            <a:r>
-              <a:rPr lang="en-US" baseline="0" dirty="0" smtClean="0"/>
-              <a:t> </a:t>
-            </a:r>
-            <a:r>
-              <a:rPr lang="en-US" baseline="0" dirty="0" err="1" smtClean="0"/>
-              <a:t>indeks</a:t>
-            </a:r>
-            <a:r>
-              <a:rPr lang="en-US" baseline="0" dirty="0" smtClean="0"/>
-              <a:t> per node (global I </a:t>
-            </a:r>
-            <a:r>
-              <a:rPr lang="en-US" baseline="0" dirty="0" err="1" smtClean="0"/>
-              <a:t>nyeste</a:t>
-            </a:r>
-            <a:r>
-              <a:rPr lang="en-US" baseline="0" dirty="0" smtClean="0"/>
-              <a:t> </a:t>
-            </a:r>
-            <a:r>
-              <a:rPr lang="en-US" baseline="0" dirty="0" err="1" smtClean="0"/>
-              <a:t>versjon</a:t>
-            </a:r>
-            <a:r>
-              <a:rPr lang="en-US" baseline="0" dirty="0" smtClean="0"/>
-              <a:t>)</a:t>
-            </a:r>
-          </a:p>
-          <a:p>
-            <a:pPr marL="1085850" lvl="2" indent="-171450">
-              <a:buFont typeface="Arial"/>
-              <a:buChar char="•"/>
-            </a:pPr>
-            <a:r>
-              <a:rPr lang="en-US" baseline="0" dirty="0" err="1" smtClean="0"/>
-              <a:t>Må</a:t>
-            </a:r>
-            <a:r>
-              <a:rPr lang="en-US" baseline="0" dirty="0" smtClean="0"/>
-              <a:t> </a:t>
-            </a:r>
-            <a:r>
-              <a:rPr lang="en-US" baseline="0" dirty="0" err="1" smtClean="0"/>
-              <a:t>spørre</a:t>
-            </a:r>
-            <a:r>
-              <a:rPr lang="en-US" baseline="0" dirty="0" smtClean="0"/>
-              <a:t> </a:t>
-            </a:r>
-            <a:r>
-              <a:rPr lang="en-US" baseline="0" dirty="0" err="1" smtClean="0"/>
-              <a:t>alle</a:t>
-            </a:r>
-            <a:r>
-              <a:rPr lang="en-US" baseline="0" dirty="0" smtClean="0"/>
-              <a:t> </a:t>
-            </a:r>
-            <a:r>
-              <a:rPr lang="en-US" baseline="0" dirty="0" err="1" smtClean="0"/>
-              <a:t>nodene</a:t>
-            </a:r>
-            <a:r>
-              <a:rPr lang="en-US" baseline="0" dirty="0" smtClean="0"/>
-              <a:t> for </a:t>
-            </a:r>
-            <a:r>
-              <a:rPr lang="en-US" baseline="0" dirty="0" err="1" smtClean="0"/>
-              <a:t>å</a:t>
-            </a:r>
-            <a:r>
-              <a:rPr lang="en-US" baseline="0" dirty="0" smtClean="0"/>
-              <a:t> </a:t>
-            </a:r>
-            <a:r>
-              <a:rPr lang="en-US" baseline="0" dirty="0" err="1" smtClean="0"/>
-              <a:t>sjekke</a:t>
-            </a:r>
-            <a:r>
-              <a:rPr lang="en-US" baseline="0" dirty="0" smtClean="0"/>
-              <a:t> </a:t>
-            </a:r>
-            <a:r>
-              <a:rPr lang="en-US" baseline="0" dirty="0" err="1" smtClean="0"/>
-              <a:t>om</a:t>
-            </a:r>
-            <a:r>
-              <a:rPr lang="en-US" baseline="0" dirty="0" smtClean="0"/>
-              <a:t> </a:t>
-            </a:r>
-            <a:r>
-              <a:rPr lang="en-US" baseline="0" dirty="0" err="1" smtClean="0"/>
-              <a:t>verdien</a:t>
-            </a:r>
-            <a:r>
-              <a:rPr lang="en-US" baseline="0" dirty="0" smtClean="0"/>
-              <a:t> </a:t>
-            </a:r>
-            <a:r>
-              <a:rPr lang="en-US" baseline="0" dirty="0" err="1" smtClean="0"/>
-              <a:t>er</a:t>
-            </a:r>
-            <a:r>
-              <a:rPr lang="en-US" baseline="0" dirty="0" smtClean="0"/>
-              <a:t> I dens </a:t>
-            </a:r>
-            <a:r>
-              <a:rPr lang="en-US" baseline="0" dirty="0" err="1" smtClean="0"/>
-              <a:t>indeks</a:t>
-            </a:r>
-            <a:endParaRPr lang="en-US" baseline="0" dirty="0" smtClean="0"/>
-          </a:p>
-          <a:p>
-            <a:pPr marL="1543050" lvl="3" indent="-171450">
-              <a:buFont typeface="Arial"/>
-              <a:buChar char="•"/>
-            </a:pPr>
-            <a:r>
-              <a:rPr lang="en-US" baseline="0" dirty="0" err="1" smtClean="0"/>
-              <a:t>Prøv</a:t>
-            </a:r>
-            <a:r>
-              <a:rPr lang="en-US" baseline="0" dirty="0" smtClean="0"/>
-              <a:t> </a:t>
-            </a:r>
-            <a:r>
-              <a:rPr lang="en-US" baseline="0" dirty="0" err="1" smtClean="0"/>
-              <a:t>å</a:t>
-            </a:r>
-            <a:r>
-              <a:rPr lang="en-US" baseline="0" dirty="0" smtClean="0"/>
-              <a:t> </a:t>
-            </a:r>
-            <a:r>
-              <a:rPr lang="en-US" baseline="0" dirty="0" err="1" smtClean="0"/>
-              <a:t>unngå</a:t>
-            </a:r>
-            <a:endParaRPr lang="en-US" baseline="0" dirty="0" smtClean="0"/>
-          </a:p>
-          <a:p>
-            <a:pPr marL="1543050" lvl="3" indent="-171450">
-              <a:buFont typeface="Arial"/>
-              <a:buChar char="•"/>
-            </a:pPr>
-            <a:r>
-              <a:rPr lang="en-US" baseline="0" dirty="0" err="1" smtClean="0"/>
-              <a:t>Denormaliser</a:t>
-            </a:r>
-            <a:r>
-              <a:rPr lang="en-US" baseline="0" dirty="0" smtClean="0"/>
-              <a:t> </a:t>
-            </a:r>
-            <a:r>
-              <a:rPr lang="en-US" baseline="0" dirty="0" err="1" smtClean="0"/>
-              <a:t>dataene</a:t>
-            </a:r>
-            <a:r>
-              <a:rPr lang="en-US" baseline="0" dirty="0" smtClean="0"/>
-              <a:t> </a:t>
-            </a:r>
-            <a:r>
-              <a:rPr lang="en-US" baseline="0" dirty="0" err="1" smtClean="0"/>
-              <a:t>istedenfor</a:t>
-            </a:r>
-            <a:endParaRPr lang="en-US" baseline="0" dirty="0" smtClean="0"/>
-          </a:p>
-          <a:p>
-            <a:pPr marL="2000250" lvl="4" indent="-171450">
-              <a:buFont typeface="Arial"/>
-              <a:buChar char="•"/>
-            </a:pPr>
-            <a:r>
-              <a:rPr lang="en-US" baseline="0" dirty="0" err="1" smtClean="0"/>
-              <a:t>Table_by_a</a:t>
-            </a:r>
-            <a:endParaRPr lang="en-US" baseline="0" dirty="0" smtClean="0"/>
-          </a:p>
-          <a:p>
-            <a:pPr marL="2000250" lvl="4" indent="-171450">
-              <a:buFont typeface="Arial"/>
-              <a:buChar char="•"/>
-            </a:pPr>
-            <a:r>
-              <a:rPr lang="en-US" baseline="0" dirty="0" err="1" smtClean="0"/>
-              <a:t>Table_by_b</a:t>
-            </a:r>
-            <a:endParaRPr lang="en-US" baseline="0" dirty="0" smtClean="0"/>
-          </a:p>
-          <a:p>
-            <a:pPr marL="171450" lvl="0" indent="-171450">
-              <a:buFont typeface="Arial"/>
-              <a:buChar char="•"/>
-            </a:pPr>
-            <a:r>
-              <a:rPr lang="en-US" baseline="0" dirty="0" smtClean="0"/>
-              <a:t>INSERT INTO &lt;</a:t>
-            </a:r>
-            <a:r>
-              <a:rPr lang="en-US" baseline="0" dirty="0" err="1" smtClean="0"/>
-              <a:t>keyspace</a:t>
-            </a:r>
-            <a:r>
-              <a:rPr lang="en-US" baseline="0" dirty="0" smtClean="0"/>
-              <a:t>&gt;.&lt;table&gt; (columns…) VALUES (values…) USING TTL &lt;seconds&gt;;</a:t>
-            </a:r>
-          </a:p>
-        </p:txBody>
-      </p:sp>
-      <p:sp>
-        <p:nvSpPr>
-          <p:cNvPr id="4" name="Slide Number Placeholder 3"/>
-          <p:cNvSpPr>
-            <a:spLocks noGrp="1"/>
-          </p:cNvSpPr>
-          <p:nvPr>
-            <p:ph type="sldNum" sz="quarter" idx="10"/>
-          </p:nvPr>
-        </p:nvSpPr>
-        <p:spPr/>
-        <p:txBody>
-          <a:bodyPr/>
-          <a:lstStyle/>
-          <a:p>
-            <a:fld id="{5B8851A2-1533-BD40-9223-E39EB9F7BBE7}" type="slidenum">
-              <a:rPr lang="en-US" smtClean="0"/>
-              <a:t>12</a:t>
-            </a:fld>
-            <a:endParaRPr lang="en-US"/>
-          </a:p>
-        </p:txBody>
-      </p:sp>
-    </p:spTree>
-    <p:extLst>
-      <p:ext uri="{BB962C8B-B14F-4D97-AF65-F5344CB8AC3E}">
-        <p14:creationId xmlns:p14="http://schemas.microsoft.com/office/powerpoint/2010/main" val="883570942"/>
-      </p:ext>
-    </p:extLst>
-  </p:cSld>
-  <p:clrMapOvr>
-    <a:masterClrMapping/>
-  </p:clrMapOvr>
-</p:notes>
-</file>
-
-<file path=ppt/notesSlides/notesSlide12.xml><?xml version="1.0" encoding="utf-8"?>
-<p:notes xmlns:a="http://schemas.openxmlformats.org/drawingml/2006/main" xmlns:r="http://schemas.openxmlformats.org/officeDocument/2006/relationships" xmlns:p="http://schemas.openxmlformats.org/presentationml/2006/main">
-  <p:cSld>
-    <p:spTree>
-      <p:nvGrpSpPr>
-        <p:cNvPr id="1" name=""/>
-        <p:cNvGrpSpPr/>
-        <p:nvPr/>
-      </p:nvGrpSpPr>
-      <p:grpSpPr>
-        <a:xfrm>
-          <a:off x="0" y="0"/>
-          <a:ext cx="0" cy="0"/>
-          <a:chOff x="0" y="0"/>
-          <a:chExt cx="0" cy="0"/>
-        </a:xfrm>
-      </p:grpSpPr>
-      <p:sp>
-        <p:nvSpPr>
-          <p:cNvPr id="2" name="Slide Image Placeholder 1"/>
-          <p:cNvSpPr>
-            <a:spLocks noGrp="1" noRot="1" noChangeAspect="1"/>
-          </p:cNvSpPr>
-          <p:nvPr>
-            <p:ph type="sldImg"/>
-          </p:nvPr>
-        </p:nvSpPr>
-        <p:spPr/>
-      </p:sp>
-      <p:sp>
-        <p:nvSpPr>
-          <p:cNvPr id="3" name="Notes Placeholder 2"/>
-          <p:cNvSpPr>
-            <a:spLocks noGrp="1"/>
-          </p:cNvSpPr>
-          <p:nvPr>
-            <p:ph type="body" idx="1"/>
-          </p:nvPr>
-        </p:nvSpPr>
-        <p:spPr/>
-        <p:txBody>
-          <a:bodyPr/>
-          <a:lstStyle/>
-          <a:p>
-            <a:pPr marL="171450" indent="-171450">
-              <a:buFont typeface="Arial"/>
-              <a:buChar char="•"/>
-            </a:pPr>
-            <a:r>
-              <a:rPr lang="en-US" dirty="0" smtClean="0"/>
-              <a:t>Start </a:t>
-            </a:r>
-            <a:r>
-              <a:rPr lang="en-US" dirty="0" err="1" smtClean="0"/>
-              <a:t>OpsCenter</a:t>
-            </a:r>
-            <a:r>
-              <a:rPr lang="en-US" dirty="0" smtClean="0"/>
-              <a:t> </a:t>
-            </a:r>
-            <a:r>
-              <a:rPr lang="en-US" dirty="0" err="1" smtClean="0"/>
-              <a:t>lokalt</a:t>
-            </a:r>
-            <a:endParaRPr lang="en-US" dirty="0" smtClean="0"/>
-          </a:p>
-          <a:p>
-            <a:pPr marL="171450" indent="-171450">
-              <a:buFont typeface="Arial"/>
-              <a:buChar char="•"/>
-            </a:pPr>
-            <a:r>
-              <a:rPr lang="en-US" dirty="0" err="1" smtClean="0"/>
-              <a:t>Koble</a:t>
-            </a:r>
-            <a:r>
-              <a:rPr lang="en-US" dirty="0" smtClean="0"/>
-              <a:t> </a:t>
-            </a:r>
-            <a:r>
-              <a:rPr lang="en-US" dirty="0" err="1" smtClean="0"/>
-              <a:t>til</a:t>
-            </a:r>
-            <a:r>
-              <a:rPr lang="en-US" dirty="0" smtClean="0"/>
-              <a:t> min node</a:t>
-            </a:r>
-          </a:p>
-          <a:p>
-            <a:pPr marL="171450" indent="-171450">
-              <a:buFont typeface="Arial"/>
-              <a:buChar char="•"/>
-            </a:pPr>
-            <a:endParaRPr lang="en-US" dirty="0"/>
-          </a:p>
-        </p:txBody>
-      </p:sp>
-      <p:sp>
-        <p:nvSpPr>
-          <p:cNvPr id="4" name="Slide Number Placeholder 3"/>
-          <p:cNvSpPr>
-            <a:spLocks noGrp="1"/>
-          </p:cNvSpPr>
-          <p:nvPr>
-            <p:ph type="sldNum" sz="quarter" idx="10"/>
-          </p:nvPr>
-        </p:nvSpPr>
-        <p:spPr/>
-        <p:txBody>
-          <a:bodyPr/>
-          <a:lstStyle/>
-          <a:p>
-            <a:fld id="{5B8851A2-1533-BD40-9223-E39EB9F7BBE7}" type="slidenum">
-              <a:rPr lang="en-US" smtClean="0"/>
-              <a:t>13</a:t>
-            </a:fld>
-            <a:endParaRPr lang="en-US"/>
-          </a:p>
-        </p:txBody>
-      </p:sp>
-    </p:spTree>
-    <p:extLst>
-      <p:ext uri="{BB962C8B-B14F-4D97-AF65-F5344CB8AC3E}">
-        <p14:creationId xmlns:p14="http://schemas.microsoft.com/office/powerpoint/2010/main" val="3674016033"/>
-      </p:ext>
-    </p:extLst>
-  </p:cSld>
-  <p:clrMapOvr>
-    <a:masterClrMapping/>
-  </p:clrMapOvr>
-</p:notes>
-</file>
-
-<file path=ppt/notesSlides/notesSlide13.xml><?xml version="1.0" encoding="utf-8"?>
-<p:notes xmlns:a="http://schemas.openxmlformats.org/drawingml/2006/main" xmlns:r="http://schemas.openxmlformats.org/officeDocument/2006/relationships" xmlns:p="http://schemas.openxmlformats.org/presentationml/2006/main">
-  <p:cSld>
-    <p:spTree>
-      <p:nvGrpSpPr>
-        <p:cNvPr id="1" name=""/>
-        <p:cNvGrpSpPr/>
-        <p:nvPr/>
-      </p:nvGrpSpPr>
-      <p:grpSpPr>
-        <a:xfrm>
-          <a:off x="0" y="0"/>
-          <a:ext cx="0" cy="0"/>
-          <a:chOff x="0" y="0"/>
-          <a:chExt cx="0" cy="0"/>
-        </a:xfrm>
-      </p:grpSpPr>
-      <p:sp>
-        <p:nvSpPr>
-          <p:cNvPr id="2" name="Slide Image Placeholder 1"/>
-          <p:cNvSpPr>
-            <a:spLocks noGrp="1" noRot="1" noChangeAspect="1"/>
-          </p:cNvSpPr>
-          <p:nvPr>
-            <p:ph type="sldImg"/>
-          </p:nvPr>
-        </p:nvSpPr>
-        <p:spPr/>
-      </p:sp>
-      <p:sp>
-        <p:nvSpPr>
-          <p:cNvPr id="3" name="Notes Placeholder 2"/>
-          <p:cNvSpPr>
-            <a:spLocks noGrp="1"/>
-          </p:cNvSpPr>
-          <p:nvPr>
-            <p:ph type="body" idx="1"/>
-          </p:nvPr>
-        </p:nvSpPr>
-        <p:spPr/>
-        <p:txBody>
-          <a:bodyPr/>
-          <a:lstStyle/>
-          <a:p>
-            <a:pPr marL="171450" indent="-171450">
-              <a:buFont typeface="Arial"/>
-              <a:buChar char="•"/>
-            </a:pPr>
-            <a:r>
-              <a:rPr lang="en-US" dirty="0" err="1" smtClean="0"/>
-              <a:t>Drep</a:t>
-            </a:r>
-            <a:r>
-              <a:rPr lang="en-US" dirty="0" smtClean="0"/>
-              <a:t> </a:t>
-            </a:r>
-            <a:r>
-              <a:rPr lang="en-US" dirty="0" err="1" smtClean="0"/>
-              <a:t>prosess</a:t>
-            </a:r>
-            <a:r>
-              <a:rPr lang="en-US" dirty="0" smtClean="0"/>
-              <a:t> </a:t>
-            </a:r>
-            <a:r>
-              <a:rPr lang="en-US" dirty="0" err="1" smtClean="0"/>
-              <a:t>eller</a:t>
-            </a:r>
-            <a:r>
-              <a:rPr lang="en-US" dirty="0" smtClean="0"/>
-              <a:t> </a:t>
-            </a:r>
-            <a:r>
-              <a:rPr lang="en-US" dirty="0" err="1" smtClean="0"/>
-              <a:t>lignende</a:t>
-            </a:r>
-            <a:r>
-              <a:rPr lang="en-US" dirty="0" smtClean="0"/>
-              <a:t> </a:t>
-            </a:r>
-          </a:p>
-          <a:p>
-            <a:pPr marL="171450" indent="-171450">
-              <a:buFont typeface="Arial"/>
-              <a:buChar char="•"/>
-            </a:pPr>
-            <a:endParaRPr lang="en-US" dirty="0" smtClean="0"/>
-          </a:p>
-          <a:p>
-            <a:pPr marL="171450" indent="-171450">
-              <a:buFont typeface="Arial"/>
-              <a:buChar char="•"/>
-            </a:pPr>
-            <a:r>
-              <a:rPr lang="en-US" dirty="0" smtClean="0"/>
-              <a:t>Meg </a:t>
-            </a:r>
-            <a:r>
-              <a:rPr lang="en-US" dirty="0" err="1" smtClean="0"/>
-              <a:t>og</a:t>
-            </a:r>
-            <a:r>
-              <a:rPr lang="en-US" dirty="0" smtClean="0"/>
-              <a:t> en </a:t>
-            </a:r>
-            <a:r>
-              <a:rPr lang="en-US" dirty="0" err="1" smtClean="0"/>
-              <a:t>annen</a:t>
-            </a:r>
-            <a:r>
-              <a:rPr lang="en-US" dirty="0" smtClean="0"/>
-              <a:t> </a:t>
-            </a:r>
-            <a:r>
-              <a:rPr lang="en-US" dirty="0" err="1" smtClean="0"/>
-              <a:t>bootstrapper</a:t>
-            </a:r>
-            <a:r>
-              <a:rPr lang="en-US" dirty="0" smtClean="0"/>
-              <a:t> </a:t>
-            </a:r>
-            <a:r>
-              <a:rPr lang="en-US" dirty="0" err="1" smtClean="0"/>
-              <a:t>først</a:t>
-            </a:r>
-            <a:r>
-              <a:rPr lang="en-US" dirty="0" smtClean="0"/>
-              <a:t>, med </a:t>
-            </a:r>
-            <a:r>
-              <a:rPr lang="en-US" dirty="0" err="1" smtClean="0"/>
-              <a:t>auto_bootstrap</a:t>
-            </a:r>
-            <a:r>
-              <a:rPr lang="en-US" dirty="0" smtClean="0"/>
-              <a:t>: false -&gt; </a:t>
-            </a:r>
-            <a:r>
-              <a:rPr lang="en-US" dirty="0" err="1" smtClean="0"/>
-              <a:t>starte</a:t>
-            </a:r>
-            <a:r>
-              <a:rPr lang="en-US" dirty="0" smtClean="0"/>
-              <a:t> </a:t>
-            </a:r>
-            <a:r>
-              <a:rPr lang="en-US" dirty="0" err="1" smtClean="0"/>
-              <a:t>deretter</a:t>
-            </a:r>
-            <a:endParaRPr lang="en-US" dirty="0"/>
-          </a:p>
-        </p:txBody>
-      </p:sp>
-      <p:sp>
-        <p:nvSpPr>
-          <p:cNvPr id="4" name="Slide Number Placeholder 3"/>
-          <p:cNvSpPr>
-            <a:spLocks noGrp="1"/>
-          </p:cNvSpPr>
-          <p:nvPr>
-            <p:ph type="sldNum" sz="quarter" idx="10"/>
-          </p:nvPr>
-        </p:nvSpPr>
-        <p:spPr/>
-        <p:txBody>
-          <a:bodyPr/>
-          <a:lstStyle/>
-          <a:p>
-            <a:fld id="{5B8851A2-1533-BD40-9223-E39EB9F7BBE7}" type="slidenum">
-              <a:rPr lang="en-US" smtClean="0"/>
-              <a:t>15</a:t>
-            </a:fld>
-            <a:endParaRPr lang="en-US"/>
-          </a:p>
-        </p:txBody>
-      </p:sp>
-    </p:spTree>
-    <p:extLst>
-      <p:ext uri="{BB962C8B-B14F-4D97-AF65-F5344CB8AC3E}">
-        <p14:creationId xmlns:p14="http://schemas.microsoft.com/office/powerpoint/2010/main" val="172337115"/>
-      </p:ext>
-    </p:extLst>
-  </p:cSld>
-  <p:clrMapOvr>
-    <a:masterClrMapping/>
-  </p:clrMapOvr>
-</p:notes>
-</file>
-
-<file path=ppt/notesSlides/notesSlide14.xml><?xml version="1.0" encoding="utf-8"?>
-<p:notes xmlns:a="http://schemas.openxmlformats.org/drawingml/2006/main" xmlns:r="http://schemas.openxmlformats.org/officeDocument/2006/relationships" xmlns:p="http://schemas.openxmlformats.org/presentationml/2006/main">
-  <p:cSld>
-    <p:spTree>
-      <p:nvGrpSpPr>
-        <p:cNvPr id="1" name=""/>
-        <p:cNvGrpSpPr/>
-        <p:nvPr/>
-      </p:nvGrpSpPr>
-      <p:grpSpPr>
-        <a:xfrm>
-          <a:off x="0" y="0"/>
-          <a:ext cx="0" cy="0"/>
-          <a:chOff x="0" y="0"/>
-          <a:chExt cx="0" cy="0"/>
-        </a:xfrm>
-      </p:grpSpPr>
-      <p:sp>
-        <p:nvSpPr>
-          <p:cNvPr id="2" name="Slide Image Placeholder 1"/>
-          <p:cNvSpPr>
-            <a:spLocks noGrp="1" noRot="1" noChangeAspect="1"/>
-          </p:cNvSpPr>
-          <p:nvPr>
-            <p:ph type="sldImg"/>
-          </p:nvPr>
-        </p:nvSpPr>
-        <p:spPr/>
-      </p:sp>
-      <p:sp>
-        <p:nvSpPr>
-          <p:cNvPr id="3" name="Notes Placeholder 2"/>
-          <p:cNvSpPr>
-            <a:spLocks noGrp="1"/>
-          </p:cNvSpPr>
-          <p:nvPr>
-            <p:ph type="body" idx="1"/>
-          </p:nvPr>
-        </p:nvSpPr>
-        <p:spPr/>
-        <p:txBody>
-          <a:bodyPr/>
-          <a:lstStyle/>
-          <a:p>
-            <a:pPr marL="171450" indent="-171450">
-              <a:buFont typeface="Arial"/>
-              <a:buChar char="•"/>
-            </a:pPr>
-            <a:r>
-              <a:rPr lang="en-US" dirty="0" err="1" smtClean="0"/>
-              <a:t>Rpc</a:t>
-            </a:r>
-            <a:r>
-              <a:rPr lang="en-US" dirty="0" smtClean="0"/>
-              <a:t>, listen </a:t>
-            </a:r>
-            <a:r>
-              <a:rPr lang="en-US" dirty="0" err="1" smtClean="0"/>
-              <a:t>og</a:t>
-            </a:r>
-            <a:r>
-              <a:rPr lang="en-US" dirty="0" smtClean="0"/>
-              <a:t> broadcast</a:t>
-            </a:r>
-            <a:r>
-              <a:rPr lang="en-US" baseline="0" dirty="0" smtClean="0"/>
-              <a:t> </a:t>
-            </a:r>
-            <a:r>
-              <a:rPr lang="en-US" baseline="0" dirty="0" err="1" smtClean="0"/>
-              <a:t>er</a:t>
-            </a:r>
-            <a:r>
-              <a:rPr lang="en-US" baseline="0" dirty="0" smtClean="0"/>
-              <a:t> </a:t>
-            </a:r>
-            <a:r>
-              <a:rPr lang="en-US" baseline="0" dirty="0" err="1" smtClean="0"/>
-              <a:t>lik</a:t>
-            </a:r>
-            <a:r>
-              <a:rPr lang="en-US" baseline="0" dirty="0" smtClean="0"/>
-              <a:t> I </a:t>
-            </a:r>
-            <a:r>
-              <a:rPr lang="en-US" baseline="0" dirty="0" err="1" smtClean="0"/>
-              <a:t>dette</a:t>
-            </a:r>
-            <a:r>
-              <a:rPr lang="en-US" baseline="0" dirty="0" smtClean="0"/>
-              <a:t> </a:t>
-            </a:r>
-            <a:r>
-              <a:rPr lang="en-US" baseline="0" dirty="0" err="1" smtClean="0"/>
-              <a:t>caset</a:t>
-            </a:r>
-            <a:r>
-              <a:rPr lang="en-US" baseline="0" dirty="0" smtClean="0"/>
-              <a:t>. </a:t>
-            </a:r>
-            <a:r>
-              <a:rPr lang="en-US" baseline="0" dirty="0" err="1" smtClean="0"/>
-              <a:t>Kan</a:t>
-            </a:r>
-            <a:r>
-              <a:rPr lang="en-US" baseline="0" dirty="0" smtClean="0"/>
-              <a:t> </a:t>
-            </a:r>
-            <a:r>
-              <a:rPr lang="en-US" baseline="0" dirty="0" err="1" smtClean="0"/>
-              <a:t>endres</a:t>
-            </a:r>
-            <a:r>
-              <a:rPr lang="en-US" baseline="0" dirty="0" smtClean="0"/>
-              <a:t> for </a:t>
-            </a:r>
-            <a:r>
-              <a:rPr lang="en-US" baseline="0" dirty="0" err="1" smtClean="0"/>
-              <a:t>å</a:t>
-            </a:r>
-            <a:r>
-              <a:rPr lang="en-US" baseline="0" dirty="0" smtClean="0"/>
-              <a:t> </a:t>
-            </a:r>
-            <a:r>
-              <a:rPr lang="en-US" baseline="0" dirty="0" err="1" smtClean="0"/>
-              <a:t>skille</a:t>
-            </a:r>
-            <a:r>
-              <a:rPr lang="en-US" baseline="0" dirty="0" smtClean="0"/>
-              <a:t> </a:t>
-            </a:r>
-            <a:r>
-              <a:rPr lang="en-US" baseline="0" dirty="0" err="1" smtClean="0"/>
-              <a:t>på</a:t>
-            </a:r>
-            <a:r>
-              <a:rPr lang="en-US" baseline="0" dirty="0" smtClean="0"/>
-              <a:t> private/public addresser </a:t>
-            </a:r>
-            <a:r>
-              <a:rPr lang="en-US" baseline="0" dirty="0" err="1" smtClean="0"/>
-              <a:t>o.l</a:t>
-            </a:r>
-            <a:r>
-              <a:rPr lang="en-US" baseline="0" dirty="0" smtClean="0"/>
-              <a:t>.</a:t>
-            </a:r>
-          </a:p>
-          <a:p>
-            <a:pPr marL="171450" indent="-171450">
-              <a:buFont typeface="Arial"/>
-              <a:buChar char="•"/>
-            </a:pPr>
-            <a:r>
-              <a:rPr lang="en-US" baseline="0" dirty="0" smtClean="0"/>
-              <a:t>Snitch: </a:t>
-            </a:r>
-            <a:r>
-              <a:rPr lang="en-US" baseline="0" dirty="0" err="1" smtClean="0"/>
-              <a:t>Droppe</a:t>
-            </a:r>
-            <a:r>
-              <a:rPr lang="en-US" baseline="0" dirty="0" smtClean="0"/>
-              <a:t> da performance </a:t>
-            </a:r>
-            <a:r>
-              <a:rPr lang="en-US" baseline="0" dirty="0" err="1" smtClean="0"/>
-              <a:t>ikke</a:t>
-            </a:r>
-            <a:r>
-              <a:rPr lang="en-US" baseline="0" dirty="0" smtClean="0"/>
-              <a:t> </a:t>
-            </a:r>
-            <a:r>
-              <a:rPr lang="en-US" baseline="0" dirty="0" err="1" smtClean="0"/>
-              <a:t>er</a:t>
-            </a:r>
-            <a:r>
-              <a:rPr lang="en-US" baseline="0" dirty="0" smtClean="0"/>
-              <a:t> </a:t>
-            </a:r>
-            <a:r>
-              <a:rPr lang="en-US" baseline="0" dirty="0" err="1" smtClean="0"/>
-              <a:t>vitkig</a:t>
-            </a:r>
-            <a:r>
-              <a:rPr lang="en-US" baseline="0" dirty="0" smtClean="0"/>
-              <a:t> I </a:t>
-            </a:r>
-            <a:r>
-              <a:rPr lang="en-US" baseline="0" dirty="0" err="1" smtClean="0"/>
-              <a:t>dette</a:t>
-            </a:r>
-            <a:r>
-              <a:rPr lang="en-US" baseline="0" dirty="0" smtClean="0"/>
-              <a:t> </a:t>
-            </a:r>
-            <a:r>
-              <a:rPr lang="en-US" baseline="0" dirty="0" err="1" smtClean="0"/>
-              <a:t>caset</a:t>
-            </a:r>
-            <a:endParaRPr lang="en-US" dirty="0"/>
-          </a:p>
-        </p:txBody>
-      </p:sp>
-      <p:sp>
-        <p:nvSpPr>
-          <p:cNvPr id="4" name="Slide Number Placeholder 3"/>
-          <p:cNvSpPr>
-            <a:spLocks noGrp="1"/>
-          </p:cNvSpPr>
-          <p:nvPr>
-            <p:ph type="sldNum" sz="quarter" idx="10"/>
-          </p:nvPr>
-        </p:nvSpPr>
-        <p:spPr/>
-        <p:txBody>
-          <a:bodyPr/>
-          <a:lstStyle/>
-          <a:p>
-            <a:fld id="{5B8851A2-1533-BD40-9223-E39EB9F7BBE7}" type="slidenum">
-              <a:rPr lang="en-US" smtClean="0"/>
-              <a:t>16</a:t>
-            </a:fld>
-            <a:endParaRPr lang="en-US"/>
-          </a:p>
-        </p:txBody>
-      </p:sp>
-    </p:spTree>
-    <p:extLst>
-      <p:ext uri="{BB962C8B-B14F-4D97-AF65-F5344CB8AC3E}">
-        <p14:creationId xmlns:p14="http://schemas.microsoft.com/office/powerpoint/2010/main" val="648963233"/>
-      </p:ext>
-    </p:extLst>
-  </p:cSld>
-  <p:clrMapOvr>
-    <a:masterClrMapping/>
-  </p:clrMapOvr>
-</p:notes>
-</file>
-
-<file path=ppt/notesSlides/notesSlide15.xml><?xml version="1.0" encoding="utf-8"?>
-<p:notes xmlns:a="http://schemas.openxmlformats.org/drawingml/2006/main" xmlns:r="http://schemas.openxmlformats.org/officeDocument/2006/relationships" xmlns:p="http://schemas.openxmlformats.org/presentationml/2006/main">
-  <p:cSld>
-    <p:spTree>
-      <p:nvGrpSpPr>
-        <p:cNvPr id="1" name=""/>
-        <p:cNvGrpSpPr/>
-        <p:nvPr/>
-      </p:nvGrpSpPr>
-      <p:grpSpPr>
-        <a:xfrm>
-          <a:off x="0" y="0"/>
-          <a:ext cx="0" cy="0"/>
-          <a:chOff x="0" y="0"/>
-          <a:chExt cx="0" cy="0"/>
-        </a:xfrm>
-      </p:grpSpPr>
-      <p:sp>
-        <p:nvSpPr>
-          <p:cNvPr id="2" name="Slide Image Placeholder 1"/>
-          <p:cNvSpPr>
-            <a:spLocks noGrp="1" noRot="1" noChangeAspect="1"/>
-          </p:cNvSpPr>
-          <p:nvPr>
-            <p:ph type="sldImg"/>
-          </p:nvPr>
-        </p:nvSpPr>
-        <p:spPr/>
-      </p:sp>
-      <p:sp>
-        <p:nvSpPr>
-          <p:cNvPr id="3" name="Notes Placeholder 2"/>
-          <p:cNvSpPr>
-            <a:spLocks noGrp="1"/>
-          </p:cNvSpPr>
-          <p:nvPr>
-            <p:ph type="body" idx="1"/>
-          </p:nvPr>
-        </p:nvSpPr>
-        <p:spPr/>
-        <p:txBody>
-          <a:bodyPr/>
-          <a:lstStyle/>
-          <a:p>
-            <a:r>
-              <a:rPr lang="en-US" dirty="0" err="1" smtClean="0"/>
-              <a:t>Alle</a:t>
-            </a:r>
-            <a:r>
-              <a:rPr lang="en-US" dirty="0" smtClean="0"/>
-              <a:t> </a:t>
-            </a:r>
-            <a:r>
-              <a:rPr lang="en-US" dirty="0" err="1" smtClean="0"/>
-              <a:t>noder</a:t>
-            </a:r>
-            <a:r>
-              <a:rPr lang="en-US" dirty="0" smtClean="0"/>
-              <a:t> </a:t>
-            </a:r>
-            <a:r>
-              <a:rPr lang="en-US" dirty="0" err="1" smtClean="0"/>
-              <a:t>oppe</a:t>
-            </a:r>
-            <a:r>
-              <a:rPr lang="en-US" dirty="0" smtClean="0"/>
-              <a:t>:</a:t>
-            </a:r>
-          </a:p>
-          <a:p>
-            <a:r>
-              <a:rPr lang="en-US" baseline="0" dirty="0" err="1" smtClean="0"/>
-              <a:t>Logge</a:t>
-            </a:r>
-            <a:r>
-              <a:rPr lang="en-US" baseline="0" dirty="0" smtClean="0"/>
-              <a:t> </a:t>
-            </a:r>
-            <a:r>
-              <a:rPr lang="en-US" baseline="0" dirty="0" err="1" smtClean="0"/>
-              <a:t>på</a:t>
-            </a:r>
-            <a:r>
-              <a:rPr lang="en-US" baseline="0" dirty="0" smtClean="0"/>
-              <a:t> min node:</a:t>
-            </a:r>
-          </a:p>
-          <a:p>
-            <a:r>
-              <a:rPr lang="en-US" baseline="0" dirty="0" smtClean="0"/>
-              <a:t>bin/</a:t>
-            </a:r>
-            <a:r>
-              <a:rPr lang="en-US" baseline="0" dirty="0" err="1" smtClean="0"/>
-              <a:t>cassandra</a:t>
-            </a:r>
-            <a:r>
-              <a:rPr lang="en-US" baseline="0" dirty="0" smtClean="0"/>
-              <a:t> –f </a:t>
-            </a:r>
-            <a:r>
-              <a:rPr lang="en-US" baseline="0" dirty="0" err="1" smtClean="0"/>
-              <a:t>playlist.cql</a:t>
-            </a:r>
-            <a:endParaRPr lang="en-US" baseline="0" dirty="0" smtClean="0"/>
-          </a:p>
-          <a:p>
-            <a:endParaRPr lang="en-US" baseline="0" dirty="0" smtClean="0"/>
-          </a:p>
-          <a:p>
-            <a:r>
-              <a:rPr lang="en-US" baseline="0" dirty="0" smtClean="0"/>
-              <a:t>Se </a:t>
-            </a:r>
-            <a:r>
-              <a:rPr lang="en-US" baseline="0" dirty="0" err="1" smtClean="0"/>
-              <a:t>på</a:t>
-            </a:r>
-            <a:r>
-              <a:rPr lang="en-US" baseline="0" dirty="0" smtClean="0"/>
-              <a:t> </a:t>
-            </a:r>
-            <a:r>
-              <a:rPr lang="en-US" baseline="0" dirty="0" err="1" smtClean="0"/>
-              <a:t>visualisering</a:t>
-            </a:r>
-            <a:endParaRPr lang="en-US" baseline="0" dirty="0" smtClean="0"/>
-          </a:p>
-          <a:p>
-            <a:endParaRPr lang="en-US" baseline="0" dirty="0" smtClean="0"/>
-          </a:p>
-          <a:p>
-            <a:r>
-              <a:rPr lang="en-US" baseline="0" dirty="0" err="1" smtClean="0"/>
-              <a:t>Dra</a:t>
-            </a:r>
-            <a:r>
-              <a:rPr lang="en-US" baseline="0" dirty="0" smtClean="0"/>
-              <a:t> </a:t>
-            </a:r>
-            <a:r>
-              <a:rPr lang="en-US" baseline="0" dirty="0" err="1" smtClean="0"/>
-              <a:t>ut</a:t>
-            </a:r>
-            <a:r>
-              <a:rPr lang="en-US" baseline="0" dirty="0" smtClean="0"/>
-              <a:t> </a:t>
-            </a:r>
-            <a:r>
-              <a:rPr lang="en-US" baseline="0" dirty="0" err="1" smtClean="0"/>
-              <a:t>nettverkskabler</a:t>
-            </a:r>
-            <a:r>
-              <a:rPr lang="en-US" baseline="0" dirty="0" smtClean="0"/>
-              <a:t>, </a:t>
-            </a:r>
-            <a:r>
-              <a:rPr lang="en-US" baseline="0" dirty="0" err="1" smtClean="0"/>
-              <a:t>ikke</a:t>
-            </a:r>
-            <a:r>
-              <a:rPr lang="en-US" baseline="0" dirty="0" smtClean="0"/>
-              <a:t> </a:t>
-            </a:r>
-            <a:r>
-              <a:rPr lang="en-US" baseline="0" dirty="0" err="1" smtClean="0"/>
-              <a:t>strøm</a:t>
-            </a:r>
-            <a:r>
-              <a:rPr lang="en-US" baseline="0" dirty="0" smtClean="0"/>
-              <a:t> </a:t>
-            </a:r>
-            <a:r>
-              <a:rPr lang="en-US" baseline="0" dirty="0" err="1" smtClean="0"/>
-              <a:t>pga</a:t>
-            </a:r>
-            <a:r>
-              <a:rPr lang="en-US" baseline="0" dirty="0" smtClean="0"/>
-              <a:t> </a:t>
-            </a:r>
-            <a:r>
-              <a:rPr lang="en-US" baseline="0" dirty="0" err="1" smtClean="0"/>
-              <a:t>init.d</a:t>
-            </a:r>
-            <a:endParaRPr lang="en-US" baseline="0" dirty="0" smtClean="0"/>
-          </a:p>
-          <a:p>
-            <a:endParaRPr lang="en-US" baseline="0" dirty="0" smtClean="0"/>
-          </a:p>
-          <a:p>
-            <a:r>
-              <a:rPr lang="en-US" baseline="0" dirty="0" err="1" smtClean="0"/>
-              <a:t>Spør</a:t>
-            </a:r>
-            <a:r>
-              <a:rPr lang="en-US" baseline="0" dirty="0" smtClean="0"/>
-              <a:t> </a:t>
-            </a:r>
-            <a:r>
-              <a:rPr lang="en-US" baseline="0" dirty="0" err="1" smtClean="0"/>
-              <a:t>på</a:t>
-            </a:r>
-            <a:r>
-              <a:rPr lang="en-US" baseline="0" dirty="0" smtClean="0"/>
-              <a:t> data</a:t>
-            </a:r>
-          </a:p>
-          <a:p>
-            <a:endParaRPr lang="en-US" baseline="0" dirty="0" smtClean="0"/>
-          </a:p>
-          <a:p>
-            <a:r>
-              <a:rPr lang="en-US" baseline="0" dirty="0" err="1" smtClean="0"/>
-              <a:t>Sjekk</a:t>
-            </a:r>
-            <a:r>
-              <a:rPr lang="en-US" baseline="0" dirty="0" smtClean="0"/>
-              <a:t> </a:t>
-            </a:r>
-            <a:r>
-              <a:rPr lang="en-US" baseline="0" dirty="0" err="1" smtClean="0"/>
-              <a:t>hva</a:t>
-            </a:r>
-            <a:r>
-              <a:rPr lang="en-US" baseline="0" dirty="0" smtClean="0"/>
-              <a:t> </a:t>
-            </a:r>
-            <a:r>
-              <a:rPr lang="en-US" baseline="0" dirty="0" err="1" smtClean="0"/>
-              <a:t>som</a:t>
-            </a:r>
-            <a:r>
-              <a:rPr lang="en-US" baseline="0" dirty="0" smtClean="0"/>
-              <a:t> </a:t>
-            </a:r>
-            <a:r>
-              <a:rPr lang="en-US" baseline="0" dirty="0" err="1" smtClean="0"/>
-              <a:t>er</a:t>
-            </a:r>
-            <a:r>
-              <a:rPr lang="en-US" baseline="0" dirty="0" smtClean="0"/>
-              <a:t> </a:t>
-            </a:r>
-            <a:r>
-              <a:rPr lang="en-US" baseline="0" dirty="0" err="1" smtClean="0"/>
-              <a:t>på</a:t>
-            </a:r>
-            <a:r>
-              <a:rPr lang="en-US" baseline="0" dirty="0" smtClean="0"/>
-              <a:t> </a:t>
-            </a:r>
-            <a:r>
-              <a:rPr lang="en-US" baseline="0" dirty="0" err="1" smtClean="0"/>
-              <a:t>hvilke</a:t>
-            </a:r>
-            <a:r>
-              <a:rPr lang="en-US" baseline="0" dirty="0" smtClean="0"/>
-              <a:t> </a:t>
-            </a:r>
-            <a:r>
-              <a:rPr lang="en-US" baseline="0" dirty="0" err="1" smtClean="0"/>
-              <a:t>noder</a:t>
-            </a:r>
-            <a:r>
-              <a:rPr lang="en-US" baseline="0" dirty="0" smtClean="0"/>
-              <a:t> (?)</a:t>
-            </a:r>
-          </a:p>
-          <a:p>
-            <a:r>
-              <a:rPr lang="en-US" baseline="0" dirty="0" err="1" smtClean="0"/>
-              <a:t>Visualisering</a:t>
-            </a:r>
-            <a:r>
-              <a:rPr lang="en-US" baseline="0" dirty="0" smtClean="0"/>
-              <a:t> </a:t>
-            </a:r>
-            <a:r>
-              <a:rPr lang="en-US" baseline="0" dirty="0" err="1" smtClean="0"/>
-              <a:t>av</a:t>
-            </a:r>
-            <a:r>
-              <a:rPr lang="en-US" baseline="0" dirty="0" smtClean="0"/>
-              <a:t> </a:t>
-            </a:r>
-            <a:r>
-              <a:rPr lang="en-US" baseline="0" dirty="0" err="1" smtClean="0"/>
-              <a:t>hvor</a:t>
-            </a:r>
-            <a:r>
-              <a:rPr lang="en-US" baseline="0" dirty="0" smtClean="0"/>
-              <a:t> </a:t>
-            </a:r>
-            <a:r>
-              <a:rPr lang="en-US" baseline="0" dirty="0" err="1" smtClean="0"/>
-              <a:t>spørringer</a:t>
-            </a:r>
-            <a:r>
-              <a:rPr lang="en-US" baseline="0" dirty="0" smtClean="0"/>
-              <a:t> </a:t>
-            </a:r>
-            <a:r>
-              <a:rPr lang="en-US" baseline="0" dirty="0" err="1" smtClean="0"/>
-              <a:t>går</a:t>
-            </a:r>
-            <a:r>
-              <a:rPr lang="en-US" baseline="0" smtClean="0"/>
-              <a:t>?</a:t>
-            </a:r>
-            <a:endParaRPr lang="en-US" baseline="0" dirty="0" smtClean="0"/>
-          </a:p>
-          <a:p>
-            <a:endParaRPr lang="en-US" baseline="0" dirty="0" smtClean="0"/>
-          </a:p>
-          <a:p>
-            <a:endParaRPr lang="en-US" baseline="0" dirty="0" smtClean="0"/>
-          </a:p>
-        </p:txBody>
-      </p:sp>
-      <p:sp>
-        <p:nvSpPr>
-          <p:cNvPr id="4" name="Slide Number Placeholder 3"/>
-          <p:cNvSpPr>
-            <a:spLocks noGrp="1"/>
-          </p:cNvSpPr>
-          <p:nvPr>
-            <p:ph type="sldNum" sz="quarter" idx="10"/>
-          </p:nvPr>
-        </p:nvSpPr>
-        <p:spPr/>
-        <p:txBody>
-          <a:bodyPr/>
-          <a:lstStyle/>
-          <a:p>
-            <a:fld id="{5B8851A2-1533-BD40-9223-E39EB9F7BBE7}" type="slidenum">
-              <a:rPr lang="en-US" smtClean="0"/>
-              <a:t>17</a:t>
-            </a:fld>
-            <a:endParaRPr lang="en-US"/>
-          </a:p>
-        </p:txBody>
-      </p:sp>
-    </p:spTree>
-    <p:extLst>
-      <p:ext uri="{BB962C8B-B14F-4D97-AF65-F5344CB8AC3E}">
-        <p14:creationId xmlns:p14="http://schemas.microsoft.com/office/powerpoint/2010/main" val="3967676903"/>
-      </p:ext>
-    </p:extLst>
-  </p:cSld>
-  <p:clrMapOvr>
-    <a:masterClrMapping/>
-  </p:clrMapOvr>
-</p:notes>
-</file>
-
-<file path=ppt/notesSlides/notesSlide16.xml><?xml version="1.0" encoding="utf-8"?>
-<p:notes xmlns:a="http://schemas.openxmlformats.org/drawingml/2006/main" xmlns:r="http://schemas.openxmlformats.org/officeDocument/2006/relationships" xmlns:p="http://schemas.openxmlformats.org/presentationml/2006/main">
-  <p:cSld>
-    <p:spTree>
-      <p:nvGrpSpPr>
-        <p:cNvPr id="1" name=""/>
-        <p:cNvGrpSpPr/>
-        <p:nvPr/>
-      </p:nvGrpSpPr>
-      <p:grpSpPr>
-        <a:xfrm>
-          <a:off x="0" y="0"/>
-          <a:ext cx="0" cy="0"/>
-          <a:chOff x="0" y="0"/>
-          <a:chExt cx="0" cy="0"/>
-        </a:xfrm>
-      </p:grpSpPr>
-      <p:sp>
-        <p:nvSpPr>
-          <p:cNvPr id="2" name="Slide Image Placeholder 1"/>
-          <p:cNvSpPr>
-            <a:spLocks noGrp="1" noRot="1" noChangeAspect="1"/>
-          </p:cNvSpPr>
-          <p:nvPr>
-            <p:ph type="sldImg"/>
-          </p:nvPr>
-        </p:nvSpPr>
-        <p:spPr/>
-      </p:sp>
-      <p:sp>
-        <p:nvSpPr>
-          <p:cNvPr id="3" name="Notes Placeholder 2"/>
-          <p:cNvSpPr>
-            <a:spLocks noGrp="1"/>
-          </p:cNvSpPr>
-          <p:nvPr>
-            <p:ph type="body" idx="1"/>
-          </p:nvPr>
-        </p:nvSpPr>
-        <p:spPr/>
-        <p:txBody>
-          <a:bodyPr/>
-          <a:lstStyle/>
-          <a:p>
-            <a:pPr marL="171450" indent="-171450">
-              <a:buFont typeface="Arial"/>
-              <a:buChar char="•"/>
-            </a:pPr>
-            <a:r>
-              <a:rPr lang="en-US" dirty="0" smtClean="0"/>
-              <a:t>Start </a:t>
-            </a:r>
-            <a:r>
-              <a:rPr lang="en-US" dirty="0" err="1" smtClean="0"/>
-              <a:t>OpsCenter</a:t>
-            </a:r>
-            <a:r>
-              <a:rPr lang="en-US" baseline="0" dirty="0" smtClean="0"/>
-              <a:t> </a:t>
-            </a:r>
-            <a:r>
-              <a:rPr lang="en-US" baseline="0" dirty="0" err="1" smtClean="0"/>
-              <a:t>på</a:t>
-            </a:r>
-            <a:r>
-              <a:rPr lang="en-US" baseline="0" dirty="0" smtClean="0"/>
-              <a:t> min </a:t>
-            </a:r>
-            <a:r>
-              <a:rPr lang="en-US" baseline="0" dirty="0" err="1" smtClean="0"/>
-              <a:t>maskin</a:t>
-            </a:r>
-            <a:endParaRPr lang="en-US" baseline="0" dirty="0" smtClean="0"/>
-          </a:p>
-          <a:p>
-            <a:pPr marL="171450" indent="-171450">
-              <a:buFont typeface="Arial"/>
-              <a:buChar char="•"/>
-            </a:pPr>
-            <a:r>
-              <a:rPr lang="en-US" baseline="0" dirty="0" err="1" smtClean="0"/>
-              <a:t>Kjører</a:t>
-            </a:r>
-            <a:r>
-              <a:rPr lang="en-US" baseline="0" dirty="0" smtClean="0"/>
-              <a:t> </a:t>
-            </a:r>
-            <a:r>
-              <a:rPr lang="en-US" baseline="0" dirty="0" err="1" smtClean="0"/>
-              <a:t>datastax</a:t>
-            </a:r>
-            <a:r>
-              <a:rPr lang="en-US" baseline="0" dirty="0" smtClean="0"/>
-              <a:t>-agent </a:t>
-            </a:r>
-            <a:r>
-              <a:rPr lang="en-US" baseline="0" dirty="0" err="1" smtClean="0"/>
-              <a:t>på</a:t>
-            </a:r>
-            <a:r>
-              <a:rPr lang="en-US" baseline="0" dirty="0" smtClean="0"/>
-              <a:t> </a:t>
-            </a:r>
-            <a:r>
-              <a:rPr lang="en-US" baseline="0" dirty="0" err="1" smtClean="0"/>
-              <a:t>alle</a:t>
-            </a:r>
-            <a:r>
-              <a:rPr lang="en-US" baseline="0" dirty="0" smtClean="0"/>
-              <a:t> </a:t>
-            </a:r>
-            <a:r>
-              <a:rPr lang="en-US" baseline="0" dirty="0" err="1" smtClean="0"/>
-              <a:t>nodene</a:t>
-            </a:r>
-            <a:r>
-              <a:rPr lang="en-US" baseline="0" dirty="0" smtClean="0"/>
-              <a:t>?</a:t>
-            </a:r>
-          </a:p>
-          <a:p>
-            <a:pPr marL="628650" lvl="1" indent="-171450">
-              <a:buFont typeface="Arial"/>
-              <a:buChar char="•"/>
-            </a:pPr>
-            <a:r>
-              <a:rPr lang="en-US" baseline="0" dirty="0" err="1" smtClean="0"/>
-              <a:t>Kan</a:t>
-            </a:r>
-            <a:r>
-              <a:rPr lang="en-US" baseline="0" dirty="0" smtClean="0"/>
-              <a:t> </a:t>
-            </a:r>
-            <a:r>
-              <a:rPr lang="en-US" baseline="0" dirty="0" err="1" smtClean="0"/>
-              <a:t>initialiseres</a:t>
-            </a:r>
-            <a:r>
-              <a:rPr lang="en-US" baseline="0" dirty="0" smtClean="0"/>
-              <a:t> </a:t>
-            </a:r>
-            <a:r>
-              <a:rPr lang="en-US" baseline="0" dirty="0" err="1" smtClean="0"/>
-              <a:t>fra</a:t>
-            </a:r>
-            <a:r>
-              <a:rPr lang="en-US" baseline="0" dirty="0" smtClean="0"/>
-              <a:t> </a:t>
-            </a:r>
-            <a:r>
-              <a:rPr lang="en-US" baseline="0" dirty="0" err="1" smtClean="0"/>
-              <a:t>OpsCenter</a:t>
-            </a:r>
-            <a:r>
-              <a:rPr lang="en-US" baseline="0" dirty="0" smtClean="0"/>
-              <a:t>?</a:t>
-            </a:r>
-          </a:p>
-          <a:p>
-            <a:pPr marL="1085850" lvl="2" indent="-171450">
-              <a:buFont typeface="Arial"/>
-              <a:buChar char="•"/>
-            </a:pPr>
-            <a:r>
-              <a:rPr lang="en-US" baseline="0" dirty="0" err="1" smtClean="0"/>
-              <a:t>Evt</a:t>
-            </a:r>
-            <a:r>
-              <a:rPr lang="en-US" baseline="0" dirty="0" smtClean="0"/>
-              <a:t>. </a:t>
-            </a:r>
-            <a:r>
-              <a:rPr lang="en-US" baseline="0" dirty="0" err="1" smtClean="0"/>
-              <a:t>Kan</a:t>
-            </a:r>
-            <a:r>
-              <a:rPr lang="en-US" baseline="0" dirty="0" smtClean="0"/>
-              <a:t> </a:t>
-            </a:r>
-            <a:r>
-              <a:rPr lang="en-US" baseline="0" dirty="0" err="1" smtClean="0"/>
-              <a:t>alle</a:t>
-            </a:r>
-            <a:r>
-              <a:rPr lang="en-US" baseline="0" dirty="0" smtClean="0"/>
-              <a:t> </a:t>
-            </a:r>
-            <a:r>
-              <a:rPr lang="en-US" baseline="0" dirty="0" err="1" smtClean="0"/>
-              <a:t>sette</a:t>
-            </a:r>
-            <a:r>
-              <a:rPr lang="en-US" baseline="0" dirty="0" smtClean="0"/>
-              <a:t> </a:t>
-            </a:r>
-            <a:r>
-              <a:rPr lang="en-US" baseline="0" dirty="0" err="1" smtClean="0"/>
-              <a:t>opp</a:t>
-            </a:r>
-            <a:r>
-              <a:rPr lang="en-US" baseline="0" dirty="0" smtClean="0"/>
-              <a:t> sin </a:t>
-            </a:r>
-            <a:r>
-              <a:rPr lang="en-US" baseline="0" dirty="0" err="1" smtClean="0"/>
-              <a:t>egen</a:t>
-            </a:r>
-            <a:r>
-              <a:rPr lang="en-US" baseline="0" dirty="0" smtClean="0"/>
-              <a:t> </a:t>
-            </a:r>
-            <a:r>
-              <a:rPr lang="en-US" baseline="0" dirty="0" err="1" smtClean="0"/>
-              <a:t>instans</a:t>
-            </a:r>
-            <a:r>
-              <a:rPr lang="en-US" baseline="0" dirty="0" smtClean="0"/>
-              <a:t> </a:t>
-            </a:r>
-            <a:r>
-              <a:rPr lang="en-US" baseline="0" dirty="0" err="1" smtClean="0"/>
-              <a:t>samtidig</a:t>
-            </a:r>
-            <a:endParaRPr lang="en-US" baseline="0" dirty="0" smtClean="0"/>
-          </a:p>
-          <a:p>
-            <a:pPr marL="1085850" lvl="2" indent="-171450">
-              <a:buFont typeface="Arial"/>
-              <a:buChar char="•"/>
-            </a:pPr>
-            <a:endParaRPr lang="en-US" baseline="0" dirty="0" smtClean="0"/>
-          </a:p>
-          <a:p>
-            <a:pPr marL="1085850" lvl="2" indent="-171450">
-              <a:buFont typeface="Arial"/>
-              <a:buChar char="•"/>
-            </a:pPr>
-            <a:endParaRPr lang="en-US" baseline="0" dirty="0" smtClean="0"/>
-          </a:p>
-          <a:p>
-            <a:pPr marL="1085850" lvl="2" indent="-171450">
-              <a:buFont typeface="Arial"/>
-              <a:buChar char="•"/>
-            </a:pPr>
-            <a:endParaRPr lang="en-US" baseline="0" dirty="0" smtClean="0"/>
-          </a:p>
-          <a:p>
-            <a:pPr marL="171450" lvl="0" indent="-171450">
-              <a:buFont typeface="Arial"/>
-              <a:buChar char="•"/>
-            </a:pPr>
-            <a:r>
-              <a:rPr lang="en-US" baseline="0" dirty="0" smtClean="0"/>
-              <a:t>Med </a:t>
-            </a:r>
-            <a:r>
-              <a:rPr lang="en-US" baseline="0" dirty="0" err="1" smtClean="0"/>
-              <a:t>Javadriver</a:t>
-            </a:r>
-            <a:r>
-              <a:rPr lang="en-US" baseline="0" dirty="0" smtClean="0"/>
-              <a:t> </a:t>
-            </a:r>
-            <a:r>
-              <a:rPr lang="en-US" baseline="0" dirty="0" err="1" smtClean="0"/>
-              <a:t>eller</a:t>
-            </a:r>
-            <a:r>
-              <a:rPr lang="en-US" baseline="0" dirty="0" smtClean="0"/>
-              <a:t> </a:t>
-            </a:r>
-            <a:r>
-              <a:rPr lang="en-US" baseline="0" dirty="0" err="1" smtClean="0"/>
-              <a:t>lignende</a:t>
-            </a:r>
-            <a:endParaRPr lang="en-US" baseline="0" dirty="0" smtClean="0"/>
-          </a:p>
-          <a:p>
-            <a:pPr marL="628650" lvl="1" indent="-171450">
-              <a:buFont typeface="Arial"/>
-              <a:buChar char="•"/>
-            </a:pPr>
-            <a:r>
-              <a:rPr lang="en-US" baseline="0" dirty="0" err="1" smtClean="0"/>
-              <a:t>Definert</a:t>
-            </a:r>
-            <a:r>
-              <a:rPr lang="en-US" baseline="0" dirty="0" smtClean="0"/>
-              <a:t> et sett med </a:t>
-            </a:r>
-            <a:r>
-              <a:rPr lang="en-US" baseline="0" dirty="0" err="1" smtClean="0"/>
-              <a:t>ip’er</a:t>
-            </a:r>
-            <a:r>
-              <a:rPr lang="en-US" baseline="0" dirty="0" smtClean="0"/>
-              <a:t>. </a:t>
-            </a:r>
-            <a:r>
-              <a:rPr lang="en-US" baseline="0" dirty="0" err="1" smtClean="0"/>
-              <a:t>Oppdateres</a:t>
-            </a:r>
-            <a:r>
-              <a:rPr lang="en-US" baseline="0" dirty="0" smtClean="0"/>
-              <a:t> </a:t>
-            </a:r>
-            <a:r>
-              <a:rPr lang="en-US" baseline="0" dirty="0" err="1" smtClean="0"/>
-              <a:t>denne</a:t>
-            </a:r>
-            <a:r>
-              <a:rPr lang="en-US" baseline="0" dirty="0" smtClean="0"/>
-              <a:t> </a:t>
-            </a:r>
-            <a:r>
-              <a:rPr lang="en-US" baseline="0" dirty="0" err="1" smtClean="0"/>
-              <a:t>automatisk</a:t>
-            </a:r>
-            <a:r>
-              <a:rPr lang="en-US" baseline="0" dirty="0" smtClean="0"/>
-              <a:t> </a:t>
-            </a:r>
-            <a:r>
-              <a:rPr lang="en-US" baseline="0" dirty="0" err="1" smtClean="0"/>
-              <a:t>når</a:t>
-            </a:r>
-            <a:r>
-              <a:rPr lang="en-US" baseline="0" dirty="0" smtClean="0"/>
-              <a:t> </a:t>
-            </a:r>
-            <a:r>
-              <a:rPr lang="en-US" baseline="0" dirty="0" err="1" smtClean="0"/>
-              <a:t>nye</a:t>
-            </a:r>
-            <a:r>
-              <a:rPr lang="en-US" baseline="0" dirty="0" smtClean="0"/>
-              <a:t> </a:t>
-            </a:r>
-            <a:r>
-              <a:rPr lang="en-US" baseline="0" dirty="0" err="1" smtClean="0"/>
-              <a:t>noder</a:t>
-            </a:r>
-            <a:r>
-              <a:rPr lang="en-US" baseline="0" dirty="0" smtClean="0"/>
-              <a:t> </a:t>
-            </a:r>
-            <a:r>
-              <a:rPr lang="en-US" baseline="0" dirty="0" err="1" smtClean="0"/>
-              <a:t>kommer</a:t>
-            </a:r>
-            <a:r>
-              <a:rPr lang="en-US" baseline="0" dirty="0" smtClean="0"/>
-              <a:t> </a:t>
-            </a:r>
-            <a:r>
-              <a:rPr lang="en-US" baseline="0" dirty="0" err="1" smtClean="0"/>
-              <a:t>til</a:t>
-            </a:r>
-            <a:r>
-              <a:rPr lang="en-US" baseline="0" dirty="0" smtClean="0"/>
-              <a:t>?</a:t>
-            </a:r>
-          </a:p>
-          <a:p>
-            <a:pPr marL="628650" lvl="1" indent="-171450">
-              <a:buFont typeface="Arial"/>
-              <a:buChar char="•"/>
-            </a:pPr>
-            <a:r>
-              <a:rPr lang="en-US" baseline="0" dirty="0" err="1" smtClean="0"/>
-              <a:t>Spør</a:t>
-            </a:r>
-            <a:r>
-              <a:rPr lang="en-US" baseline="0" dirty="0" smtClean="0"/>
-              <a:t> </a:t>
-            </a:r>
-            <a:r>
-              <a:rPr lang="en-US" baseline="0" dirty="0" err="1" smtClean="0"/>
-              <a:t>rundt</a:t>
-            </a:r>
-            <a:r>
-              <a:rPr lang="en-US" baseline="0" dirty="0" smtClean="0"/>
-              <a:t> </a:t>
-            </a:r>
-            <a:r>
-              <a:rPr lang="en-US" baseline="0" dirty="0" err="1" smtClean="0"/>
-              <a:t>på</a:t>
-            </a:r>
-            <a:r>
-              <a:rPr lang="en-US" baseline="0" dirty="0" smtClean="0"/>
-              <a:t> de </a:t>
-            </a:r>
-            <a:r>
-              <a:rPr lang="en-US" baseline="0" dirty="0" err="1" smtClean="0"/>
-              <a:t>ulike</a:t>
-            </a:r>
-            <a:r>
-              <a:rPr lang="en-US" baseline="0" dirty="0" smtClean="0"/>
-              <a:t> </a:t>
-            </a:r>
-            <a:r>
-              <a:rPr lang="en-US" baseline="0" dirty="0" err="1" smtClean="0"/>
-              <a:t>adressene</a:t>
-            </a:r>
-            <a:r>
-              <a:rPr lang="en-US" baseline="0" dirty="0" smtClean="0"/>
-              <a:t> </a:t>
-            </a:r>
-            <a:r>
-              <a:rPr lang="en-US" baseline="0" dirty="0" err="1" smtClean="0"/>
-              <a:t>og</a:t>
-            </a:r>
-            <a:r>
-              <a:rPr lang="en-US" baseline="0" dirty="0" smtClean="0"/>
-              <a:t> </a:t>
-            </a:r>
-            <a:r>
-              <a:rPr lang="en-US" baseline="0" dirty="0" err="1" smtClean="0"/>
-              <a:t>håndterer</a:t>
-            </a:r>
-            <a:r>
-              <a:rPr lang="en-US" baseline="0" dirty="0" smtClean="0"/>
-              <a:t> failover </a:t>
-            </a:r>
-            <a:r>
-              <a:rPr lang="en-US" baseline="0" dirty="0" err="1" smtClean="0"/>
-              <a:t>fra</a:t>
-            </a:r>
-            <a:r>
-              <a:rPr lang="en-US" baseline="0" dirty="0" smtClean="0"/>
-              <a:t> </a:t>
-            </a:r>
-            <a:r>
-              <a:rPr lang="en-US" baseline="0" dirty="0" err="1" smtClean="0"/>
-              <a:t>clusteret</a:t>
-            </a:r>
-            <a:endParaRPr lang="en-US" baseline="0" dirty="0" smtClean="0"/>
-          </a:p>
-          <a:p>
-            <a:pPr marL="628650" lvl="1" indent="-171450">
-              <a:buFont typeface="Arial"/>
-              <a:buChar char="•"/>
-            </a:pPr>
-            <a:r>
-              <a:rPr lang="en-US" baseline="0" dirty="0" err="1" smtClean="0"/>
-              <a:t>Nå</a:t>
-            </a:r>
-            <a:r>
-              <a:rPr lang="en-US" baseline="0" dirty="0" smtClean="0"/>
-              <a:t> </a:t>
-            </a:r>
-            <a:r>
-              <a:rPr lang="en-US" baseline="0" dirty="0" err="1" smtClean="0"/>
-              <a:t>er</a:t>
-            </a:r>
-            <a:r>
-              <a:rPr lang="en-US" baseline="0" dirty="0" smtClean="0"/>
-              <a:t> alt </a:t>
-            </a:r>
-            <a:r>
-              <a:rPr lang="en-US" baseline="0" dirty="0" err="1" smtClean="0"/>
-              <a:t>manuelt</a:t>
-            </a:r>
-            <a:r>
-              <a:rPr lang="en-US" baseline="0" dirty="0" smtClean="0"/>
-              <a:t> </a:t>
-            </a:r>
-            <a:r>
-              <a:rPr lang="en-US" baseline="0" dirty="0" err="1" smtClean="0"/>
-              <a:t>så</a:t>
-            </a:r>
-            <a:r>
-              <a:rPr lang="en-US" baseline="0" dirty="0" smtClean="0"/>
-              <a:t> </a:t>
-            </a:r>
-            <a:r>
-              <a:rPr lang="en-US" baseline="0" dirty="0" err="1" smtClean="0"/>
-              <a:t>nå</a:t>
-            </a:r>
-            <a:r>
-              <a:rPr lang="en-US" baseline="0" dirty="0" smtClean="0"/>
-              <a:t> </a:t>
-            </a:r>
-            <a:r>
-              <a:rPr lang="en-US" baseline="0" dirty="0" err="1" smtClean="0"/>
-              <a:t>er</a:t>
-            </a:r>
-            <a:r>
-              <a:rPr lang="en-US" baseline="0" dirty="0" smtClean="0"/>
-              <a:t> </a:t>
-            </a:r>
-            <a:r>
-              <a:rPr lang="en-US" baseline="0" dirty="0" err="1" smtClean="0"/>
-              <a:t>det</a:t>
-            </a:r>
-            <a:r>
-              <a:rPr lang="en-US" baseline="0" dirty="0" smtClean="0"/>
-              <a:t> </a:t>
-            </a:r>
-            <a:r>
-              <a:rPr lang="en-US" baseline="0" dirty="0" err="1" smtClean="0"/>
-              <a:t>ikke</a:t>
-            </a:r>
-            <a:r>
-              <a:rPr lang="en-US" baseline="0" dirty="0" smtClean="0"/>
-              <a:t> failover</a:t>
-            </a:r>
-          </a:p>
-          <a:p>
-            <a:pPr marL="1085850" lvl="2" indent="-171450">
-              <a:buFont typeface="Arial"/>
-              <a:buChar char="•"/>
-            </a:pPr>
-            <a:r>
-              <a:rPr lang="en-US" baseline="0" dirty="0" err="1" smtClean="0"/>
-              <a:t>Ikke</a:t>
-            </a:r>
-            <a:r>
-              <a:rPr lang="en-US" baseline="0" dirty="0" smtClean="0"/>
-              <a:t> ta </a:t>
-            </a:r>
-            <a:r>
-              <a:rPr lang="en-US" baseline="0" dirty="0" err="1" smtClean="0"/>
-              <a:t>ned</a:t>
-            </a:r>
-            <a:r>
-              <a:rPr lang="en-US" baseline="0" dirty="0" smtClean="0"/>
-              <a:t> </a:t>
-            </a:r>
-            <a:r>
-              <a:rPr lang="en-US" baseline="0" dirty="0" err="1" smtClean="0"/>
-              <a:t>noden</a:t>
-            </a:r>
-            <a:r>
-              <a:rPr lang="en-US" baseline="0" dirty="0" smtClean="0"/>
-              <a:t> </a:t>
-            </a:r>
-            <a:r>
-              <a:rPr lang="en-US" baseline="0" dirty="0" err="1" smtClean="0"/>
-              <a:t>jeg</a:t>
-            </a:r>
-            <a:r>
-              <a:rPr lang="en-US" baseline="0" dirty="0" smtClean="0"/>
-              <a:t> </a:t>
-            </a:r>
-            <a:r>
-              <a:rPr lang="en-US" baseline="0" dirty="0" err="1" smtClean="0"/>
-              <a:t>spør</a:t>
-            </a:r>
-            <a:r>
-              <a:rPr lang="en-US" baseline="0" dirty="0" smtClean="0"/>
-              <a:t> </a:t>
-            </a:r>
-            <a:r>
-              <a:rPr lang="en-US" baseline="0" dirty="0" err="1" smtClean="0"/>
-              <a:t>fra</a:t>
-            </a:r>
-            <a:r>
-              <a:rPr lang="en-US" baseline="0" dirty="0" smtClean="0"/>
-              <a:t>. </a:t>
-            </a:r>
-            <a:r>
-              <a:rPr lang="en-US" baseline="0" dirty="0" err="1" smtClean="0"/>
-              <a:t>Evt</a:t>
-            </a:r>
-            <a:r>
-              <a:rPr lang="en-US" baseline="0" dirty="0" smtClean="0"/>
-              <a:t>. </a:t>
-            </a:r>
-            <a:r>
-              <a:rPr lang="en-US" baseline="0" dirty="0" err="1" smtClean="0"/>
-              <a:t>Spør</a:t>
-            </a:r>
-            <a:r>
-              <a:rPr lang="en-US" baseline="0" dirty="0" smtClean="0"/>
-              <a:t> </a:t>
-            </a:r>
-            <a:r>
-              <a:rPr lang="en-US" baseline="0" dirty="0" err="1" smtClean="0"/>
-              <a:t>fra</a:t>
-            </a:r>
-            <a:r>
-              <a:rPr lang="en-US" baseline="0" dirty="0" smtClean="0"/>
-              <a:t> </a:t>
-            </a:r>
-            <a:r>
-              <a:rPr lang="en-US" baseline="0" dirty="0" err="1" smtClean="0"/>
-              <a:t>lokalmaskin</a:t>
-            </a:r>
-            <a:endParaRPr lang="en-US" baseline="0" dirty="0" smtClean="0"/>
-          </a:p>
-          <a:p>
-            <a:pPr marL="1543050" lvl="3" indent="-171450">
-              <a:buFont typeface="Arial"/>
-              <a:buChar char="•"/>
-            </a:pPr>
-            <a:r>
-              <a:rPr lang="en-US" baseline="0" dirty="0" err="1" smtClean="0"/>
-              <a:t>Alle</a:t>
-            </a:r>
-            <a:r>
-              <a:rPr lang="en-US" baseline="0" dirty="0" smtClean="0"/>
-              <a:t> </a:t>
-            </a:r>
-            <a:r>
-              <a:rPr lang="en-US" baseline="0" dirty="0" err="1" smtClean="0"/>
-              <a:t>kan</a:t>
-            </a:r>
-            <a:r>
-              <a:rPr lang="en-US" baseline="0" dirty="0" smtClean="0"/>
-              <a:t> </a:t>
-            </a:r>
-            <a:r>
-              <a:rPr lang="en-US" baseline="0" dirty="0" err="1" smtClean="0"/>
-              <a:t>spørre</a:t>
-            </a:r>
-            <a:r>
-              <a:rPr lang="en-US" baseline="0" dirty="0" smtClean="0"/>
-              <a:t> </a:t>
-            </a:r>
-            <a:r>
-              <a:rPr lang="en-US" baseline="0" dirty="0" err="1" smtClean="0"/>
-              <a:t>fra</a:t>
-            </a:r>
-            <a:r>
-              <a:rPr lang="en-US" baseline="0" dirty="0" smtClean="0"/>
-              <a:t> </a:t>
-            </a:r>
-            <a:r>
-              <a:rPr lang="en-US" baseline="0" dirty="0" err="1" smtClean="0"/>
-              <a:t>lokalmaskin</a:t>
-            </a:r>
-            <a:r>
-              <a:rPr lang="en-US" baseline="0" dirty="0" smtClean="0"/>
-              <a:t> </a:t>
-            </a:r>
-            <a:r>
-              <a:rPr lang="en-US" baseline="0" dirty="0" err="1" smtClean="0"/>
-              <a:t>hvis</a:t>
-            </a:r>
-            <a:r>
-              <a:rPr lang="en-US" baseline="0" dirty="0" smtClean="0"/>
-              <a:t> de </a:t>
-            </a:r>
-            <a:r>
-              <a:rPr lang="en-US" baseline="0" dirty="0" err="1" smtClean="0"/>
-              <a:t>har</a:t>
-            </a:r>
-            <a:r>
-              <a:rPr lang="en-US" baseline="0" dirty="0" smtClean="0"/>
-              <a:t> </a:t>
-            </a:r>
-            <a:r>
-              <a:rPr lang="en-US" baseline="0" dirty="0" err="1" smtClean="0"/>
-              <a:t>cassandra</a:t>
-            </a:r>
-            <a:endParaRPr lang="en-US" baseline="0" dirty="0" smtClean="0"/>
-          </a:p>
-          <a:p>
-            <a:pPr marL="2000250" lvl="4" indent="-171450">
-              <a:buFont typeface="Arial"/>
-              <a:buChar char="•"/>
-            </a:pPr>
-            <a:r>
-              <a:rPr lang="en-US" b="1" baseline="0" dirty="0" smtClean="0"/>
-              <a:t>bin/</a:t>
-            </a:r>
-            <a:r>
-              <a:rPr lang="en-US" b="1" baseline="0" dirty="0" err="1" smtClean="0"/>
-              <a:t>cqlsh</a:t>
-            </a:r>
-            <a:r>
-              <a:rPr lang="en-US" b="1" baseline="0" dirty="0" smtClean="0"/>
-              <a:t> &lt;</a:t>
-            </a:r>
-            <a:r>
-              <a:rPr lang="en-US" b="1" baseline="0" dirty="0" err="1" smtClean="0"/>
-              <a:t>ip</a:t>
-            </a:r>
-            <a:r>
-              <a:rPr lang="en-US" b="1" baseline="0" dirty="0" smtClean="0"/>
-              <a:t>&gt; &lt;port&gt;</a:t>
-            </a:r>
-            <a:endParaRPr lang="en-US" b="1" dirty="0"/>
-          </a:p>
-        </p:txBody>
-      </p:sp>
-      <p:sp>
-        <p:nvSpPr>
-          <p:cNvPr id="4" name="Slide Number Placeholder 3"/>
-          <p:cNvSpPr>
-            <a:spLocks noGrp="1"/>
-          </p:cNvSpPr>
-          <p:nvPr>
-            <p:ph type="sldNum" sz="quarter" idx="10"/>
-          </p:nvPr>
-        </p:nvSpPr>
-        <p:spPr/>
-        <p:txBody>
-          <a:bodyPr/>
-          <a:lstStyle/>
-          <a:p>
-            <a:fld id="{5B8851A2-1533-BD40-9223-E39EB9F7BBE7}" type="slidenum">
-              <a:rPr lang="en-US" smtClean="0"/>
-              <a:t>18</a:t>
-            </a:fld>
-            <a:endParaRPr lang="en-US"/>
-          </a:p>
-        </p:txBody>
-      </p:sp>
-    </p:spTree>
-    <p:extLst>
-      <p:ext uri="{BB962C8B-B14F-4D97-AF65-F5344CB8AC3E}">
-        <p14:creationId xmlns:p14="http://schemas.microsoft.com/office/powerpoint/2010/main" val="341419617"/>
-      </p:ext>
-    </p:extLst>
-  </p:cSld>
-  <p:clrMapOvr>
-    <a:masterClrMapping/>
-  </p:clrMapOvr>
-</p:notes>
-</file>
-
 <file path=ppt/notesSlides/notesSlide2.xml><?xml version="1.0" encoding="utf-8"?>
 <p:notes xmlns:a="http://schemas.openxmlformats.org/drawingml/2006/main" xmlns:r="http://schemas.openxmlformats.org/officeDocument/2006/relationships" xmlns:p="http://schemas.openxmlformats.org/presentationml/2006/main">
   <p:cSld>
@@ -3513,11 +1422,7 @@
             </a:pPr>
             <a:r>
               <a:rPr lang="en-US" dirty="0" smtClean="0"/>
-              <a:t>2011</a:t>
-            </a:r>
-            <a:r>
-              <a:rPr lang="en-US" dirty="0" smtClean="0"/>
-              <a:t>: Netflix benchmark </a:t>
+              <a:t>2011: Netflix benchmark </a:t>
             </a:r>
             <a:r>
               <a:rPr lang="en-US" dirty="0" err="1" smtClean="0"/>
@@ -4024,21 +1929,17 @@
           <a:bodyPr/>
           <a:lstStyle/>
           <a:p>
-            <a:r>
-              <a:rPr lang="en-US" dirty="0" smtClean="0"/>
-              <a:t>.run </a:t>
-            </a:r>
-            <a:r>
-              <a:rPr lang="en-US" dirty="0" err="1" smtClean="0"/>
-              <a:t>fil</a:t>
-            </a:r>
-            <a:r>
-              <a:rPr lang="en-US" dirty="0" smtClean="0"/>
-              <a:t> for </a:t>
-            </a:r>
-            <a:r>
-              <a:rPr lang="en-US" dirty="0" err="1" smtClean="0"/>
-              <a:t>å</a:t>
+            <a:pPr marL="171450" indent="-171450">
+              <a:buFont typeface="Arial"/>
+              <a:buChar char="•"/>
+            </a:pPr>
+            <a:r>
+              <a:rPr lang="en-US" dirty="0" smtClean="0"/>
+              <a:t>Start </a:t>
+            </a:r>
+            <a:r>
+              <a:rPr lang="en-US" dirty="0" err="1" smtClean="0"/>
+              <a:t>OpsCenter</a:t>
             </a:r>
             <a:r>
               <a:rPr lang="en-US" dirty="0" smtClean="0"/>
@@ -4046,7 +1947,18 @@
             </a:r>
             <a:r>
               <a:rPr lang="en-US" dirty="0" err="1" smtClean="0"/>
-              <a:t>installeres</a:t>
+              <a:t>lokalt</a:t>
+            </a:r>
+            <a:endParaRPr lang="en-US" dirty="0" smtClean="0"/>
+          </a:p>
+          <a:p>
+            <a:pPr marL="171450" indent="-171450">
+              <a:buFont typeface="Arial"/>
+              <a:buChar char="•"/>
+            </a:pPr>
+            <a:r>
+              <a:rPr lang="en-US" dirty="0" err="1" smtClean="0"/>
+              <a:t>Koble</a:t>
             </a:r>
             <a:r>
               <a:rPr lang="en-US" dirty="0" smtClean="0"/>
@@ -4054,33 +1966,19 @@
             </a:r>
             <a:r>
               <a:rPr lang="en-US" dirty="0" err="1" smtClean="0"/>
-              <a:t>på</a:t>
-            </a:r>
-            <a:r>
-              <a:rPr lang="en-US" dirty="0" smtClean="0"/>
-              <a:t> </a:t>
-            </a:r>
-            <a:r>
-              <a:rPr lang="en-US" dirty="0" err="1" smtClean="0"/>
-              <a:t>linux</a:t>
-            </a:r>
-            <a:r>
-              <a:rPr lang="en-US" dirty="0" smtClean="0"/>
-              <a:t> </a:t>
-            </a:r>
-            <a:r>
-              <a:rPr lang="en-US" dirty="0" err="1" smtClean="0"/>
-              <a:t>som</a:t>
-            </a:r>
-            <a:r>
-              <a:rPr lang="en-US" baseline="0" dirty="0" smtClean="0"/>
-              <a:t> service under </a:t>
-            </a:r>
-            <a:r>
-              <a:rPr lang="en-US" baseline="0" smtClean="0"/>
-              <a:t>init.d</a:t>
-            </a:r>
-            <a:endParaRPr lang="en-US"/>
+              <a:t>til</a:t>
+            </a:r>
+            <a:r>
+              <a:rPr lang="en-US" dirty="0" smtClean="0"/>
+              <a:t> min node</a:t>
+            </a:r>
+          </a:p>
+          <a:p>
+            <a:pPr marL="171450" indent="-171450">
+              <a:buFont typeface="Arial"/>
+              <a:buChar char="•"/>
+            </a:pPr>
+            <a:endParaRPr lang="en-US" dirty="0"/>
           </a:p>
         </p:txBody>
       </p:sp>
@@ -4101,7 +1999,7 @@
           <a:p>
             <a:fld id="{5B8851A2-1533-BD40-9223-E39EB9F7BBE7}" type="slidenum">
               <a:rPr lang="en-US" smtClean="0"/>
-              <a:t>9</a:t>
+              <a:t>10</a:t>
             </a:fld>
             <a:endParaRPr lang="en-US"/>
           </a:p>
@@ -4110,7 +2008,7 @@
     </p:spTree>
     <p:extLst>
       <p:ext uri="{BB962C8B-B14F-4D97-AF65-F5344CB8AC3E}">
-        <p14:creationId xmlns:p14="http://schemas.microsoft.com/office/powerpoint/2010/main" val="1588655810"/>
+        <p14:creationId xmlns:p14="http://schemas.microsoft.com/office/powerpoint/2010/main" val="3674016033"/>
       </p:ext>
     </p:extLst>
   </p:cSld>
@@ -4170,13 +2068,29 @@
             </a:pPr>
             <a:r>
               <a:rPr lang="en-US" dirty="0" smtClean="0"/>
-              <a:t>Start med: bin/</a:t>
-            </a:r>
-            <a:r>
-              <a:rPr lang="en-US" dirty="0" err="1" smtClean="0"/>
-              <a:t>cassandra</a:t>
-            </a:r>
-            <a:endParaRPr lang="en-US" dirty="0" smtClean="0"/>
+              <a:t>Start </a:t>
+            </a:r>
+            <a:r>
+              <a:rPr lang="en-US" dirty="0" err="1" smtClean="0"/>
+              <a:t>OpsCenter</a:t>
+            </a:r>
+            <a:r>
+              <a:rPr lang="en-US" baseline="0" dirty="0" smtClean="0"/>
+              <a:t> </a:t>
+            </a:r>
+            <a:r>
+              <a:rPr lang="en-US" baseline="0" dirty="0" err="1" smtClean="0"/>
+              <a:t>på</a:t>
+            </a:r>
+            <a:r>
+              <a:rPr lang="en-US" baseline="0" dirty="0" smtClean="0"/>
+              <a:t> min </a:t>
+            </a:r>
+            <a:r>
+              <a:rPr lang="en-US" baseline="0" dirty="0" err="1" smtClean="0"/>
+              <a:t>maskin</a:t>
+            </a:r>
+            <a:endParaRPr lang="en-US" baseline="0" dirty="0" smtClean="0"/>
           </a:p>
           <a:p>
             <a:pPr marL="171450" indent="-171450">
@@ -4184,44 +2098,44 @@
               <a:buChar char="•"/>
             </a:pPr>
             <a:r>
-              <a:rPr lang="en-US" dirty="0" err="1" smtClean="0"/>
-              <a:t>Verifiser</a:t>
-            </a:r>
-            <a:r>
-              <a:rPr lang="en-US" dirty="0" smtClean="0"/>
-              <a:t>: bin/</a:t>
-            </a:r>
-            <a:r>
-              <a:rPr lang="en-US" dirty="0" err="1" smtClean="0"/>
-              <a:t>nodetool</a:t>
-            </a:r>
-            <a:r>
-              <a:rPr lang="en-US" dirty="0" smtClean="0"/>
-              <a:t> status</a:t>
-            </a:r>
-          </a:p>
-          <a:p>
-            <a:pPr marL="171450" indent="-171450">
-              <a:buFont typeface="Arial"/>
-              <a:buChar char="•"/>
-            </a:pPr>
-            <a:endParaRPr lang="en-US" dirty="0" smtClean="0"/>
-          </a:p>
-          <a:p>
-            <a:pPr marL="171450" indent="-171450">
-              <a:buFont typeface="Arial"/>
-              <a:buChar char="•"/>
-            </a:pPr>
-            <a:endParaRPr lang="en-US" dirty="0" smtClean="0"/>
-          </a:p>
-          <a:p>
-            <a:pPr marL="171450" indent="-171450">
-              <a:buFont typeface="Arial"/>
-              <a:buChar char="•"/>
-            </a:pPr>
-            <a:r>
-              <a:rPr lang="en-US" dirty="0" smtClean="0"/>
-              <a:t>Snitch:</a:t>
+              <a:rPr lang="en-US" baseline="0" dirty="0" err="1" smtClean="0"/>
+              <a:t>Kjører</a:t>
+            </a:r>
+            <a:r>
+              <a:rPr lang="en-US" baseline="0" dirty="0" smtClean="0"/>
+              <a:t> </a:t>
+            </a:r>
+            <a:r>
+              <a:rPr lang="en-US" baseline="0" dirty="0" err="1" smtClean="0"/>
+              <a:t>datastax</a:t>
+            </a:r>
+            <a:r>
+              <a:rPr lang="en-US" baseline="0" dirty="0" smtClean="0"/>
+              <a:t>-agent </a:t>
+            </a:r>
+            <a:r>
+              <a:rPr lang="en-US" baseline="0" dirty="0" err="1" smtClean="0"/>
+              <a:t>på</a:t>
+            </a:r>
+            <a:r>
+              <a:rPr lang="en-US" baseline="0" dirty="0" smtClean="0"/>
+              <a:t> </a:t>
+            </a:r>
+            <a:r>
+              <a:rPr lang="en-US" baseline="0" dirty="0" err="1" smtClean="0"/>
+              <a:t>alle</a:t>
+            </a:r>
+            <a:r>
+              <a:rPr lang="en-US" baseline="0" dirty="0" smtClean="0"/>
+              <a:t> </a:t>
+            </a:r>
+            <a:r>
+              <a:rPr lang="en-US" baseline="0" dirty="0" err="1" smtClean="0"/>
+              <a:t>nodene</a:t>
+            </a:r>
+            <a:r>
+              <a:rPr lang="en-US" baseline="0" dirty="0" smtClean="0"/>
+              <a:t>?</a:t>
             </a:r>
           </a:p>
           <a:p>
@@ -4230,62 +2144,564 @@
               <a:buChar char="•"/>
             </a:pPr>
             <a:r>
-              <a:rPr lang="en-US" dirty="0" err="1" smtClean="0"/>
-              <a:t>Bestemmer</a:t>
-            </a:r>
-            <a:r>
-              <a:rPr lang="en-US" dirty="0" smtClean="0"/>
+              <a:rPr lang="en-US" baseline="0" dirty="0" err="1" smtClean="0"/>
+              <a:t>Kan</a:t>
+            </a:r>
+            <a:r>
+              <a:rPr lang="en-US" baseline="0" dirty="0" smtClean="0"/>
               <a:t> </a:t>
             </a:r>
             <a:r>
-              <a:rPr lang="en-US" dirty="0" err="1" smtClean="0"/>
-              <a:t>hvor</a:t>
-            </a:r>
-            <a:r>
-              <a:rPr lang="en-US" dirty="0" smtClean="0"/>
-              <a:t> requests </a:t>
-            </a:r>
-            <a:r>
-              <a:rPr lang="en-US" dirty="0" err="1" smtClean="0"/>
-              <a:t>skal</a:t>
-            </a:r>
-            <a:r>
-              <a:rPr lang="en-US" dirty="0" smtClean="0"/>
-              <a:t> routes I </a:t>
-            </a:r>
-            <a:r>
-              <a:rPr lang="en-US" dirty="0" err="1" smtClean="0"/>
+              <a:rPr lang="en-US" baseline="0" dirty="0" err="1" smtClean="0"/>
+              <a:t>initialiseres</a:t>
+            </a:r>
+            <a:r>
+              <a:rPr lang="en-US" baseline="0" dirty="0" smtClean="0"/>
+              <a:t> </a:t>
+            </a:r>
+            <a:r>
+              <a:rPr lang="en-US" baseline="0" dirty="0" err="1" smtClean="0"/>
+              <a:t>fra</a:t>
+            </a:r>
+            <a:r>
+              <a:rPr lang="en-US" baseline="0" dirty="0" smtClean="0"/>
+              <a:t> </a:t>
+            </a:r>
+            <a:r>
+              <a:rPr lang="en-US" baseline="0" dirty="0" err="1" smtClean="0"/>
+              <a:t>OpsCenter</a:t>
+            </a:r>
+            <a:r>
+              <a:rPr lang="en-US" baseline="0" dirty="0" smtClean="0"/>
+              <a:t>?</a:t>
+            </a:r>
+          </a:p>
+          <a:p>
+            <a:pPr marL="1085850" lvl="2" indent="-171450">
+              <a:buFont typeface="Arial"/>
+              <a:buChar char="•"/>
+            </a:pPr>
+            <a:r>
+              <a:rPr lang="en-US" baseline="0" dirty="0" err="1" smtClean="0"/>
+              <a:t>Evt</a:t>
+            </a:r>
+            <a:r>
+              <a:rPr lang="en-US" baseline="0" dirty="0" smtClean="0"/>
+              <a:t>. </a:t>
+            </a:r>
+            <a:r>
+              <a:rPr lang="en-US" baseline="0" dirty="0" err="1" smtClean="0"/>
+              <a:t>Kan</a:t>
+            </a:r>
+            <a:r>
+              <a:rPr lang="en-US" baseline="0" dirty="0" smtClean="0"/>
+              <a:t> </a:t>
+            </a:r>
+            <a:r>
+              <a:rPr lang="en-US" baseline="0" dirty="0" err="1" smtClean="0"/>
+              <a:t>alle</a:t>
+            </a:r>
+            <a:r>
+              <a:rPr lang="en-US" baseline="0" dirty="0" smtClean="0"/>
+              <a:t> </a:t>
+            </a:r>
+            <a:r>
+              <a:rPr lang="en-US" baseline="0" dirty="0" err="1" smtClean="0"/>
+              <a:t>sette</a:t>
+            </a:r>
+            <a:r>
+              <a:rPr lang="en-US" baseline="0" dirty="0" smtClean="0"/>
+              <a:t> </a:t>
+            </a:r>
+            <a:r>
+              <a:rPr lang="en-US" baseline="0" dirty="0" err="1" smtClean="0"/>
+              <a:t>opp</a:t>
+            </a:r>
+            <a:r>
+              <a:rPr lang="en-US" baseline="0" dirty="0" smtClean="0"/>
+              <a:t> sin </a:t>
+            </a:r>
+            <a:r>
+              <a:rPr lang="en-US" baseline="0" dirty="0" err="1" smtClean="0"/>
+              <a:t>egen</a:t>
+            </a:r>
+            <a:r>
+              <a:rPr lang="en-US" baseline="0" dirty="0" smtClean="0"/>
+              <a:t> </a:t>
+            </a:r>
+            <a:r>
+              <a:rPr lang="en-US" baseline="0" dirty="0" err="1" smtClean="0"/>
+              <a:t>instans</a:t>
+            </a:r>
+            <a:r>
+              <a:rPr lang="en-US" baseline="0" dirty="0" smtClean="0"/>
+              <a:t> </a:t>
+            </a:r>
+            <a:r>
+              <a:rPr lang="en-US" baseline="0" dirty="0" err="1" smtClean="0"/>
+              <a:t>samtidig</a:t>
+            </a:r>
+            <a:endParaRPr lang="en-US" baseline="0" dirty="0" smtClean="0"/>
+          </a:p>
+          <a:p>
+            <a:pPr marL="1085850" lvl="2" indent="-171450">
+              <a:buFont typeface="Arial"/>
+              <a:buChar char="•"/>
+            </a:pPr>
+            <a:endParaRPr lang="en-US" baseline="0" dirty="0" smtClean="0"/>
+          </a:p>
+          <a:p>
+            <a:pPr marL="1085850" lvl="2" indent="-171450">
+              <a:buFont typeface="Arial"/>
+              <a:buChar char="•"/>
+            </a:pPr>
+            <a:endParaRPr lang="en-US" baseline="0" dirty="0" smtClean="0"/>
+          </a:p>
+          <a:p>
+            <a:pPr marL="1085850" lvl="2" indent="-171450">
+              <a:buFont typeface="Arial"/>
+              <a:buChar char="•"/>
+            </a:pPr>
+            <a:endParaRPr lang="en-US" baseline="0" dirty="0" smtClean="0"/>
+          </a:p>
+          <a:p>
+            <a:pPr marL="171450" lvl="0" indent="-171450">
+              <a:buFont typeface="Arial"/>
+              <a:buChar char="•"/>
+            </a:pPr>
+            <a:r>
+              <a:rPr lang="en-US" baseline="0" dirty="0" smtClean="0"/>
+              <a:t>Med </a:t>
+            </a:r>
+            <a:r>
+              <a:rPr lang="en-US" baseline="0" dirty="0" err="1" smtClean="0"/>
+              <a:t>Javadriver</a:t>
+            </a:r>
+            <a:r>
+              <a:rPr lang="en-US" baseline="0" dirty="0" smtClean="0"/>
+              <a:t> </a:t>
+            </a:r>
+            <a:r>
+              <a:rPr lang="en-US" baseline="0" dirty="0" err="1" smtClean="0"/>
+              <a:t>eller</a:t>
+            </a:r>
+            <a:r>
+              <a:rPr lang="en-US" baseline="0" dirty="0" smtClean="0"/>
+              <a:t> </a:t>
+            </a:r>
+            <a:r>
+              <a:rPr lang="en-US" baseline="0" dirty="0" err="1" smtClean="0"/>
+              <a:t>lignende</a:t>
+            </a:r>
+            <a:endParaRPr lang="en-US" baseline="0" dirty="0" smtClean="0"/>
+          </a:p>
+          <a:p>
+            <a:pPr marL="628650" lvl="1" indent="-171450">
+              <a:buFont typeface="Arial"/>
+              <a:buChar char="•"/>
+            </a:pPr>
+            <a:r>
+              <a:rPr lang="en-US" baseline="0" dirty="0" err="1" smtClean="0"/>
+              <a:t>Definert</a:t>
+            </a:r>
+            <a:r>
+              <a:rPr lang="en-US" baseline="0" dirty="0" smtClean="0"/>
+              <a:t> et sett med </a:t>
+            </a:r>
+            <a:r>
+              <a:rPr lang="en-US" baseline="0" dirty="0" err="1" smtClean="0"/>
+              <a:t>ip’er</a:t>
+            </a:r>
+            <a:r>
+              <a:rPr lang="en-US" baseline="0" dirty="0" smtClean="0"/>
+              <a:t>. </a:t>
+            </a:r>
+            <a:r>
+              <a:rPr lang="en-US" baseline="0" dirty="0" err="1" smtClean="0"/>
+              <a:t>Oppdateres</a:t>
+            </a:r>
+            <a:r>
+              <a:rPr lang="en-US" baseline="0" dirty="0" smtClean="0"/>
+              <a:t> </a:t>
+            </a:r>
+            <a:r>
+              <a:rPr lang="en-US" baseline="0" dirty="0" err="1" smtClean="0"/>
+              <a:t>denne</a:t>
+            </a:r>
+            <a:r>
+              <a:rPr lang="en-US" baseline="0" dirty="0" smtClean="0"/>
+              <a:t> </a:t>
+            </a:r>
+            <a:r>
+              <a:rPr lang="en-US" baseline="0" dirty="0" err="1" smtClean="0"/>
+              <a:t>automatisk</a:t>
+            </a:r>
+            <a:r>
+              <a:rPr lang="en-US" baseline="0" dirty="0" smtClean="0"/>
+              <a:t> </a:t>
+            </a:r>
+            <a:r>
+              <a:rPr lang="en-US" baseline="0" dirty="0" err="1" smtClean="0"/>
+              <a:t>når</a:t>
+            </a:r>
+            <a:r>
+              <a:rPr lang="en-US" baseline="0" dirty="0" smtClean="0"/>
+              <a:t> </a:t>
+            </a:r>
+            <a:r>
+              <a:rPr lang="en-US" baseline="0" dirty="0" err="1" smtClean="0"/>
+              <a:t>nye</a:t>
+            </a:r>
+            <a:r>
+              <a:rPr lang="en-US" baseline="0" dirty="0" smtClean="0"/>
+              <a:t> </a:t>
+            </a:r>
+            <a:r>
+              <a:rPr lang="en-US" baseline="0" dirty="0" err="1" smtClean="0"/>
+              <a:t>noder</a:t>
+            </a:r>
+            <a:r>
+              <a:rPr lang="en-US" baseline="0" dirty="0" smtClean="0"/>
+              <a:t> </a:t>
+            </a:r>
+            <a:r>
+              <a:rPr lang="en-US" baseline="0" dirty="0" err="1" smtClean="0"/>
+              <a:t>kommer</a:t>
+            </a:r>
+            <a:r>
+              <a:rPr lang="en-US" baseline="0" dirty="0" smtClean="0"/>
+              <a:t> </a:t>
+            </a:r>
+            <a:r>
+              <a:rPr lang="en-US" baseline="0" dirty="0" err="1" smtClean="0"/>
+              <a:t>til</a:t>
+            </a:r>
+            <a:r>
+              <a:rPr lang="en-US" baseline="0" dirty="0" smtClean="0"/>
+              <a:t>?</a:t>
+            </a:r>
+          </a:p>
+          <a:p>
+            <a:pPr marL="628650" lvl="1" indent="-171450">
+              <a:buFont typeface="Arial"/>
+              <a:buChar char="•"/>
+            </a:pPr>
+            <a:r>
+              <a:rPr lang="en-US" baseline="0" dirty="0" err="1" smtClean="0"/>
+              <a:t>Spør</a:t>
+            </a:r>
+            <a:r>
+              <a:rPr lang="en-US" baseline="0" dirty="0" smtClean="0"/>
+              <a:t> </a:t>
+            </a:r>
+            <a:r>
+              <a:rPr lang="en-US" baseline="0" dirty="0" err="1" smtClean="0"/>
+              <a:t>rundt</a:t>
+            </a:r>
+            <a:r>
+              <a:rPr lang="en-US" baseline="0" dirty="0" smtClean="0"/>
+              <a:t> </a:t>
+            </a:r>
+            <a:r>
+              <a:rPr lang="en-US" baseline="0" dirty="0" err="1" smtClean="0"/>
+              <a:t>på</a:t>
+            </a:r>
+            <a:r>
+              <a:rPr lang="en-US" baseline="0" dirty="0" smtClean="0"/>
+              <a:t> de </a:t>
+            </a:r>
+            <a:r>
+              <a:rPr lang="en-US" baseline="0" dirty="0" err="1" smtClean="0"/>
+              <a:t>ulike</a:t>
+            </a:r>
+            <a:r>
+              <a:rPr lang="en-US" baseline="0" dirty="0" smtClean="0"/>
+              <a:t> </a:t>
+            </a:r>
+            <a:r>
+              <a:rPr lang="en-US" baseline="0" dirty="0" err="1" smtClean="0"/>
+              <a:t>adressene</a:t>
+            </a:r>
+            <a:r>
+              <a:rPr lang="en-US" baseline="0" dirty="0" smtClean="0"/>
+              <a:t> </a:t>
+            </a:r>
+            <a:r>
+              <a:rPr lang="en-US" baseline="0" dirty="0" err="1" smtClean="0"/>
+              <a:t>og</a:t>
+            </a:r>
+            <a:r>
+              <a:rPr lang="en-US" baseline="0" dirty="0" smtClean="0"/>
+              <a:t> </a:t>
+            </a:r>
+            <a:r>
+              <a:rPr lang="en-US" baseline="0" dirty="0" err="1" smtClean="0"/>
+              <a:t>håndterer</a:t>
+            </a:r>
+            <a:r>
+              <a:rPr lang="en-US" baseline="0" dirty="0" smtClean="0"/>
+              <a:t> failover </a:t>
+            </a:r>
+            <a:r>
+              <a:rPr lang="en-US" baseline="0" dirty="0" err="1" smtClean="0"/>
+              <a:t>fra</a:t>
+            </a:r>
+            <a:r>
+              <a:rPr lang="en-US" baseline="0" dirty="0" smtClean="0"/>
+              <a:t> </a:t>
+            </a:r>
+            <a:r>
+              <a:rPr lang="en-US" baseline="0" dirty="0" err="1" smtClean="0"/>
               <a:t>clusteret</a:t>
             </a:r>
-            <a:r>
-              <a:rPr lang="en-US" dirty="0" smtClean="0"/>
+            <a:endParaRPr lang="en-US" baseline="0" dirty="0" smtClean="0"/>
+          </a:p>
+          <a:p>
+            <a:pPr marL="628650" lvl="1" indent="-171450">
+              <a:buFont typeface="Arial"/>
+              <a:buChar char="•"/>
+            </a:pPr>
+            <a:r>
+              <a:rPr lang="en-US" baseline="0" dirty="0" err="1" smtClean="0"/>
+              <a:t>Nå</a:t>
+            </a:r>
+            <a:r>
+              <a:rPr lang="en-US" baseline="0" dirty="0" smtClean="0"/>
+              <a:t> </a:t>
+            </a:r>
+            <a:r>
+              <a:rPr lang="en-US" baseline="0" dirty="0" err="1" smtClean="0"/>
+              <a:t>er</a:t>
+            </a:r>
+            <a:r>
+              <a:rPr lang="en-US" baseline="0" dirty="0" smtClean="0"/>
+              <a:t> alt </a:t>
+            </a:r>
+            <a:r>
+              <a:rPr lang="en-US" baseline="0" dirty="0" err="1" smtClean="0"/>
+              <a:t>manuelt</a:t>
+            </a:r>
+            <a:r>
+              <a:rPr lang="en-US" baseline="0" dirty="0" smtClean="0"/>
+              <a:t> </a:t>
+            </a:r>
+            <a:r>
+              <a:rPr lang="en-US" baseline="0" dirty="0" err="1" smtClean="0"/>
+              <a:t>så</a:t>
+            </a:r>
+            <a:r>
+              <a:rPr lang="en-US" baseline="0" dirty="0" smtClean="0"/>
+              <a:t> </a:t>
+            </a:r>
+            <a:r>
+              <a:rPr lang="en-US" baseline="0" dirty="0" err="1" smtClean="0"/>
+              <a:t>nå</a:t>
+            </a:r>
+            <a:r>
+              <a:rPr lang="en-US" baseline="0" dirty="0" smtClean="0"/>
+              <a:t> </a:t>
+            </a:r>
+            <a:r>
+              <a:rPr lang="en-US" baseline="0" dirty="0" err="1" smtClean="0"/>
+              <a:t>er</a:t>
+            </a:r>
+            <a:r>
+              <a:rPr lang="en-US" baseline="0" dirty="0" smtClean="0"/>
+              <a:t> </a:t>
+            </a:r>
+            <a:r>
+              <a:rPr lang="en-US" baseline="0" dirty="0" err="1" smtClean="0"/>
+              <a:t>det</a:t>
+            </a:r>
+            <a:r>
+              <a:rPr lang="en-US" baseline="0" dirty="0" smtClean="0"/>
+              <a:t> </a:t>
+            </a:r>
+            <a:r>
+              <a:rPr lang="en-US" baseline="0" dirty="0" err="1" smtClean="0"/>
+              <a:t>ikke</a:t>
+            </a:r>
+            <a:r>
+              <a:rPr lang="en-US" baseline="0" dirty="0" smtClean="0"/>
+              <a:t> failover</a:t>
+            </a:r>
+          </a:p>
+          <a:p>
+            <a:pPr marL="1085850" lvl="2" indent="-171450">
+              <a:buFont typeface="Arial"/>
+              <a:buChar char="•"/>
+            </a:pPr>
+            <a:r>
+              <a:rPr lang="en-US" baseline="0" dirty="0" err="1" smtClean="0"/>
+              <a:t>Ikke</a:t>
+            </a:r>
+            <a:r>
+              <a:rPr lang="en-US" baseline="0" dirty="0" smtClean="0"/>
+              <a:t> ta </a:t>
+            </a:r>
+            <a:r>
+              <a:rPr lang="en-US" baseline="0" dirty="0" err="1" smtClean="0"/>
+              <a:t>ned</a:t>
+            </a:r>
+            <a:r>
+              <a:rPr lang="en-US" baseline="0" dirty="0" smtClean="0"/>
+              <a:t> </a:t>
+            </a:r>
+            <a:r>
+              <a:rPr lang="en-US" baseline="0" dirty="0" err="1" smtClean="0"/>
+              <a:t>noden</a:t>
+            </a:r>
+            <a:r>
+              <a:rPr lang="en-US" baseline="0" dirty="0" smtClean="0"/>
+              <a:t> </a:t>
+            </a:r>
+            <a:r>
+              <a:rPr lang="en-US" baseline="0" dirty="0" err="1" smtClean="0"/>
+              <a:t>jeg</a:t>
+            </a:r>
+            <a:r>
+              <a:rPr lang="en-US" baseline="0" dirty="0" smtClean="0"/>
+              <a:t> </a:t>
+            </a:r>
+            <a:r>
+              <a:rPr lang="en-US" baseline="0" dirty="0" err="1" smtClean="0"/>
+              <a:t>spør</a:t>
+            </a:r>
+            <a:r>
+              <a:rPr lang="en-US" baseline="0" dirty="0" smtClean="0"/>
+              <a:t> </a:t>
+            </a:r>
+            <a:r>
+              <a:rPr lang="en-US" baseline="0" dirty="0" err="1" smtClean="0"/>
+              <a:t>fra</a:t>
+            </a:r>
+            <a:r>
+              <a:rPr lang="en-US" baseline="0" dirty="0" smtClean="0"/>
               <a:t>. </a:t>
             </a:r>
             <a:r>
-              <a:rPr lang="en-US" dirty="0" err="1" smtClean="0"/>
-              <a:t>Riktig</a:t>
-            </a:r>
-            <a:r>
-              <a:rPr lang="en-US" dirty="0" smtClean="0"/>
-              <a:t> snitch </a:t>
-            </a:r>
-            <a:r>
-              <a:rPr lang="en-US" dirty="0" err="1" smtClean="0"/>
-              <a:t>sørger</a:t>
-            </a:r>
-            <a:r>
-              <a:rPr lang="en-US" dirty="0" smtClean="0"/>
-              <a:t> for </a:t>
-            </a:r>
-            <a:r>
-              <a:rPr lang="en-US" dirty="0" err="1" smtClean="0"/>
-              <a:t>lavere</a:t>
-            </a:r>
-            <a:r>
-              <a:rPr lang="en-US" dirty="0" smtClean="0"/>
-              <a:t> latency</a:t>
-            </a:r>
-            <a:endParaRPr lang="en-US" dirty="0"/>
+              <a:rPr lang="en-US" baseline="0" dirty="0" err="1" smtClean="0"/>
+              <a:t>Evt</a:t>
+            </a:r>
+            <a:r>
+              <a:rPr lang="en-US" baseline="0" dirty="0" smtClean="0"/>
+              <a:t>. </a:t>
+            </a:r>
+            <a:r>
+              <a:rPr lang="en-US" baseline="0" dirty="0" err="1" smtClean="0"/>
+              <a:t>Spør</a:t>
+            </a:r>
+            <a:r>
+              <a:rPr lang="en-US" baseline="0" dirty="0" smtClean="0"/>
+              <a:t> </a:t>
+            </a:r>
+            <a:r>
+              <a:rPr lang="en-US" baseline="0" dirty="0" err="1" smtClean="0"/>
+              <a:t>fra</a:t>
+            </a:r>
+            <a:r>
+              <a:rPr lang="en-US" baseline="0" dirty="0" smtClean="0"/>
+              <a:t> </a:t>
+            </a:r>
+            <a:r>
+              <a:rPr lang="en-US" baseline="0" dirty="0" err="1" smtClean="0"/>
+              <a:t>lokalmaskin</a:t>
+            </a:r>
+            <a:endParaRPr lang="en-US" baseline="0" dirty="0" smtClean="0"/>
+          </a:p>
+          <a:p>
+            <a:pPr marL="1543050" lvl="3" indent="-171450">
+              <a:buFont typeface="Arial"/>
+              <a:buChar char="•"/>
+            </a:pPr>
+            <a:r>
+              <a:rPr lang="en-US" baseline="0" dirty="0" err="1" smtClean="0"/>
+              <a:t>Alle</a:t>
+            </a:r>
+            <a:r>
+              <a:rPr lang="en-US" baseline="0" dirty="0" smtClean="0"/>
+              <a:t> </a:t>
+            </a:r>
+            <a:r>
+              <a:rPr lang="en-US" baseline="0" dirty="0" err="1" smtClean="0"/>
+              <a:t>kan</a:t>
+            </a:r>
+            <a:r>
+              <a:rPr lang="en-US" baseline="0" dirty="0" smtClean="0"/>
+              <a:t> </a:t>
+            </a:r>
+            <a:r>
+              <a:rPr lang="en-US" baseline="0" dirty="0" err="1" smtClean="0"/>
+              <a:t>spørre</a:t>
+            </a:r>
+            <a:r>
+              <a:rPr lang="en-US" baseline="0" dirty="0" smtClean="0"/>
+              <a:t> </a:t>
+            </a:r>
+            <a:r>
+              <a:rPr lang="en-US" baseline="0" dirty="0" err="1" smtClean="0"/>
+              <a:t>fra</a:t>
+            </a:r>
+            <a:r>
+              <a:rPr lang="en-US" baseline="0" dirty="0" smtClean="0"/>
+              <a:t> </a:t>
+            </a:r>
+            <a:r>
+              <a:rPr lang="en-US" baseline="0" dirty="0" err="1" smtClean="0"/>
+              <a:t>lokalmaskin</a:t>
+            </a:r>
+            <a:r>
+              <a:rPr lang="en-US" baseline="0" dirty="0" smtClean="0"/>
+              <a:t> </a:t>
+            </a:r>
+            <a:r>
+              <a:rPr lang="en-US" baseline="0" dirty="0" err="1" smtClean="0"/>
+              <a:t>hvis</a:t>
+            </a:r>
+            <a:r>
+              <a:rPr lang="en-US" baseline="0" dirty="0" smtClean="0"/>
+              <a:t> de </a:t>
+            </a:r>
+            <a:r>
+              <a:rPr lang="en-US" baseline="0" dirty="0" err="1" smtClean="0"/>
+              <a:t>har</a:t>
+            </a:r>
+            <a:r>
+              <a:rPr lang="en-US" baseline="0" dirty="0" smtClean="0"/>
+              <a:t> </a:t>
+            </a:r>
+            <a:r>
+              <a:rPr lang="en-US" baseline="0" dirty="0" err="1" smtClean="0"/>
+              <a:t>cassandra</a:t>
+            </a:r>
+            <a:endParaRPr lang="en-US" baseline="0" dirty="0" smtClean="0"/>
+          </a:p>
+          <a:p>
+            <a:pPr marL="2000250" lvl="4" indent="-171450">
+              <a:buFont typeface="Arial"/>
+              <a:buChar char="•"/>
+            </a:pPr>
+            <a:r>
+              <a:rPr lang="en-US" b="1" baseline="0" dirty="0" smtClean="0"/>
+              <a:t>bin/</a:t>
+            </a:r>
+            <a:r>
+              <a:rPr lang="en-US" b="1" baseline="0" dirty="0" err="1" smtClean="0"/>
+              <a:t>cqlsh</a:t>
+            </a:r>
+            <a:r>
+              <a:rPr lang="en-US" b="1" baseline="0" dirty="0" smtClean="0"/>
+              <a:t> &lt;</a:t>
+            </a:r>
+            <a:r>
+              <a:rPr lang="en-US" b="1" baseline="0" dirty="0" err="1" smtClean="0"/>
+              <a:t>ip</a:t>
+            </a:r>
+            <a:r>
+              <a:rPr lang="en-US" b="1" baseline="0" dirty="0" smtClean="0"/>
+              <a:t>&gt; &lt;port&gt;</a:t>
+            </a:r>
+            <a:endParaRPr lang="en-US" b="1" dirty="0"/>
           </a:p>
         </p:txBody>
       </p:sp>
@@ -4306,7 +2722,7 @@
           <a:p>
             <a:fld id="{5B8851A2-1533-BD40-9223-E39EB9F7BBE7}" type="slidenum">
               <a:rPr lang="en-US" smtClean="0"/>
-              <a:t>10</a:t>
+              <a:t>11</a:t>
             </a:fld>
             <a:endParaRPr lang="en-US"/>
           </a:p>
@@ -4315,7 +2731,7 @@
     </p:spTree>
     <p:extLst>
       <p:ext uri="{BB962C8B-B14F-4D97-AF65-F5344CB8AC3E}">
-        <p14:creationId xmlns:p14="http://schemas.microsoft.com/office/powerpoint/2010/main" val="2019876047"/>
+        <p14:creationId xmlns:p14="http://schemas.microsoft.com/office/powerpoint/2010/main" val="341419617"/>
       </p:ext>
     </p:extLst>
   </p:cSld>
@@ -21209,7 +19625,7 @@
       </p:grpSpPr>
       <p:sp>
         <p:nvSpPr>
-          <p:cNvPr id="2" name="Content Placeholder 1"/>
+          <p:cNvPr id="5" name="Subtitle 4"/>
           <p:cNvSpPr>
             <a:spLocks noGrp="1"/>
           </p:cNvSpPr>
@@ -21227,226 +19643,18 @@
               <a:buChar char="•"/>
             </a:pPr>
             <a:r>
-              <a:rPr lang="en-US" dirty="0" err="1" smtClean="0"/>
-              <a:t>Editer</a:t>
-            </a:r>
-            <a:r>
-              <a:rPr lang="en-US" dirty="0" smtClean="0"/>
-              <a:t> </a:t>
-            </a:r>
-            <a:r>
-              <a:rPr lang="en-US" dirty="0" err="1" smtClean="0"/>
-              <a:t>conf</a:t>
-            </a:r>
-            <a:r>
-              <a:rPr lang="en-US" dirty="0" smtClean="0"/>
+              <a:rPr lang="en-US" dirty="0">
+                <a:hlinkClick r:id="rId3"/>
+              </a:rPr>
+              <a:t>https://github.com/baakind/cassandra-workshop</a:t>
+            </a:r>
+            <a:r>
+              <a:rPr lang="en-US" dirty="0" smtClean="0">
+                <a:hlinkClick r:id="rId3"/>
+              </a:rPr>
               <a:t>/</a:t>
             </a:r>
-            <a:r>
-              <a:rPr lang="en-US" dirty="0" err="1" smtClean="0"/>
-              <a:t>cassandra.yaml</a:t>
-            </a:r>
             <a:endParaRPr lang="en-US" dirty="0" smtClean="0"/>
-          </a:p>
-          <a:p>
-            <a:pPr marL="554038" lvl="1" indent="-285750">
-              <a:buFont typeface="Arial"/>
-              <a:buChar char="•"/>
-            </a:pPr>
-            <a:r>
-              <a:rPr lang="en-US" sz="1100" dirty="0" err="1">
-                <a:latin typeface="Consolas"/>
-                <a:cs typeface="Consolas"/>
-              </a:rPr>
-              <a:t>d</a:t>
-            </a:r>
-            <a:r>
-              <a:rPr lang="en-US" sz="1100" dirty="0" err="1" smtClean="0">
-                <a:latin typeface="Consolas"/>
-                <a:cs typeface="Consolas"/>
-              </a:rPr>
-              <a:t>ata_file_directories</a:t>
-            </a:r>
-            <a:r>
-              <a:rPr lang="en-US" sz="1100" dirty="0" smtClean="0">
-                <a:latin typeface="Consolas"/>
-                <a:cs typeface="Consolas"/>
-              </a:rPr>
-              <a:t>: &lt;</a:t>
-            </a:r>
-            <a:r>
-              <a:rPr lang="en-US" sz="1100" dirty="0" err="1" smtClean="0">
-                <a:latin typeface="Consolas"/>
-                <a:cs typeface="Consolas"/>
-              </a:rPr>
-              <a:t>område</a:t>
-            </a:r>
-            <a:r>
-              <a:rPr lang="en-US" sz="1100" dirty="0" smtClean="0">
-                <a:latin typeface="Consolas"/>
-                <a:cs typeface="Consolas"/>
-              </a:rPr>
-              <a:t>-du-</a:t>
-            </a:r>
-            <a:r>
-              <a:rPr lang="en-US" sz="1100" dirty="0" err="1" smtClean="0">
-                <a:latin typeface="Consolas"/>
-                <a:cs typeface="Consolas"/>
-              </a:rPr>
-              <a:t>har</a:t>
-            </a:r>
-            <a:r>
-              <a:rPr lang="en-US" sz="1100" dirty="0" smtClean="0">
-                <a:latin typeface="Consolas"/>
-                <a:cs typeface="Consolas"/>
-              </a:rPr>
-              <a:t>-</a:t>
-            </a:r>
-            <a:r>
-              <a:rPr lang="en-US" sz="1100" dirty="0" err="1" smtClean="0">
-                <a:latin typeface="Consolas"/>
-                <a:cs typeface="Consolas"/>
-              </a:rPr>
-              <a:t>skriverettigheter</a:t>
-            </a:r>
-            <a:r>
-              <a:rPr lang="en-US" sz="1100" dirty="0" smtClean="0">
-                <a:latin typeface="Consolas"/>
-                <a:cs typeface="Consolas"/>
-              </a:rPr>
-              <a:t>&gt;</a:t>
-            </a:r>
-          </a:p>
-          <a:p>
-            <a:pPr marL="554038" lvl="1" indent="-285750">
-              <a:buFont typeface="Arial"/>
-              <a:buChar char="•"/>
-            </a:pPr>
-            <a:r>
-              <a:rPr lang="en-US" sz="1100" dirty="0" err="1" smtClean="0">
-                <a:latin typeface="Consolas"/>
-                <a:cs typeface="Consolas"/>
-              </a:rPr>
-              <a:t>commitlog</a:t>
-            </a:r>
-            <a:r>
-              <a:rPr lang="en-US" sz="1100" dirty="0" smtClean="0">
-                <a:latin typeface="Consolas"/>
-                <a:cs typeface="Consolas"/>
-              </a:rPr>
-              <a:t>-_directory: &lt;</a:t>
-            </a:r>
-            <a:r>
-              <a:rPr lang="en-US" sz="1100" dirty="0" err="1" smtClean="0">
-                <a:latin typeface="Consolas"/>
-                <a:cs typeface="Consolas"/>
-              </a:rPr>
-              <a:t>område</a:t>
-            </a:r>
-            <a:r>
-              <a:rPr lang="en-US" sz="1100" dirty="0" smtClean="0">
-                <a:latin typeface="Consolas"/>
-                <a:cs typeface="Consolas"/>
-              </a:rPr>
-              <a:t>-du-</a:t>
-            </a:r>
-            <a:r>
-              <a:rPr lang="en-US" sz="1100" dirty="0" err="1" smtClean="0">
-                <a:latin typeface="Consolas"/>
-                <a:cs typeface="Consolas"/>
-              </a:rPr>
-              <a:t>har</a:t>
-            </a:r>
-            <a:r>
-              <a:rPr lang="en-US" sz="1100" dirty="0" smtClean="0">
-                <a:latin typeface="Consolas"/>
-                <a:cs typeface="Consolas"/>
-              </a:rPr>
-              <a:t>-</a:t>
-            </a:r>
-            <a:r>
-              <a:rPr lang="en-US" sz="1100" dirty="0" err="1" smtClean="0">
-                <a:latin typeface="Consolas"/>
-                <a:cs typeface="Consolas"/>
-              </a:rPr>
-              <a:t>skriverettigheter</a:t>
-            </a:r>
-            <a:r>
-              <a:rPr lang="en-US" sz="1100" dirty="0" smtClean="0">
-                <a:latin typeface="Consolas"/>
-                <a:cs typeface="Consolas"/>
-              </a:rPr>
-              <a:t>&gt;</a:t>
-            </a:r>
-          </a:p>
-          <a:p>
-            <a:pPr marL="554038" lvl="1" indent="-285750">
-              <a:buFont typeface="Arial"/>
-              <a:buChar char="•"/>
-            </a:pPr>
-            <a:r>
-              <a:rPr lang="en-US" sz="1100" dirty="0" err="1">
-                <a:latin typeface="Consolas"/>
-                <a:cs typeface="Consolas"/>
-              </a:rPr>
-              <a:t>s</a:t>
-            </a:r>
-            <a:r>
-              <a:rPr lang="en-US" sz="1100" dirty="0" err="1" smtClean="0">
-                <a:latin typeface="Consolas"/>
-                <a:cs typeface="Consolas"/>
-              </a:rPr>
-              <a:t>aved_caches_directory</a:t>
-            </a:r>
-            <a:r>
-              <a:rPr lang="en-US" sz="1100" dirty="0" smtClean="0">
-                <a:latin typeface="Consolas"/>
-                <a:cs typeface="Consolas"/>
-              </a:rPr>
-              <a:t>: &lt;</a:t>
-            </a:r>
-            <a:r>
-              <a:rPr lang="en-US" sz="1100" dirty="0" err="1" smtClean="0">
-                <a:latin typeface="Consolas"/>
-                <a:cs typeface="Consolas"/>
-              </a:rPr>
-              <a:t>område</a:t>
-            </a:r>
-            <a:r>
-              <a:rPr lang="en-US" sz="1100" dirty="0" smtClean="0">
-                <a:latin typeface="Consolas"/>
-                <a:cs typeface="Consolas"/>
-              </a:rPr>
-              <a:t>-du-</a:t>
-            </a:r>
-            <a:r>
-              <a:rPr lang="en-US" sz="1100" dirty="0" err="1" smtClean="0">
-                <a:latin typeface="Consolas"/>
-                <a:cs typeface="Consolas"/>
-              </a:rPr>
-              <a:t>har</a:t>
-            </a:r>
-            <a:r>
-              <a:rPr lang="en-US" sz="1100" dirty="0" smtClean="0">
-                <a:latin typeface="Consolas"/>
-                <a:cs typeface="Consolas"/>
-              </a:rPr>
-              <a:t>-</a:t>
-            </a:r>
-            <a:r>
-              <a:rPr lang="en-US" sz="1100" dirty="0" err="1" smtClean="0">
-                <a:latin typeface="Consolas"/>
-                <a:cs typeface="Consolas"/>
-              </a:rPr>
-              <a:t>skriverettigheter</a:t>
-            </a:r>
-            <a:r>
-              <a:rPr lang="en-US" sz="1100" dirty="0" smtClean="0">
-                <a:latin typeface="Consolas"/>
-                <a:cs typeface="Consolas"/>
-              </a:rPr>
-              <a:t>&gt;</a:t>
-            </a:r>
           </a:p>
           <a:p>
             <a:pPr marL="285750" indent="-285750">
@@ -21454,100 +19662,16 @@
               <a:buChar char="•"/>
             </a:pPr>
             <a:r>
-              <a:rPr lang="en-US" dirty="0" err="1"/>
-              <a:t>Editer</a:t>
-            </a:r>
-            <a:r>
-              <a:rPr lang="en-US" dirty="0"/>
-              <a:t> </a:t>
-            </a:r>
-            <a:r>
-              <a:rPr lang="en-US" dirty="0" err="1" smtClean="0"/>
-              <a:t>conf</a:t>
-            </a:r>
-            <a:r>
-              <a:rPr lang="en-US" dirty="0" smtClean="0"/>
-              <a:t>/log4j-server.properties</a:t>
-            </a:r>
-          </a:p>
-          <a:p>
-            <a:pPr marL="554038" lvl="1" indent="-285750">
-              <a:buFont typeface="Arial"/>
-              <a:buChar char="•"/>
-            </a:pPr>
-            <a:r>
-              <a:rPr lang="en-US" sz="1100" dirty="0">
-                <a:latin typeface="Consolas"/>
-                <a:cs typeface="Consolas"/>
-              </a:rPr>
-              <a:t>l</a:t>
-            </a:r>
-            <a:r>
-              <a:rPr lang="en-US" sz="1100" dirty="0" smtClean="0">
-                <a:latin typeface="Consolas"/>
-                <a:cs typeface="Consolas"/>
-              </a:rPr>
-              <a:t>og4j.appender.R.file=&lt;</a:t>
-            </a:r>
-            <a:r>
-              <a:rPr lang="en-US" sz="1100" dirty="0" err="1" smtClean="0">
-                <a:latin typeface="Consolas"/>
-                <a:cs typeface="Consolas"/>
-              </a:rPr>
-              <a:t>område</a:t>
-            </a:r>
-            <a:r>
-              <a:rPr lang="en-US" sz="1100" dirty="0" smtClean="0">
-                <a:latin typeface="Consolas"/>
-                <a:cs typeface="Consolas"/>
-              </a:rPr>
-              <a:t>-du-</a:t>
-            </a:r>
-            <a:r>
-              <a:rPr lang="en-US" sz="1100" dirty="0" err="1" smtClean="0">
-                <a:latin typeface="Consolas"/>
-                <a:cs typeface="Consolas"/>
-              </a:rPr>
-              <a:t>har</a:t>
-            </a:r>
-            <a:r>
-              <a:rPr lang="en-US" sz="1100" dirty="0" smtClean="0">
-                <a:latin typeface="Consolas"/>
-                <a:cs typeface="Consolas"/>
-              </a:rPr>
-              <a:t>-</a:t>
-            </a:r>
-            <a:r>
-              <a:rPr lang="en-US" sz="1100" dirty="0" err="1" smtClean="0">
-                <a:latin typeface="Consolas"/>
-                <a:cs typeface="Consolas"/>
-              </a:rPr>
-              <a:t>skriverettigheter</a:t>
-            </a:r>
-            <a:r>
-              <a:rPr lang="en-US" sz="1100" dirty="0" smtClean="0">
-                <a:latin typeface="Consolas"/>
-                <a:cs typeface="Consolas"/>
-              </a:rPr>
-              <a:t>&gt;/</a:t>
-            </a:r>
-            <a:r>
-              <a:rPr lang="en-US" sz="1100" dirty="0" err="1" smtClean="0">
-                <a:latin typeface="Consolas"/>
-                <a:cs typeface="Consolas"/>
-              </a:rPr>
-              <a:t>system.log</a:t>
-            </a:r>
-            <a:endParaRPr lang="en-US" sz="1100" dirty="0">
-              <a:latin typeface="Consolas"/>
-              <a:cs typeface="Consolas"/>
-            </a:endParaRPr>
+              <a:rPr lang="en-US" smtClean="0"/>
+              <a:t>Multinode.md</a:t>
+            </a:r>
+            <a:endParaRPr lang="en-US" dirty="0"/>
           </a:p>
         </p:txBody>
       </p:sp>
       <p:sp>
         <p:nvSpPr>
-          <p:cNvPr id="3" name="Title 2"/>
+          <p:cNvPr id="4" name="Title 3"/>
           <p:cNvSpPr>
             <a:spLocks noGrp="1"/>
           </p:cNvSpPr>
@@ -21558,483 +19682,9 @@
         <p:spPr>
           <a:xfrm>
             <a:off x="376445" y="294936"/>
-            <a:ext cx="2256990" cy="261610"/>
+            <a:ext cx="2733304" cy="261610"/>
           </a:xfrm>
         </p:spPr>
-        <p:txBody>
-          <a:bodyPr/>
-          <a:lstStyle/>
-          <a:p>
-            <a:r>
-              <a:rPr lang="en-US" dirty="0" err="1" smtClean="0"/>
-              <a:t>cassandra.yaml</a:t>
-            </a:r>
-            <a:endParaRPr lang="en-US" dirty="0"/>
-          </a:p>
-        </p:txBody>
-      </p:sp>
-    </p:spTree>
-    <p:extLst>
-      <p:ext uri="{BB962C8B-B14F-4D97-AF65-F5344CB8AC3E}">
-        <p14:creationId xmlns:p14="http://schemas.microsoft.com/office/powerpoint/2010/main" val="439351092"/>
-      </p:ext>
-    </p:extLst>
-  </p:cSld>
-  <p:clrMapOvr>
-    <a:masterClrMapping/>
-  </p:clrMapOvr>
-  <p:transition xmlns:p14="http://schemas.microsoft.com/office/powerpoint/2010/main">
-    <p:fade thruBlk="1"/>
-  </p:transition>
-</p:sld>
-</file>
-
-<file path=ppt/slides/slide11.xml><?xml version="1.0" encoding="utf-8"?>
-<p:sld xmlns:a="http://schemas.openxmlformats.org/drawingml/2006/main" xmlns:r="http://schemas.openxmlformats.org/officeDocument/2006/relationships" xmlns:p="http://schemas.openxmlformats.org/presentationml/2006/main">
-  <p:cSld>
-    <p:spTree>
-      <p:nvGrpSpPr>
-        <p:cNvPr id="1" name=""/>
-        <p:cNvGrpSpPr/>
-        <p:nvPr/>
-      </p:nvGrpSpPr>
-      <p:grpSpPr>
-        <a:xfrm>
-          <a:off x="0" y="0"/>
-          <a:ext cx="0" cy="0"/>
-          <a:chOff x="0" y="0"/>
-          <a:chExt cx="0" cy="0"/>
-        </a:xfrm>
-      </p:grpSpPr>
-      <p:sp>
-        <p:nvSpPr>
-          <p:cNvPr id="2" name="Content Placeholder 1"/>
-          <p:cNvSpPr>
-            <a:spLocks noGrp="1"/>
-          </p:cNvSpPr>
-          <p:nvPr>
-            <p:ph idx="1"/>
-          </p:nvPr>
-        </p:nvSpPr>
-        <p:spPr/>
-        <p:txBody>
-          <a:bodyPr/>
-          <a:lstStyle/>
-          <a:p>
-            <a:pPr marL="285750" indent="-285750">
-              <a:buFont typeface="Arial"/>
-              <a:buChar char="•"/>
-            </a:pPr>
-            <a:r>
-              <a:rPr lang="en-US" dirty="0" smtClean="0"/>
-              <a:t>Last </a:t>
-            </a:r>
-            <a:r>
-              <a:rPr lang="en-US" dirty="0" err="1" smtClean="0"/>
-              <a:t>opp</a:t>
-            </a:r>
-            <a:r>
-              <a:rPr lang="en-US" dirty="0" smtClean="0"/>
-              <a:t> </a:t>
-            </a:r>
-            <a:r>
-              <a:rPr lang="en-US" dirty="0" err="1" smtClean="0"/>
-              <a:t>filene</a:t>
-            </a:r>
-            <a:endParaRPr lang="en-US" dirty="0" smtClean="0"/>
-          </a:p>
-          <a:p>
-            <a:pPr marL="554038" lvl="1" indent="-285750">
-              <a:buFont typeface="Arial"/>
-              <a:buChar char="•"/>
-            </a:pPr>
-            <a:r>
-              <a:rPr lang="en-US" dirty="0" err="1" smtClean="0"/>
-              <a:t>Playlist.cql</a:t>
-            </a:r>
-            <a:endParaRPr lang="en-US" dirty="0" smtClean="0"/>
-          </a:p>
-          <a:p>
-            <a:pPr marL="554038" lvl="1" indent="-285750">
-              <a:buFont typeface="Arial"/>
-              <a:buChar char="•"/>
-            </a:pPr>
-            <a:r>
-              <a:rPr lang="en-US" dirty="0" err="1" smtClean="0"/>
-              <a:t>Songs.csv</a:t>
-            </a:r>
-            <a:endParaRPr lang="en-US" dirty="0" smtClean="0"/>
-          </a:p>
-          <a:p>
-            <a:pPr marL="554038" lvl="1" indent="-285750">
-              <a:buFont typeface="Arial"/>
-              <a:buChar char="•"/>
-            </a:pPr>
-            <a:r>
-              <a:rPr lang="en-US" dirty="0" err="1" smtClean="0"/>
-              <a:t>Artists.csv</a:t>
-            </a:r>
-            <a:endParaRPr lang="en-US" dirty="0" smtClean="0"/>
-          </a:p>
-          <a:p>
-            <a:pPr marL="285750" indent="-285750">
-              <a:buFont typeface="Arial"/>
-              <a:buChar char="•"/>
-            </a:pPr>
-            <a:r>
-              <a:rPr lang="en-US" dirty="0" smtClean="0"/>
-              <a:t>Importer data:</a:t>
-            </a:r>
-          </a:p>
-          <a:p>
-            <a:pPr marL="554038" lvl="1" indent="-285750">
-              <a:buFont typeface="Arial"/>
-              <a:buChar char="•"/>
-            </a:pPr>
-            <a:r>
-              <a:rPr lang="en-US" dirty="0"/>
-              <a:t>b</a:t>
-            </a:r>
-            <a:r>
-              <a:rPr lang="en-US" dirty="0" smtClean="0"/>
-              <a:t>in/</a:t>
-            </a:r>
-            <a:r>
-              <a:rPr lang="en-US" dirty="0" err="1" smtClean="0"/>
-              <a:t>cqlsh</a:t>
-            </a:r>
-            <a:r>
-              <a:rPr lang="en-US" dirty="0" smtClean="0"/>
-              <a:t> –f </a:t>
-            </a:r>
-            <a:r>
-              <a:rPr lang="en-US" dirty="0" err="1" smtClean="0"/>
-              <a:t>playlist.cql</a:t>
-            </a:r>
-            <a:endParaRPr lang="en-US" dirty="0" smtClean="0"/>
-          </a:p>
-        </p:txBody>
-      </p:sp>
-      <p:sp>
-        <p:nvSpPr>
-          <p:cNvPr id="3" name="Title 2"/>
-          <p:cNvSpPr>
-            <a:spLocks noGrp="1"/>
-          </p:cNvSpPr>
-          <p:nvPr>
-            <p:ph type="title"/>
-          </p:nvPr>
-        </p:nvSpPr>
-        <p:spPr>
-          <a:xfrm>
-            <a:off x="376445" y="294936"/>
-            <a:ext cx="1924964" cy="261610"/>
-          </a:xfrm>
-        </p:spPr>
-        <p:txBody>
-          <a:bodyPr/>
-          <a:lstStyle/>
-          <a:p>
-            <a:r>
-              <a:rPr lang="en-US" dirty="0" smtClean="0"/>
-              <a:t>Last inn data</a:t>
-            </a:r>
-            <a:endParaRPr lang="en-US" dirty="0"/>
-          </a:p>
-        </p:txBody>
-      </p:sp>
-    </p:spTree>
-    <p:extLst>
-      <p:ext uri="{BB962C8B-B14F-4D97-AF65-F5344CB8AC3E}">
-        <p14:creationId xmlns:p14="http://schemas.microsoft.com/office/powerpoint/2010/main" val="3768055430"/>
-      </p:ext>
-    </p:extLst>
-  </p:cSld>
-  <p:clrMapOvr>
-    <a:masterClrMapping/>
-  </p:clrMapOvr>
-  <p:transition xmlns:p14="http://schemas.microsoft.com/office/powerpoint/2010/main">
-    <p:fade thruBlk="1"/>
-  </p:transition>
-</p:sld>
-</file>
-
-<file path=ppt/slides/slide12.xml><?xml version="1.0" encoding="utf-8"?>
-<p:sld xmlns:a="http://schemas.openxmlformats.org/drawingml/2006/main" xmlns:r="http://schemas.openxmlformats.org/officeDocument/2006/relationships" xmlns:p="http://schemas.openxmlformats.org/presentationml/2006/main">
-  <p:cSld>
-    <p:spTree>
-      <p:nvGrpSpPr>
-        <p:cNvPr id="1" name=""/>
-        <p:cNvGrpSpPr/>
-        <p:nvPr/>
-      </p:nvGrpSpPr>
-      <p:grpSpPr>
-        <a:xfrm>
-          <a:off x="0" y="0"/>
-          <a:ext cx="0" cy="0"/>
-          <a:chOff x="0" y="0"/>
-          <a:chExt cx="0" cy="0"/>
-        </a:xfrm>
-      </p:grpSpPr>
-      <p:sp>
-        <p:nvSpPr>
-          <p:cNvPr id="2" name="Content Placeholder 1"/>
-          <p:cNvSpPr>
-            <a:spLocks noGrp="1"/>
-          </p:cNvSpPr>
-          <p:nvPr>
-            <p:ph idx="1"/>
-          </p:nvPr>
-        </p:nvSpPr>
-        <p:spPr/>
-        <p:txBody>
-          <a:bodyPr/>
-          <a:lstStyle/>
-          <a:p>
-            <a:pPr marL="285750" indent="-285750">
-              <a:buFont typeface="Arial"/>
-              <a:buChar char="•"/>
-            </a:pPr>
-            <a:r>
-              <a:rPr lang="en-US" dirty="0" smtClean="0">
-                <a:latin typeface="+mn-lt"/>
-                <a:cs typeface="Consolas"/>
-              </a:rPr>
-              <a:t>Les data</a:t>
-            </a:r>
-          </a:p>
-          <a:p>
-            <a:pPr marL="285750" indent="-285750">
-              <a:buFont typeface="Arial"/>
-              <a:buChar char="•"/>
-            </a:pPr>
-            <a:r>
-              <a:rPr lang="en-US" dirty="0" smtClean="0">
-                <a:latin typeface="+mn-lt"/>
-                <a:cs typeface="Consolas"/>
-              </a:rPr>
-              <a:t>Les data </a:t>
-            </a:r>
-            <a:r>
-              <a:rPr lang="en-US" dirty="0" err="1" smtClean="0">
-                <a:latin typeface="+mn-lt"/>
-                <a:cs typeface="Consolas"/>
-              </a:rPr>
-              <a:t>som</a:t>
-            </a:r>
-            <a:r>
-              <a:rPr lang="en-US" dirty="0" smtClean="0">
-                <a:latin typeface="+mn-lt"/>
-                <a:cs typeface="Consolas"/>
-              </a:rPr>
-              <a:t> </a:t>
-            </a:r>
-            <a:r>
-              <a:rPr lang="en-US" dirty="0" err="1" smtClean="0">
-                <a:latin typeface="+mn-lt"/>
-                <a:cs typeface="Consolas"/>
-              </a:rPr>
-              <a:t>ikke</a:t>
-            </a:r>
-            <a:r>
-              <a:rPr lang="en-US" dirty="0" smtClean="0">
-                <a:latin typeface="+mn-lt"/>
-                <a:cs typeface="Consolas"/>
-              </a:rPr>
-              <a:t> </a:t>
-            </a:r>
-            <a:r>
-              <a:rPr lang="en-US" dirty="0" err="1" smtClean="0">
-                <a:latin typeface="+mn-lt"/>
-                <a:cs typeface="Consolas"/>
-              </a:rPr>
-              <a:t>er</a:t>
-            </a:r>
-            <a:r>
-              <a:rPr lang="en-US" dirty="0" smtClean="0">
-                <a:latin typeface="+mn-lt"/>
-                <a:cs typeface="Consolas"/>
-              </a:rPr>
-              <a:t> </a:t>
-            </a:r>
-            <a:r>
-              <a:rPr lang="en-US" dirty="0" err="1" smtClean="0">
-                <a:latin typeface="+mn-lt"/>
-                <a:cs typeface="Consolas"/>
-              </a:rPr>
-              <a:t>indeksert</a:t>
-            </a:r>
-            <a:endParaRPr lang="en-US" dirty="0" smtClean="0">
-              <a:latin typeface="+mn-lt"/>
-              <a:cs typeface="Consolas"/>
-            </a:endParaRPr>
-          </a:p>
-          <a:p>
-            <a:pPr marL="554038" lvl="1" indent="-285750">
-              <a:buFont typeface="Arial"/>
-              <a:buChar char="•"/>
-            </a:pPr>
-            <a:r>
-              <a:rPr lang="en-US" dirty="0" err="1" smtClean="0">
-                <a:latin typeface="+mn-lt"/>
-                <a:cs typeface="Consolas"/>
-              </a:rPr>
-              <a:t>Bruk</a:t>
-            </a:r>
-            <a:r>
-              <a:rPr lang="en-US" dirty="0" smtClean="0">
-                <a:latin typeface="+mn-lt"/>
-                <a:cs typeface="Consolas"/>
-              </a:rPr>
-              <a:t> ALLOW FILTERING</a:t>
-            </a:r>
-          </a:p>
-          <a:p>
-            <a:pPr marL="285750" indent="-285750">
-              <a:buFont typeface="Arial"/>
-              <a:buChar char="•"/>
-            </a:pPr>
-            <a:r>
-              <a:rPr lang="en-US" dirty="0" err="1" smtClean="0">
-                <a:latin typeface="+mn-lt"/>
-                <a:cs typeface="Consolas"/>
-              </a:rPr>
-              <a:t>Opprett</a:t>
-            </a:r>
-            <a:r>
-              <a:rPr lang="en-US" dirty="0" smtClean="0">
-                <a:latin typeface="+mn-lt"/>
-                <a:cs typeface="Consolas"/>
-              </a:rPr>
-              <a:t> Secondary Index</a:t>
-            </a:r>
-          </a:p>
-          <a:p>
-            <a:pPr marL="285750" indent="-285750">
-              <a:buFont typeface="Arial"/>
-              <a:buChar char="•"/>
-            </a:pPr>
-            <a:r>
-              <a:rPr lang="en-US" dirty="0" smtClean="0">
-                <a:latin typeface="+mn-lt"/>
-                <a:cs typeface="Consolas"/>
-              </a:rPr>
-              <a:t>TTL</a:t>
-            </a:r>
-          </a:p>
-        </p:txBody>
-      </p:sp>
-      <p:sp>
-        <p:nvSpPr>
-          <p:cNvPr id="3" name="Title 2"/>
-          <p:cNvSpPr>
-            <a:spLocks noGrp="1"/>
-          </p:cNvSpPr>
-          <p:nvPr>
-            <p:ph type="title"/>
-          </p:nvPr>
-        </p:nvSpPr>
-        <p:spPr>
-          <a:xfrm>
-            <a:off x="376445" y="294936"/>
-            <a:ext cx="2277438" cy="261610"/>
-          </a:xfrm>
-        </p:spPr>
-        <p:txBody>
-          <a:bodyPr/>
-          <a:lstStyle/>
-          <a:p>
-            <a:r>
-              <a:rPr lang="en-US" dirty="0" err="1" smtClean="0"/>
-              <a:t>Spør</a:t>
-            </a:r>
-            <a:r>
-              <a:rPr lang="en-US" dirty="0" smtClean="0"/>
-              <a:t> </a:t>
-            </a:r>
-            <a:r>
-              <a:rPr lang="en-US" dirty="0" err="1" smtClean="0"/>
-              <a:t>på</a:t>
-            </a:r>
-            <a:r>
-              <a:rPr lang="en-US" dirty="0" smtClean="0"/>
-              <a:t> </a:t>
-            </a:r>
-            <a:r>
-              <a:rPr lang="en-US" dirty="0" err="1" smtClean="0"/>
-              <a:t>dataene</a:t>
-            </a:r>
-            <a:endParaRPr lang="en-US" dirty="0"/>
-          </a:p>
-        </p:txBody>
-      </p:sp>
-    </p:spTree>
-    <p:extLst>
-      <p:ext uri="{BB962C8B-B14F-4D97-AF65-F5344CB8AC3E}">
-        <p14:creationId xmlns:p14="http://schemas.microsoft.com/office/powerpoint/2010/main" val="2303909068"/>
-      </p:ext>
-    </p:extLst>
-  </p:cSld>
-  <p:clrMapOvr>
-    <a:masterClrMapping/>
-  </p:clrMapOvr>
-  <p:transition xmlns:p14="http://schemas.microsoft.com/office/powerpoint/2010/main">
-    <p:fade thruBlk="1"/>
-  </p:transition>
-</p:sld>
-</file>
-
-<file path=ppt/slides/slide13.xml><?xml version="1.0" encoding="utf-8"?>
-<p:sld xmlns:a="http://schemas.openxmlformats.org/drawingml/2006/main" xmlns:r="http://schemas.openxmlformats.org/officeDocument/2006/relationships" xmlns:p="http://schemas.openxmlformats.org/presentationml/2006/main">
-  <p:cSld>
-    <p:spTree>
-      <p:nvGrpSpPr>
-        <p:cNvPr id="1" name=""/>
-        <p:cNvGrpSpPr/>
-        <p:nvPr/>
-      </p:nvGrpSpPr>
-      <p:grpSpPr>
-        <a:xfrm>
-          <a:off x="0" y="0"/>
-          <a:ext cx="0" cy="0"/>
-          <a:chOff x="0" y="0"/>
-          <a:chExt cx="0" cy="0"/>
-        </a:xfrm>
-      </p:grpSpPr>
-      <p:sp>
-        <p:nvSpPr>
-          <p:cNvPr id="4" name="Title 3"/>
-          <p:cNvSpPr>
-            <a:spLocks noGrp="1"/>
-          </p:cNvSpPr>
-          <p:nvPr>
-            <p:ph type="ctrTitle"/>
-          </p:nvPr>
-        </p:nvSpPr>
-        <p:spPr/>
-        <p:txBody>
-          <a:bodyPr/>
-          <a:lstStyle/>
-          <a:p>
-            <a:r>
-              <a:rPr lang="en-US" dirty="0" smtClean="0"/>
-              <a:t>Workshop del 2</a:t>
-            </a:r>
-            <a:endParaRPr lang="en-US" dirty="0"/>
-          </a:p>
-        </p:txBody>
-      </p:sp>
-      <p:sp>
-        <p:nvSpPr>
-          <p:cNvPr id="5" name="Subtitle 4"/>
-          <p:cNvSpPr>
-            <a:spLocks noGrp="1"/>
-          </p:cNvSpPr>
-          <p:nvPr>
-            <p:ph type="subTitle" idx="1"/>
-          </p:nvPr>
-        </p:nvSpPr>
-        <p:spPr/>
         <p:txBody>
           <a:bodyPr/>
           <a:lstStyle/>
@@ -22063,1106 +19713,7 @@
 </p:sld>
 </file>
 
-<file path=ppt/slides/slide14.xml><?xml version="1.0" encoding="utf-8"?>
-<p:sld xmlns:a="http://schemas.openxmlformats.org/drawingml/2006/main" xmlns:r="http://schemas.openxmlformats.org/officeDocument/2006/relationships" xmlns:p="http://schemas.openxmlformats.org/presentationml/2006/main">
-  <p:cSld>
-    <p:spTree>
-      <p:nvGrpSpPr>
-        <p:cNvPr id="1" name=""/>
-        <p:cNvGrpSpPr/>
-        <p:nvPr/>
-      </p:nvGrpSpPr>
-      <p:grpSpPr>
-        <a:xfrm>
-          <a:off x="0" y="0"/>
-          <a:ext cx="0" cy="0"/>
-          <a:chOff x="0" y="0"/>
-          <a:chExt cx="0" cy="0"/>
-        </a:xfrm>
-      </p:grpSpPr>
-      <p:sp>
-        <p:nvSpPr>
-          <p:cNvPr id="2" name="Content Placeholder 1"/>
-          <p:cNvSpPr>
-            <a:spLocks noGrp="1"/>
-          </p:cNvSpPr>
-          <p:nvPr>
-            <p:ph idx="1"/>
-          </p:nvPr>
-        </p:nvSpPr>
-        <p:spPr/>
-        <p:txBody>
-          <a:bodyPr/>
-          <a:lstStyle/>
-          <a:p>
-            <a:pPr marL="285750" indent="-285750">
-              <a:buFont typeface="Arial"/>
-              <a:buChar char="•"/>
-            </a:pPr>
-            <a:r>
-              <a:rPr lang="en-US" dirty="0" err="1" smtClean="0"/>
-              <a:t>Alle</a:t>
-            </a:r>
-            <a:r>
-              <a:rPr lang="en-US" dirty="0" smtClean="0"/>
-              <a:t> </a:t>
-            </a:r>
-            <a:r>
-              <a:rPr lang="en-US" dirty="0" err="1" smtClean="0"/>
-              <a:t>er</a:t>
-            </a:r>
-            <a:r>
-              <a:rPr lang="en-US" dirty="0" smtClean="0"/>
-              <a:t> </a:t>
-            </a:r>
-            <a:r>
-              <a:rPr lang="en-US" dirty="0" err="1" smtClean="0"/>
-              <a:t>i</a:t>
-            </a:r>
-            <a:r>
-              <a:rPr lang="en-US" dirty="0" smtClean="0"/>
-              <a:t> </a:t>
-            </a:r>
-            <a:r>
-              <a:rPr lang="en-US" dirty="0" err="1" smtClean="0"/>
-              <a:t>samme</a:t>
-            </a:r>
-            <a:r>
-              <a:rPr lang="en-US" dirty="0" smtClean="0"/>
-              <a:t> </a:t>
-            </a:r>
-            <a:r>
-              <a:rPr lang="en-US" dirty="0" err="1" smtClean="0"/>
-              <a:t>datasenter</a:t>
-            </a:r>
-            <a:endParaRPr lang="en-US" dirty="0" smtClean="0"/>
-          </a:p>
-          <a:p>
-            <a:pPr marL="285750" indent="-285750">
-              <a:buFont typeface="Arial"/>
-              <a:buChar char="•"/>
-            </a:pPr>
-            <a:r>
-              <a:rPr lang="en-US" dirty="0" err="1" smtClean="0"/>
-              <a:t>Alle</a:t>
-            </a:r>
-            <a:r>
-              <a:rPr lang="en-US" dirty="0" smtClean="0"/>
-              <a:t> </a:t>
-            </a:r>
-            <a:r>
-              <a:rPr lang="en-US" dirty="0" err="1" smtClean="0"/>
-              <a:t>er</a:t>
-            </a:r>
-            <a:r>
-              <a:rPr lang="en-US" dirty="0" smtClean="0"/>
-              <a:t> </a:t>
-            </a:r>
-            <a:r>
-              <a:rPr lang="en-US" dirty="0" err="1" smtClean="0"/>
-              <a:t>i</a:t>
-            </a:r>
-            <a:r>
-              <a:rPr lang="en-US" dirty="0" smtClean="0"/>
-              <a:t> </a:t>
-            </a:r>
-            <a:r>
-              <a:rPr lang="en-US" dirty="0" err="1" smtClean="0"/>
-              <a:t>samme</a:t>
-            </a:r>
-            <a:r>
-              <a:rPr lang="en-US" dirty="0" smtClean="0"/>
-              <a:t> rack</a:t>
-            </a:r>
-          </a:p>
-          <a:p>
-            <a:pPr marL="285750" indent="-285750">
-              <a:buFont typeface="Arial"/>
-              <a:buChar char="•"/>
-            </a:pPr>
-            <a:r>
-              <a:rPr lang="en-US" dirty="0" err="1" smtClean="0"/>
-              <a:t>Ingen</a:t>
-            </a:r>
-            <a:r>
-              <a:rPr lang="en-US" dirty="0" smtClean="0"/>
-              <a:t> service for </a:t>
-            </a:r>
-            <a:r>
-              <a:rPr lang="en-US" dirty="0" err="1" smtClean="0"/>
-              <a:t>automatisk</a:t>
-            </a:r>
-            <a:r>
-              <a:rPr lang="en-US" dirty="0" smtClean="0"/>
-              <a:t> restart </a:t>
-            </a:r>
-            <a:r>
-              <a:rPr lang="en-US" dirty="0" err="1" smtClean="0"/>
-              <a:t>ved</a:t>
-            </a:r>
-            <a:r>
-              <a:rPr lang="en-US" dirty="0" smtClean="0"/>
-              <a:t> </a:t>
-            </a:r>
-            <a:r>
-              <a:rPr lang="en-US" dirty="0" err="1" smtClean="0"/>
-              <a:t>strømbrudd</a:t>
-            </a:r>
-            <a:endParaRPr lang="en-US" dirty="0" smtClean="0"/>
-          </a:p>
-          <a:p>
-            <a:pPr marL="285750" indent="-285750">
-              <a:buFont typeface="Arial"/>
-              <a:buChar char="•"/>
-            </a:pPr>
-            <a:r>
-              <a:rPr lang="en-US" dirty="0" err="1" smtClean="0"/>
-              <a:t>Ingen</a:t>
-            </a:r>
-            <a:r>
-              <a:rPr lang="en-US" dirty="0" smtClean="0"/>
-              <a:t> </a:t>
-            </a:r>
-            <a:r>
-              <a:rPr lang="en-US" dirty="0" err="1" smtClean="0"/>
-              <a:t>brannmurer</a:t>
-            </a:r>
-            <a:r>
-              <a:rPr lang="en-US" dirty="0" smtClean="0"/>
-              <a:t> </a:t>
-            </a:r>
-            <a:r>
-              <a:rPr lang="en-US" dirty="0" err="1" smtClean="0"/>
-              <a:t>eller</a:t>
-            </a:r>
-            <a:r>
-              <a:rPr lang="en-US" dirty="0" smtClean="0"/>
-              <a:t> </a:t>
-            </a:r>
-            <a:r>
-              <a:rPr lang="en-US" dirty="0" err="1" smtClean="0"/>
-              <a:t>åpne</a:t>
-            </a:r>
-            <a:r>
-              <a:rPr lang="en-US" dirty="0" smtClean="0"/>
-              <a:t> </a:t>
-            </a:r>
-            <a:r>
-              <a:rPr lang="en-US" dirty="0" err="1" smtClean="0"/>
-              <a:t>nettverk</a:t>
-            </a:r>
-            <a:endParaRPr lang="en-US" dirty="0" smtClean="0"/>
-          </a:p>
-          <a:p>
-            <a:pPr marL="285750" indent="-285750">
-              <a:buFont typeface="Arial"/>
-              <a:buChar char="•"/>
-            </a:pPr>
-            <a:r>
-              <a:rPr lang="en-US" dirty="0" err="1" smtClean="0"/>
-              <a:t>Ingen</a:t>
-            </a:r>
-            <a:r>
-              <a:rPr lang="en-US" dirty="0" smtClean="0"/>
-              <a:t> </a:t>
-            </a:r>
-            <a:r>
-              <a:rPr lang="en-US" dirty="0" err="1" smtClean="0"/>
-              <a:t>kryptering</a:t>
-            </a:r>
-            <a:endParaRPr lang="en-US" dirty="0" smtClean="0"/>
-          </a:p>
-          <a:p>
-            <a:pPr marL="285750" indent="-285750">
-              <a:buFont typeface="Arial"/>
-              <a:buChar char="•"/>
-            </a:pPr>
-            <a:endParaRPr lang="en-US" dirty="0" smtClean="0"/>
-          </a:p>
-          <a:p>
-            <a:pPr marL="285750" indent="-285750">
-              <a:buFont typeface="Arial"/>
-              <a:buChar char="•"/>
-            </a:pPr>
-            <a:endParaRPr lang="en-US" dirty="0"/>
-          </a:p>
-        </p:txBody>
-      </p:sp>
-      <p:sp>
-        <p:nvSpPr>
-          <p:cNvPr id="3" name="Title 2"/>
-          <p:cNvSpPr>
-            <a:spLocks noGrp="1"/>
-          </p:cNvSpPr>
-          <p:nvPr>
-            <p:ph type="title"/>
-          </p:nvPr>
-        </p:nvSpPr>
-        <p:spPr>
-          <a:xfrm>
-            <a:off x="376445" y="294936"/>
-            <a:ext cx="2159376" cy="261610"/>
-          </a:xfrm>
-        </p:spPr>
-        <p:txBody>
-          <a:bodyPr/>
-          <a:lstStyle/>
-          <a:p>
-            <a:r>
-              <a:rPr lang="en-US" dirty="0" err="1" smtClean="0"/>
-              <a:t>Enkelt</a:t>
-            </a:r>
-            <a:r>
-              <a:rPr lang="en-US" dirty="0" smtClean="0"/>
-              <a:t> </a:t>
-            </a:r>
-            <a:r>
-              <a:rPr lang="en-US" dirty="0" err="1" smtClean="0"/>
-              <a:t>oppsett</a:t>
-            </a:r>
-            <a:endParaRPr lang="en-US" dirty="0"/>
-          </a:p>
-        </p:txBody>
-      </p:sp>
-    </p:spTree>
-    <p:extLst>
-      <p:ext uri="{BB962C8B-B14F-4D97-AF65-F5344CB8AC3E}">
-        <p14:creationId xmlns:p14="http://schemas.microsoft.com/office/powerpoint/2010/main" val="3351973422"/>
-      </p:ext>
-    </p:extLst>
-  </p:cSld>
-  <p:clrMapOvr>
-    <a:masterClrMapping/>
-  </p:clrMapOvr>
-  <p:transition xmlns:p14="http://schemas.microsoft.com/office/powerpoint/2010/main">
-    <p:fade thruBlk="1"/>
-  </p:transition>
-</p:sld>
-</file>
-
-<file path=ppt/slides/slide15.xml><?xml version="1.0" encoding="utf-8"?>
-<p:sld xmlns:a="http://schemas.openxmlformats.org/drawingml/2006/main" xmlns:r="http://schemas.openxmlformats.org/officeDocument/2006/relationships" xmlns:p="http://schemas.openxmlformats.org/presentationml/2006/main">
-  <p:cSld>
-    <p:spTree>
-      <p:nvGrpSpPr>
-        <p:cNvPr id="1" name=""/>
-        <p:cNvGrpSpPr/>
-        <p:nvPr/>
-      </p:nvGrpSpPr>
-      <p:grpSpPr>
-        <a:xfrm>
-          <a:off x="0" y="0"/>
-          <a:ext cx="0" cy="0"/>
-          <a:chOff x="0" y="0"/>
-          <a:chExt cx="0" cy="0"/>
-        </a:xfrm>
-      </p:grpSpPr>
-      <p:sp>
-        <p:nvSpPr>
-          <p:cNvPr id="5" name="Content Placeholder 4"/>
-          <p:cNvSpPr>
-            <a:spLocks noGrp="1"/>
-          </p:cNvSpPr>
-          <p:nvPr>
-            <p:ph idx="1"/>
-          </p:nvPr>
-        </p:nvSpPr>
-        <p:spPr/>
-        <p:txBody>
-          <a:bodyPr/>
-          <a:lstStyle/>
-          <a:p>
-            <a:pPr marL="285750" indent="-285750">
-              <a:buFont typeface="Arial"/>
-              <a:buChar char="•"/>
-            </a:pPr>
-            <a:r>
-              <a:rPr lang="en-US" dirty="0" err="1" smtClean="0"/>
-              <a:t>Stopp</a:t>
-            </a:r>
-            <a:r>
-              <a:rPr lang="en-US" dirty="0" smtClean="0"/>
-              <a:t> Cassandra</a:t>
-            </a:r>
-          </a:p>
-          <a:p>
-            <a:pPr marL="285750" indent="-285750">
-              <a:buFont typeface="Arial"/>
-              <a:buChar char="•"/>
-            </a:pPr>
-            <a:r>
-              <a:rPr lang="en-US" dirty="0" err="1" smtClean="0"/>
-              <a:t>Slett</a:t>
-            </a:r>
-            <a:r>
-              <a:rPr lang="en-US" dirty="0" smtClean="0"/>
-              <a:t> </a:t>
-            </a:r>
-            <a:r>
-              <a:rPr lang="en-US" dirty="0" err="1" smtClean="0"/>
-              <a:t>innhold</a:t>
-            </a:r>
-            <a:r>
-              <a:rPr lang="en-US" dirty="0" smtClean="0"/>
-              <a:t> </a:t>
-            </a:r>
-            <a:r>
-              <a:rPr lang="en-US" dirty="0" err="1" smtClean="0"/>
-              <a:t>i</a:t>
-            </a:r>
-            <a:r>
-              <a:rPr lang="en-US" dirty="0" smtClean="0"/>
-              <a:t>:</a:t>
-            </a:r>
-          </a:p>
-          <a:p>
-            <a:pPr marL="554038" lvl="1" indent="-285750">
-              <a:buFont typeface="Arial"/>
-              <a:buChar char="•"/>
-            </a:pPr>
-            <a:r>
-              <a:rPr lang="en-US" dirty="0" smtClean="0"/>
-              <a:t>/data</a:t>
-            </a:r>
-          </a:p>
-          <a:p>
-            <a:pPr marL="554038" lvl="1" indent="-285750">
-              <a:buFont typeface="Arial"/>
-              <a:buChar char="•"/>
-            </a:pPr>
-            <a:r>
-              <a:rPr lang="en-US" dirty="0" smtClean="0"/>
-              <a:t>/</a:t>
-            </a:r>
-            <a:r>
-              <a:rPr lang="en-US" dirty="0" err="1" smtClean="0"/>
-              <a:t>commitlog</a:t>
-            </a:r>
-            <a:endParaRPr lang="en-US" dirty="0"/>
-          </a:p>
-          <a:p>
-            <a:pPr marL="554038" lvl="1" indent="-285750">
-              <a:buFont typeface="Arial"/>
-              <a:buChar char="•"/>
-            </a:pPr>
-            <a:r>
-              <a:rPr lang="en-US" dirty="0" smtClean="0"/>
-              <a:t>/</a:t>
-            </a:r>
-            <a:r>
-              <a:rPr lang="en-US" dirty="0" err="1" smtClean="0"/>
-              <a:t>saved_caches</a:t>
-            </a:r>
-            <a:endParaRPr lang="en-US" dirty="0" smtClean="0"/>
-          </a:p>
-        </p:txBody>
-      </p:sp>
-      <p:sp>
-        <p:nvSpPr>
-          <p:cNvPr id="4" name="Title 3"/>
-          <p:cNvSpPr>
-            <a:spLocks noGrp="1"/>
-          </p:cNvSpPr>
-          <p:nvPr>
-            <p:ph type="title"/>
-          </p:nvPr>
-        </p:nvSpPr>
-        <p:spPr>
-          <a:xfrm>
-            <a:off x="376445" y="294936"/>
-            <a:ext cx="2152873" cy="261610"/>
-          </a:xfrm>
-        </p:spPr>
-        <p:txBody>
-          <a:bodyPr/>
-          <a:lstStyle/>
-          <a:p>
-            <a:r>
-              <a:rPr lang="en-US" dirty="0" err="1" smtClean="0"/>
-              <a:t>Forberedelser</a:t>
-            </a:r>
-            <a:endParaRPr lang="en-US" dirty="0"/>
-          </a:p>
-        </p:txBody>
-      </p:sp>
-    </p:spTree>
-    <p:extLst>
-      <p:ext uri="{BB962C8B-B14F-4D97-AF65-F5344CB8AC3E}">
-        <p14:creationId xmlns:p14="http://schemas.microsoft.com/office/powerpoint/2010/main" val="231241994"/>
-      </p:ext>
-    </p:extLst>
-  </p:cSld>
-  <p:clrMapOvr>
-    <a:masterClrMapping/>
-  </p:clrMapOvr>
-  <p:transition xmlns:p14="http://schemas.microsoft.com/office/powerpoint/2010/main">
-    <p:fade thruBlk="1"/>
-  </p:transition>
-</p:sld>
-</file>
-
-<file path=ppt/slides/slide16.xml><?xml version="1.0" encoding="utf-8"?>
-<p:sld xmlns:a="http://schemas.openxmlformats.org/drawingml/2006/main" xmlns:r="http://schemas.openxmlformats.org/officeDocument/2006/relationships" xmlns:p="http://schemas.openxmlformats.org/presentationml/2006/main">
-  <p:cSld>
-    <p:spTree>
-      <p:nvGrpSpPr>
-        <p:cNvPr id="1" name=""/>
-        <p:cNvGrpSpPr/>
-        <p:nvPr/>
-      </p:nvGrpSpPr>
-      <p:grpSpPr>
-        <a:xfrm>
-          <a:off x="0" y="0"/>
-          <a:ext cx="0" cy="0"/>
-          <a:chOff x="0" y="0"/>
-          <a:chExt cx="0" cy="0"/>
-        </a:xfrm>
-      </p:grpSpPr>
-      <p:sp>
-        <p:nvSpPr>
-          <p:cNvPr id="2" name="Content Placeholder 1"/>
-          <p:cNvSpPr>
-            <a:spLocks noGrp="1"/>
-          </p:cNvSpPr>
-          <p:nvPr>
-            <p:ph idx="1"/>
-          </p:nvPr>
-        </p:nvSpPr>
-        <p:spPr/>
-        <p:txBody>
-          <a:bodyPr/>
-          <a:lstStyle/>
-          <a:p>
-            <a:pPr marL="285750" indent="-285750">
-              <a:buFont typeface="Arial"/>
-              <a:buChar char="•"/>
-            </a:pPr>
-            <a:r>
-              <a:rPr lang="en-US" dirty="0" err="1"/>
-              <a:t>Editer</a:t>
-            </a:r>
-            <a:r>
-              <a:rPr lang="en-US" dirty="0"/>
-              <a:t> </a:t>
-            </a:r>
-            <a:r>
-              <a:rPr lang="en-US" dirty="0" err="1"/>
-              <a:t>cassandra.yaml</a:t>
-            </a:r>
-            <a:endParaRPr lang="en-US" dirty="0"/>
-          </a:p>
-          <a:p>
-            <a:pPr marL="554038" lvl="1" indent="-285750">
-              <a:buFont typeface="Arial"/>
-              <a:buChar char="•"/>
-            </a:pPr>
-            <a:r>
-              <a:rPr lang="en-US" sz="1100" b="1" dirty="0">
-                <a:latin typeface="Consolas"/>
-                <a:cs typeface="Consolas"/>
-              </a:rPr>
-              <a:t>Seeds</a:t>
-            </a:r>
-            <a:r>
-              <a:rPr lang="en-US" sz="1100" dirty="0">
-                <a:latin typeface="Consolas"/>
-                <a:cs typeface="Consolas"/>
-              </a:rPr>
-              <a:t>: &lt;min </a:t>
-            </a:r>
-            <a:r>
-              <a:rPr lang="en-US" sz="1100" dirty="0" err="1">
-                <a:latin typeface="Consolas"/>
-                <a:cs typeface="Consolas"/>
-              </a:rPr>
-              <a:t>ip</a:t>
-            </a:r>
-            <a:r>
-              <a:rPr lang="en-US" sz="1100" dirty="0">
-                <a:latin typeface="Consolas"/>
-                <a:cs typeface="Consolas"/>
-              </a:rPr>
-              <a:t>&gt;, </a:t>
-            </a:r>
-            <a:r>
-              <a:rPr lang="en-US" sz="1100" dirty="0" smtClean="0">
-                <a:latin typeface="Consolas"/>
-                <a:cs typeface="Consolas"/>
-              </a:rPr>
-              <a:t>&lt;to </a:t>
-            </a:r>
-            <a:r>
-              <a:rPr lang="en-US" sz="1100" dirty="0" err="1" smtClean="0">
-                <a:latin typeface="Consolas"/>
-                <a:cs typeface="Consolas"/>
-              </a:rPr>
-              <a:t>andre</a:t>
-            </a:r>
-            <a:r>
-              <a:rPr lang="en-US" sz="1100" dirty="0" smtClean="0">
-                <a:latin typeface="Consolas"/>
-                <a:cs typeface="Consolas"/>
-              </a:rPr>
-              <a:t> </a:t>
-            </a:r>
-            <a:r>
-              <a:rPr lang="en-US" sz="1100" dirty="0" err="1" smtClean="0">
-                <a:latin typeface="Consolas"/>
-                <a:cs typeface="Consolas"/>
-              </a:rPr>
-              <a:t>ip’er</a:t>
-            </a:r>
-            <a:r>
-              <a:rPr lang="en-US" sz="1100" dirty="0" smtClean="0">
-                <a:latin typeface="Consolas"/>
-                <a:cs typeface="Consolas"/>
-              </a:rPr>
-              <a:t>&gt;</a:t>
-            </a:r>
-          </a:p>
-          <a:p>
-            <a:pPr marL="820737" lvl="2" indent="-285750">
-              <a:buFont typeface="Arial"/>
-              <a:buChar char="•"/>
-            </a:pPr>
-            <a:r>
-              <a:rPr lang="en-US" sz="1100" dirty="0" err="1" smtClean="0">
-                <a:latin typeface="Consolas"/>
-                <a:cs typeface="Consolas"/>
-              </a:rPr>
-              <a:t>Alle</a:t>
-            </a:r>
-            <a:r>
-              <a:rPr lang="en-US" sz="1100" dirty="0" smtClean="0">
-                <a:latin typeface="Consolas"/>
-                <a:cs typeface="Consolas"/>
-              </a:rPr>
-              <a:t> </a:t>
-            </a:r>
-            <a:r>
-              <a:rPr lang="en-US" sz="1100" dirty="0" err="1" smtClean="0">
-                <a:latin typeface="Consolas"/>
-                <a:cs typeface="Consolas"/>
-              </a:rPr>
-              <a:t>definerer</a:t>
-            </a:r>
-            <a:r>
-              <a:rPr lang="en-US" sz="1100" dirty="0" smtClean="0">
-                <a:latin typeface="Consolas"/>
-                <a:cs typeface="Consolas"/>
-              </a:rPr>
-              <a:t> </a:t>
-            </a:r>
-            <a:r>
-              <a:rPr lang="en-US" sz="1100" dirty="0" err="1" smtClean="0">
-                <a:latin typeface="Consolas"/>
-                <a:cs typeface="Consolas"/>
-              </a:rPr>
-              <a:t>samme</a:t>
-            </a:r>
-            <a:r>
-              <a:rPr lang="en-US" sz="1100" dirty="0" smtClean="0">
-                <a:latin typeface="Consolas"/>
-                <a:cs typeface="Consolas"/>
-              </a:rPr>
-              <a:t> seeds-</a:t>
-            </a:r>
-            <a:r>
-              <a:rPr lang="en-US" sz="1100" dirty="0" err="1" smtClean="0">
-                <a:latin typeface="Consolas"/>
-                <a:cs typeface="Consolas"/>
-              </a:rPr>
-              <a:t>liste</a:t>
-            </a:r>
-            <a:endParaRPr lang="en-US" sz="1100" dirty="0">
-              <a:latin typeface="Consolas"/>
-              <a:cs typeface="Consolas"/>
-            </a:endParaRPr>
-          </a:p>
-          <a:p>
-            <a:pPr marL="554038" lvl="1" indent="-285750">
-              <a:buFont typeface="Arial"/>
-              <a:buChar char="•"/>
-            </a:pPr>
-            <a:r>
-              <a:rPr lang="en-US" sz="1100" b="1" dirty="0" err="1">
-                <a:latin typeface="Consolas"/>
-                <a:cs typeface="Consolas"/>
-              </a:rPr>
-              <a:t>Rpc_address</a:t>
-            </a:r>
-            <a:r>
-              <a:rPr lang="en-US" sz="1100" dirty="0" smtClean="0">
-                <a:latin typeface="Consolas"/>
-                <a:cs typeface="Consolas"/>
-              </a:rPr>
-              <a:t>: Listen address for client connections </a:t>
-            </a:r>
-            <a:endParaRPr lang="en-US" sz="1100" dirty="0">
-              <a:latin typeface="Consolas"/>
-              <a:cs typeface="Consolas"/>
-            </a:endParaRPr>
-          </a:p>
-          <a:p>
-            <a:pPr marL="554038" lvl="1" indent="-285750">
-              <a:buFont typeface="Arial"/>
-              <a:buChar char="•"/>
-            </a:pPr>
-            <a:r>
-              <a:rPr lang="en-US" sz="1100" b="1" dirty="0" err="1">
-                <a:latin typeface="Consolas"/>
-                <a:cs typeface="Consolas"/>
-              </a:rPr>
-              <a:t>Listen_address</a:t>
-            </a:r>
-            <a:r>
-              <a:rPr lang="en-US" sz="1100" dirty="0" smtClean="0">
-                <a:latin typeface="Consolas"/>
-                <a:cs typeface="Consolas"/>
-              </a:rPr>
-              <a:t>: Cassandra binds to listen for other Cassandra nodes. (AWS: Private </a:t>
-            </a:r>
-            <a:r>
-              <a:rPr lang="en-US" sz="1100" dirty="0" err="1" smtClean="0">
-                <a:latin typeface="Consolas"/>
-                <a:cs typeface="Consolas"/>
-              </a:rPr>
-              <a:t>ip</a:t>
-            </a:r>
-            <a:r>
-              <a:rPr lang="en-US" sz="1100" dirty="0" smtClean="0">
-                <a:latin typeface="Consolas"/>
-                <a:cs typeface="Consolas"/>
-              </a:rPr>
-              <a:t> address)</a:t>
-            </a:r>
-          </a:p>
-          <a:p>
-            <a:pPr marL="554038" lvl="1" indent="-285750">
-              <a:buFont typeface="Arial"/>
-              <a:buChar char="•"/>
-            </a:pPr>
-            <a:r>
-              <a:rPr lang="en-US" sz="1100" b="1" dirty="0" err="1" smtClean="0">
-                <a:latin typeface="Consolas"/>
-                <a:cs typeface="Consolas"/>
-              </a:rPr>
-              <a:t>Broadcast_address</a:t>
-            </a:r>
-            <a:r>
-              <a:rPr lang="en-US" sz="1100" dirty="0" smtClean="0">
-                <a:latin typeface="Consolas"/>
-                <a:cs typeface="Consolas"/>
-              </a:rPr>
-              <a:t>: Cassandra tells other nodes to contact it by. Allows different private and public address. E.g., topologies where not all nodes can access each others private address.  </a:t>
-            </a:r>
-          </a:p>
-          <a:p>
-            <a:pPr marL="554038" lvl="1" indent="-285750">
-              <a:buFont typeface="Arial"/>
-              <a:buChar char="•"/>
-            </a:pPr>
-            <a:r>
-              <a:rPr lang="en-US" sz="1100" b="1" dirty="0" err="1" smtClean="0">
-                <a:latin typeface="Consolas"/>
-                <a:cs typeface="Consolas"/>
-              </a:rPr>
-              <a:t>Cluster_name</a:t>
-            </a:r>
-            <a:r>
-              <a:rPr lang="en-US" sz="1100" dirty="0" smtClean="0">
-                <a:latin typeface="Consolas"/>
-                <a:cs typeface="Consolas"/>
-              </a:rPr>
-              <a:t>: </a:t>
-            </a:r>
-            <a:r>
-              <a:rPr lang="en-US" sz="1100" dirty="0" err="1" smtClean="0">
-                <a:latin typeface="Consolas"/>
-                <a:cs typeface="Consolas"/>
-              </a:rPr>
-              <a:t>Samme</a:t>
-            </a:r>
-            <a:r>
-              <a:rPr lang="en-US" sz="1100" dirty="0" smtClean="0">
-                <a:latin typeface="Consolas"/>
-                <a:cs typeface="Consolas"/>
-              </a:rPr>
-              <a:t> </a:t>
-            </a:r>
-            <a:r>
-              <a:rPr lang="en-US" sz="1100" dirty="0" err="1" smtClean="0">
-                <a:latin typeface="Consolas"/>
-                <a:cs typeface="Consolas"/>
-              </a:rPr>
-              <a:t>navn</a:t>
-            </a:r>
-            <a:r>
-              <a:rPr lang="en-US" sz="1100" dirty="0" smtClean="0">
-                <a:latin typeface="Consolas"/>
-                <a:cs typeface="Consolas"/>
-              </a:rPr>
-              <a:t> for </a:t>
-            </a:r>
-            <a:r>
-              <a:rPr lang="en-US" sz="1100" dirty="0" err="1" smtClean="0">
-                <a:latin typeface="Consolas"/>
-                <a:cs typeface="Consolas"/>
-              </a:rPr>
-              <a:t>alle</a:t>
-            </a:r>
-            <a:r>
-              <a:rPr lang="en-US" sz="1100" dirty="0" smtClean="0">
-                <a:latin typeface="Consolas"/>
-                <a:cs typeface="Consolas"/>
-              </a:rPr>
-              <a:t> </a:t>
-            </a:r>
-            <a:r>
-              <a:rPr lang="en-US" sz="1100" dirty="0" err="1" smtClean="0">
-                <a:latin typeface="Consolas"/>
-                <a:cs typeface="Consolas"/>
-              </a:rPr>
-              <a:t>noder</a:t>
-            </a:r>
-            <a:r>
-              <a:rPr lang="en-US" sz="1100" dirty="0" smtClean="0">
-                <a:latin typeface="Consolas"/>
-                <a:cs typeface="Consolas"/>
-              </a:rPr>
-              <a:t> I </a:t>
-            </a:r>
-            <a:r>
-              <a:rPr lang="en-US" sz="1100" dirty="0" err="1" smtClean="0">
-                <a:latin typeface="Consolas"/>
-                <a:cs typeface="Consolas"/>
-              </a:rPr>
-              <a:t>clusteret</a:t>
-            </a:r>
-            <a:r>
-              <a:rPr lang="en-US" sz="1100" dirty="0" smtClean="0">
-                <a:latin typeface="Consolas"/>
-                <a:cs typeface="Consolas"/>
-              </a:rPr>
-              <a:t>.</a:t>
-            </a:r>
-          </a:p>
-          <a:p>
-            <a:pPr marL="554038" lvl="1" indent="-285750">
-              <a:buFont typeface="Arial"/>
-              <a:buChar char="•"/>
-            </a:pPr>
-            <a:r>
-              <a:rPr lang="en-US" sz="1100" b="1" dirty="0" smtClean="0">
-                <a:latin typeface="Consolas"/>
-                <a:cs typeface="Consolas"/>
-              </a:rPr>
-              <a:t>Snitch</a:t>
-            </a:r>
-            <a:r>
-              <a:rPr lang="en-US" sz="1100" dirty="0" smtClean="0">
-                <a:latin typeface="Consolas"/>
-                <a:cs typeface="Consolas"/>
-              </a:rPr>
-              <a:t>: </a:t>
-            </a:r>
-            <a:r>
-              <a:rPr lang="en-US" sz="1100" dirty="0" err="1" smtClean="0">
-                <a:latin typeface="Consolas"/>
-                <a:cs typeface="Consolas"/>
-              </a:rPr>
-              <a:t>GossipPropertyFileSnitch</a:t>
-            </a:r>
-            <a:endParaRPr lang="en-US" sz="1100" dirty="0" smtClean="0">
-              <a:latin typeface="Consolas"/>
-              <a:cs typeface="Consolas"/>
-            </a:endParaRPr>
-          </a:p>
-          <a:p>
-            <a:pPr marL="820737" lvl="2" indent="-285750">
-              <a:buFont typeface="Arial"/>
-              <a:buChar char="•"/>
-            </a:pPr>
-            <a:r>
-              <a:rPr lang="en-US" sz="1100" dirty="0" smtClean="0">
-                <a:latin typeface="Consolas"/>
-                <a:cs typeface="Consolas"/>
-              </a:rPr>
-              <a:t>Router requests </a:t>
-            </a:r>
-            <a:r>
-              <a:rPr lang="en-US" sz="1100" dirty="0" err="1" smtClean="0">
-                <a:latin typeface="Consolas"/>
-                <a:cs typeface="Consolas"/>
-              </a:rPr>
-              <a:t>til</a:t>
-            </a:r>
-            <a:r>
-              <a:rPr lang="en-US" sz="1100" dirty="0" smtClean="0">
-                <a:latin typeface="Consolas"/>
-                <a:cs typeface="Consolas"/>
-              </a:rPr>
-              <a:t> </a:t>
-            </a:r>
-            <a:r>
-              <a:rPr lang="en-US" sz="1100" dirty="0" err="1" smtClean="0">
-                <a:latin typeface="Consolas"/>
-                <a:cs typeface="Consolas"/>
-              </a:rPr>
-              <a:t>riktig</a:t>
-            </a:r>
-            <a:r>
-              <a:rPr lang="en-US" sz="1100" dirty="0" smtClean="0">
-                <a:latin typeface="Consolas"/>
-                <a:cs typeface="Consolas"/>
-              </a:rPr>
-              <a:t> </a:t>
-            </a:r>
-            <a:r>
-              <a:rPr lang="en-US" sz="1100" dirty="0" err="1" smtClean="0">
-                <a:latin typeface="Consolas"/>
-                <a:cs typeface="Consolas"/>
-              </a:rPr>
-              <a:t>noder</a:t>
-            </a:r>
-            <a:endParaRPr lang="en-US" sz="1100" dirty="0" smtClean="0">
-              <a:latin typeface="Consolas"/>
-              <a:cs typeface="Consolas"/>
-            </a:endParaRPr>
-          </a:p>
-          <a:p>
-            <a:pPr marL="820737" lvl="2" indent="-285750">
-              <a:buFont typeface="Arial"/>
-              <a:buChar char="•"/>
-            </a:pPr>
-            <a:r>
-              <a:rPr lang="en-US" sz="1100" dirty="0" err="1" smtClean="0">
-                <a:latin typeface="Consolas"/>
-                <a:cs typeface="Consolas"/>
-              </a:rPr>
-              <a:t>Ikke</a:t>
-            </a:r>
-            <a:r>
-              <a:rPr lang="en-US" sz="1100" dirty="0" smtClean="0">
-                <a:latin typeface="Consolas"/>
-                <a:cs typeface="Consolas"/>
-              </a:rPr>
-              <a:t> </a:t>
-            </a:r>
-            <a:r>
-              <a:rPr lang="en-US" sz="1100" dirty="0" err="1" smtClean="0">
-                <a:latin typeface="Consolas"/>
-                <a:cs typeface="Consolas"/>
-              </a:rPr>
-              <a:t>nødvendig</a:t>
-            </a:r>
-            <a:r>
-              <a:rPr lang="en-US" sz="1100" dirty="0" smtClean="0">
-                <a:latin typeface="Consolas"/>
-                <a:cs typeface="Consolas"/>
-              </a:rPr>
-              <a:t> da vi </a:t>
-            </a:r>
-            <a:r>
-              <a:rPr lang="en-US" sz="1100" dirty="0" err="1" smtClean="0">
-                <a:latin typeface="Consolas"/>
-                <a:cs typeface="Consolas"/>
-              </a:rPr>
-              <a:t>ikke</a:t>
-            </a:r>
-            <a:r>
-              <a:rPr lang="en-US" sz="1100" dirty="0" smtClean="0">
-                <a:latin typeface="Consolas"/>
-                <a:cs typeface="Consolas"/>
-              </a:rPr>
-              <a:t> </a:t>
-            </a:r>
-            <a:r>
-              <a:rPr lang="en-US" sz="1100" dirty="0" err="1" smtClean="0">
-                <a:latin typeface="Consolas"/>
-                <a:cs typeface="Consolas"/>
-              </a:rPr>
-              <a:t>tenker</a:t>
-            </a:r>
-            <a:r>
-              <a:rPr lang="en-US" sz="1100" dirty="0" smtClean="0">
-                <a:latin typeface="Consolas"/>
-                <a:cs typeface="Consolas"/>
-              </a:rPr>
-              <a:t> </a:t>
-            </a:r>
-            <a:r>
-              <a:rPr lang="en-US" sz="1100" dirty="0" err="1" smtClean="0">
-                <a:latin typeface="Consolas"/>
-                <a:cs typeface="Consolas"/>
-              </a:rPr>
-              <a:t>på</a:t>
-            </a:r>
-            <a:r>
-              <a:rPr lang="en-US" sz="1100" dirty="0" smtClean="0">
-                <a:latin typeface="Consolas"/>
-                <a:cs typeface="Consolas"/>
-              </a:rPr>
-              <a:t> performance</a:t>
-            </a:r>
-          </a:p>
-          <a:p>
-            <a:pPr marL="554038" lvl="1" indent="-285750">
-              <a:buFont typeface="Arial"/>
-              <a:buChar char="•"/>
-            </a:pPr>
-            <a:r>
-              <a:rPr lang="en-US" sz="1100" dirty="0" smtClean="0">
-                <a:latin typeface="Consolas"/>
-                <a:cs typeface="Consolas"/>
-              </a:rPr>
-              <a:t>…</a:t>
-            </a:r>
-          </a:p>
-          <a:p>
-            <a:pPr marL="554038" lvl="1" indent="-285750">
-              <a:buFont typeface="Arial"/>
-              <a:buChar char="•"/>
-            </a:pPr>
-            <a:endParaRPr lang="en-US" dirty="0">
-              <a:latin typeface="Consolas"/>
-              <a:cs typeface="Consolas"/>
-            </a:endParaRPr>
-          </a:p>
-        </p:txBody>
-      </p:sp>
-      <p:sp>
-        <p:nvSpPr>
-          <p:cNvPr id="3" name="Title 2"/>
-          <p:cNvSpPr>
-            <a:spLocks noGrp="1"/>
-          </p:cNvSpPr>
-          <p:nvPr>
-            <p:ph type="title"/>
-          </p:nvPr>
-        </p:nvSpPr>
-        <p:spPr/>
-        <p:txBody>
-          <a:bodyPr/>
-          <a:lstStyle/>
-          <a:p>
-            <a:r>
-              <a:rPr lang="en-US" dirty="0" err="1" smtClean="0"/>
-              <a:t>Cassandra.yaml</a:t>
-            </a:r>
-            <a:endParaRPr lang="en-US" dirty="0"/>
-          </a:p>
-        </p:txBody>
-      </p:sp>
-    </p:spTree>
-    <p:extLst>
-      <p:ext uri="{BB962C8B-B14F-4D97-AF65-F5344CB8AC3E}">
-        <p14:creationId xmlns:p14="http://schemas.microsoft.com/office/powerpoint/2010/main" val="2671352318"/>
-      </p:ext>
-    </p:extLst>
-  </p:cSld>
-  <p:clrMapOvr>
-    <a:masterClrMapping/>
-  </p:clrMapOvr>
-  <p:transition xmlns:p14="http://schemas.microsoft.com/office/powerpoint/2010/main">
-    <p:fade thruBlk="1"/>
-  </p:transition>
-</p:sld>
-</file>
-
-<file path=ppt/slides/slide17.xml><?xml version="1.0" encoding="utf-8"?>
-<p:sld xmlns:a="http://schemas.openxmlformats.org/drawingml/2006/main" xmlns:r="http://schemas.openxmlformats.org/officeDocument/2006/relationships" xmlns:p="http://schemas.openxmlformats.org/presentationml/2006/main">
-  <p:cSld>
-    <p:spTree>
-      <p:nvGrpSpPr>
-        <p:cNvPr id="1" name=""/>
-        <p:cNvGrpSpPr/>
-        <p:nvPr/>
-      </p:nvGrpSpPr>
-      <p:grpSpPr>
-        <a:xfrm>
-          <a:off x="0" y="0"/>
-          <a:ext cx="0" cy="0"/>
-          <a:chOff x="0" y="0"/>
-          <a:chExt cx="0" cy="0"/>
-        </a:xfrm>
-      </p:grpSpPr>
-      <p:sp>
-        <p:nvSpPr>
-          <p:cNvPr id="2" name="Content Placeholder 1"/>
-          <p:cNvSpPr>
-            <a:spLocks noGrp="1"/>
-          </p:cNvSpPr>
-          <p:nvPr>
-            <p:ph idx="1"/>
-          </p:nvPr>
-        </p:nvSpPr>
-        <p:spPr/>
-        <p:txBody>
-          <a:bodyPr/>
-          <a:lstStyle/>
-          <a:p>
-            <a:r>
-              <a:rPr lang="en-US" dirty="0"/>
-              <a:t>b</a:t>
-            </a:r>
-            <a:r>
-              <a:rPr lang="en-US" dirty="0" smtClean="0"/>
-              <a:t>in/</a:t>
-            </a:r>
-            <a:r>
-              <a:rPr lang="en-US" dirty="0" err="1" smtClean="0"/>
-              <a:t>cassandra</a:t>
-            </a:r>
-            <a:endParaRPr lang="en-US" dirty="0"/>
-          </a:p>
-        </p:txBody>
-      </p:sp>
-      <p:sp>
-        <p:nvSpPr>
-          <p:cNvPr id="3" name="Title 2"/>
-          <p:cNvSpPr>
-            <a:spLocks noGrp="1"/>
-          </p:cNvSpPr>
-          <p:nvPr>
-            <p:ph type="title"/>
-          </p:nvPr>
-        </p:nvSpPr>
-        <p:spPr>
-          <a:xfrm>
-            <a:off x="376445" y="294936"/>
-            <a:ext cx="2330557" cy="261610"/>
-          </a:xfrm>
-        </p:spPr>
-        <p:txBody>
-          <a:bodyPr/>
-          <a:lstStyle/>
-          <a:p>
-            <a:r>
-              <a:rPr lang="en-US" dirty="0" smtClean="0"/>
-              <a:t>Start Cassandra</a:t>
-            </a:r>
-            <a:endParaRPr lang="en-US" dirty="0"/>
-          </a:p>
-        </p:txBody>
-      </p:sp>
-    </p:spTree>
-    <p:extLst>
-      <p:ext uri="{BB962C8B-B14F-4D97-AF65-F5344CB8AC3E}">
-        <p14:creationId xmlns:p14="http://schemas.microsoft.com/office/powerpoint/2010/main" val="3624920005"/>
-      </p:ext>
-    </p:extLst>
-  </p:cSld>
-  <p:clrMapOvr>
-    <a:masterClrMapping/>
-  </p:clrMapOvr>
-  <p:transition xmlns:p14="http://schemas.microsoft.com/office/powerpoint/2010/main">
-    <p:fade thruBlk="1"/>
-  </p:transition>
-</p:sld>
-</file>
-
-<file path=ppt/slides/slide18.xml><?xml version="1.0" encoding="utf-8"?>
+<file path=ppt/slides/slide11.xml><?xml version="1.0" encoding="utf-8"?>
 <p:sld xmlns:a="http://schemas.openxmlformats.org/drawingml/2006/main" xmlns:r="http://schemas.openxmlformats.org/officeDocument/2006/relationships" xmlns:p="http://schemas.openxmlformats.org/presentationml/2006/main">
   <p:cSld>
     <p:spTree>
@@ -28120,7 +24671,6 @@
               <a:rPr lang="en-US" dirty="0" smtClean="0"/>
               <a:t>store</a:t>
             </a:r>
-            <a:endParaRPr lang="en-US" dirty="0" smtClean="0"/>
           </a:p>
           <a:p>
             <a:pPr marL="285750" indent="-285750">
@@ -29454,48 +26004,15 @@
             </a:pPr>
             <a:r>
               <a:rPr lang="en-US" dirty="0">
-                <a:hlinkClick r:id="rId3"/>
+                <a:hlinkClick r:id="rId2"/>
               </a:rPr>
-              <a:t>http://planetcassandra.org/cassandra</a:t>
+              <a:t>https://github.com/baakind/cassandra-workshop</a:t>
             </a:r>
             <a:r>
               <a:rPr lang="en-US" dirty="0" smtClean="0">
-                <a:hlinkClick r:id="rId3"/>
+                <a:hlinkClick r:id="rId2"/>
               </a:rPr>
               <a:t>/</a:t>
-            </a:r>
-            <a:endParaRPr lang="en-US" dirty="0" smtClean="0"/>
-          </a:p>
-          <a:p>
-            <a:pPr marL="554038" lvl="1" indent="-285750">
-              <a:buFont typeface="Arial"/>
-              <a:buChar char="•"/>
-            </a:pPr>
-            <a:r>
-              <a:rPr lang="en-US" dirty="0" smtClean="0"/>
-              <a:t>Stable (2.0.12) – 20.4 MB</a:t>
-            </a:r>
-          </a:p>
-          <a:p>
-            <a:pPr marL="554038" lvl="1" indent="-285750">
-              <a:buFont typeface="Arial"/>
-              <a:buChar char="•"/>
-            </a:pPr>
-            <a:r>
-              <a:rPr lang="en-US" dirty="0" smtClean="0"/>
-              <a:t>“No thanks” </a:t>
-            </a:r>
-            <a:r>
-              <a:rPr lang="en-US" dirty="0" err="1" smtClean="0"/>
-              <a:t>til</a:t>
-            </a:r>
-            <a:r>
-              <a:rPr lang="en-US" dirty="0" smtClean="0"/>
-              <a:t> </a:t>
-            </a:r>
-            <a:r>
-              <a:rPr lang="en-US" dirty="0" err="1" smtClean="0"/>
-              <a:t>registrering</a:t>
             </a:r>
             <a:endParaRPr lang="en-US" dirty="0" smtClean="0"/>
           </a:p>
@@ -29506,247 +26023,9 @@
             </a:pPr>
             <a:r>
               <a:rPr lang="en-US" dirty="0" err="1" smtClean="0"/>
-              <a:t>Kopier</a:t>
-            </a:r>
-            <a:r>
-              <a:rPr lang="en-US" dirty="0" smtClean="0"/>
-              <a:t> </a:t>
-            </a:r>
-            <a:r>
-              <a:rPr lang="en-US" dirty="0" err="1" smtClean="0"/>
-              <a:t>til</a:t>
-            </a:r>
-            <a:r>
-              <a:rPr lang="en-US" dirty="0" smtClean="0"/>
-              <a:t> din node </a:t>
-            </a:r>
-            <a:r>
-              <a:rPr lang="en-US" dirty="0" err="1" smtClean="0"/>
-              <a:t>og</a:t>
-            </a:r>
-            <a:r>
-              <a:rPr lang="en-US" dirty="0" smtClean="0"/>
-              <a:t> start</a:t>
-            </a:r>
-          </a:p>
-          <a:p>
-            <a:pPr marL="554038" lvl="1" indent="-285750">
-              <a:buFont typeface="Arial"/>
-              <a:buChar char="•"/>
-            </a:pPr>
-            <a:r>
-              <a:rPr lang="en-US" sz="1100" dirty="0" err="1" smtClean="0">
-                <a:latin typeface="Consolas"/>
-                <a:cs typeface="Consolas"/>
-              </a:rPr>
-              <a:t>scp</a:t>
-            </a:r>
-            <a:r>
-              <a:rPr lang="en-US" sz="1100" dirty="0">
-                <a:latin typeface="Consolas"/>
-                <a:cs typeface="Consolas"/>
-              </a:rPr>
-              <a:t> dsc-cassandra-2.0.12-</a:t>
-            </a:r>
-            <a:r>
-              <a:rPr lang="en-US" sz="1100" dirty="0" smtClean="0">
-                <a:latin typeface="Consolas"/>
-                <a:cs typeface="Consolas"/>
-              </a:rPr>
-              <a:t>bin.tar.gz raspberry@&lt;</a:t>
-            </a:r>
-            <a:r>
-              <a:rPr lang="en-US" sz="1100" dirty="0" err="1" smtClean="0">
-                <a:latin typeface="Consolas"/>
-                <a:cs typeface="Consolas"/>
-              </a:rPr>
-              <a:t>ip-addr</a:t>
-            </a:r>
-            <a:r>
-              <a:rPr lang="en-US" sz="1100" dirty="0" smtClean="0">
-                <a:latin typeface="Consolas"/>
-                <a:cs typeface="Consolas"/>
-              </a:rPr>
-              <a:t>&gt;:~/</a:t>
-            </a:r>
-          </a:p>
-          <a:p>
-            <a:pPr marL="554038" lvl="1" indent="-285750">
-              <a:buFont typeface="Arial"/>
-              <a:buChar char="•"/>
-            </a:pPr>
-            <a:r>
-              <a:rPr lang="en-US" sz="1100" dirty="0" err="1">
-                <a:latin typeface="Consolas"/>
-                <a:cs typeface="Consolas"/>
-              </a:rPr>
-              <a:t>s</a:t>
-            </a:r>
-            <a:r>
-              <a:rPr lang="en-US" sz="1100" dirty="0" err="1" smtClean="0">
-                <a:latin typeface="Consolas"/>
-                <a:cs typeface="Consolas"/>
-              </a:rPr>
-              <a:t>sh</a:t>
-            </a:r>
-            <a:r>
-              <a:rPr lang="en-US" sz="1100" dirty="0" smtClean="0">
-                <a:latin typeface="Consolas"/>
-                <a:cs typeface="Consolas"/>
-              </a:rPr>
-              <a:t> raspberry@&lt;</a:t>
-            </a:r>
-            <a:r>
-              <a:rPr lang="en-US" sz="1100" dirty="0" err="1" smtClean="0">
-                <a:latin typeface="Consolas"/>
-                <a:cs typeface="Consolas"/>
-              </a:rPr>
-              <a:t>ip-addr</a:t>
-            </a:r>
-            <a:r>
-              <a:rPr lang="en-US" sz="1100" dirty="0" smtClean="0">
-                <a:latin typeface="Consolas"/>
-                <a:cs typeface="Consolas"/>
-              </a:rPr>
-              <a:t>&gt;</a:t>
-            </a:r>
-          </a:p>
-          <a:p>
-            <a:pPr marL="554038" lvl="1" indent="-285750">
-              <a:buFont typeface="Arial"/>
-              <a:buChar char="•"/>
-            </a:pPr>
-            <a:r>
-              <a:rPr lang="en-US" sz="1100" dirty="0">
-                <a:latin typeface="Consolas"/>
-                <a:cs typeface="Consolas"/>
-              </a:rPr>
-              <a:t>t</a:t>
-            </a:r>
-            <a:r>
-              <a:rPr lang="en-US" sz="1100" dirty="0" smtClean="0">
-                <a:latin typeface="Consolas"/>
-                <a:cs typeface="Consolas"/>
-              </a:rPr>
-              <a:t>ar –</a:t>
-            </a:r>
-            <a:r>
-              <a:rPr lang="en-US" sz="1100" dirty="0" err="1" smtClean="0">
-                <a:latin typeface="Consolas"/>
-                <a:cs typeface="Consolas"/>
-              </a:rPr>
-              <a:t>zxvf</a:t>
-            </a:r>
-            <a:r>
-              <a:rPr lang="en-US" sz="1100" dirty="0" smtClean="0">
-                <a:latin typeface="Consolas"/>
-                <a:cs typeface="Consolas"/>
-              </a:rPr>
-              <a:t> dsc-cassandra-2.0.12-bin.tar.gz</a:t>
-            </a:r>
-          </a:p>
-          <a:p>
-            <a:pPr marL="554038" lvl="1" indent="-285750">
-              <a:buFont typeface="Arial"/>
-              <a:buChar char="•"/>
-            </a:pPr>
-            <a:r>
-              <a:rPr lang="en-US" sz="1100" dirty="0">
-                <a:latin typeface="Consolas"/>
-                <a:cs typeface="Consolas"/>
-              </a:rPr>
-              <a:t>c</a:t>
-            </a:r>
-            <a:r>
-              <a:rPr lang="en-US" sz="1100" dirty="0" smtClean="0">
-                <a:latin typeface="Consolas"/>
-                <a:cs typeface="Consolas"/>
-              </a:rPr>
-              <a:t>d dsc-cassandra-2.0.12</a:t>
-            </a:r>
-          </a:p>
-          <a:p>
-            <a:pPr marL="554038" lvl="1" indent="-285750">
-              <a:buFont typeface="Arial"/>
-              <a:buChar char="•"/>
-            </a:pPr>
-            <a:r>
-              <a:rPr lang="en-US" sz="1100" dirty="0" err="1" smtClean="0">
-                <a:latin typeface="Consolas"/>
-                <a:cs typeface="Consolas"/>
-              </a:rPr>
-              <a:t>Editer</a:t>
-            </a:r>
-            <a:r>
-              <a:rPr lang="en-US" sz="1100" dirty="0" smtClean="0">
-                <a:latin typeface="Consolas"/>
-                <a:cs typeface="Consolas"/>
-              </a:rPr>
-              <a:t> </a:t>
-            </a:r>
-            <a:r>
-              <a:rPr lang="en-US" sz="1100" dirty="0" err="1" smtClean="0">
-                <a:latin typeface="Consolas"/>
-                <a:cs typeface="Consolas"/>
-              </a:rPr>
-              <a:t>conf</a:t>
-            </a:r>
-            <a:r>
-              <a:rPr lang="en-US" sz="1100" dirty="0" smtClean="0">
-                <a:latin typeface="Consolas"/>
-                <a:cs typeface="Consolas"/>
-              </a:rPr>
-              <a:t>/</a:t>
-            </a:r>
-            <a:r>
-              <a:rPr lang="en-US" sz="1100" dirty="0" err="1" smtClean="0">
-                <a:latin typeface="Consolas"/>
-                <a:cs typeface="Consolas"/>
-              </a:rPr>
-              <a:t>cassandra.yaml</a:t>
-            </a:r>
-            <a:endParaRPr lang="en-US" sz="1100" dirty="0" smtClean="0">
-              <a:latin typeface="Consolas"/>
-              <a:cs typeface="Consolas"/>
-            </a:endParaRPr>
-          </a:p>
-          <a:p>
-            <a:pPr marL="554038" lvl="1" indent="-285750">
-              <a:buFont typeface="Arial"/>
-              <a:buChar char="•"/>
-            </a:pPr>
-            <a:r>
-              <a:rPr lang="en-US" sz="1100" dirty="0" smtClean="0">
-                <a:latin typeface="Consolas"/>
-                <a:cs typeface="Consolas"/>
-              </a:rPr>
-              <a:t>Start </a:t>
-            </a:r>
-            <a:r>
-              <a:rPr lang="en-US" sz="1100" dirty="0" err="1" smtClean="0">
-                <a:latin typeface="Consolas"/>
-                <a:cs typeface="Consolas"/>
-              </a:rPr>
-              <a:t>cassandra</a:t>
-            </a:r>
-            <a:r>
-              <a:rPr lang="en-US" sz="1100" dirty="0" smtClean="0">
-                <a:latin typeface="Consolas"/>
-                <a:cs typeface="Consolas"/>
-              </a:rPr>
-              <a:t>: bin/</a:t>
-            </a:r>
-            <a:r>
-              <a:rPr lang="en-US" sz="1100" dirty="0" err="1" smtClean="0">
-                <a:latin typeface="Consolas"/>
-                <a:cs typeface="Consolas"/>
-              </a:rPr>
-              <a:t>cassandra</a:t>
-            </a:r>
-            <a:endParaRPr lang="en-US" sz="1100" dirty="0" smtClean="0">
-              <a:latin typeface="Consolas"/>
-              <a:cs typeface="Consolas"/>
-            </a:endParaRPr>
+              <a:t>Singlenode.md</a:t>
+            </a:r>
+            <a:endParaRPr lang="en-US" dirty="0"/>
           </a:p>
         </p:txBody>
       </p:sp>
@@ -29760,47 +26039,14 @@
             <p:ph type="title"/>
           </p:nvPr>
         </p:nvSpPr>
-        <p:spPr>
-          <a:xfrm>
-            <a:off x="376444" y="294936"/>
-            <a:ext cx="4094193" cy="261610"/>
-          </a:xfrm>
-        </p:spPr>
+        <p:spPr/>
         <p:txBody>
           <a:bodyPr/>
           <a:lstStyle/>
           <a:p>
             <a:r>
               <a:rPr lang="en-US" dirty="0" smtClean="0"/>
-              <a:t>Last </a:t>
-            </a:r>
-            <a:r>
-              <a:rPr lang="en-US" dirty="0" err="1" smtClean="0"/>
-              <a:t>ned</a:t>
-            </a:r>
-            <a:r>
-              <a:rPr lang="en-US" dirty="0" smtClean="0"/>
-              <a:t> </a:t>
-            </a:r>
-            <a:r>
-              <a:rPr lang="en-US" dirty="0" err="1" smtClean="0"/>
-              <a:t>og</a:t>
-            </a:r>
-            <a:r>
-              <a:rPr lang="en-US" dirty="0" smtClean="0"/>
-              <a:t> installer </a:t>
-            </a:r>
-            <a:r>
-              <a:rPr lang="en-US" dirty="0" err="1" smtClean="0"/>
-              <a:t>på</a:t>
-            </a:r>
-            <a:r>
-              <a:rPr lang="en-US" dirty="0" smtClean="0"/>
-              <a:t> </a:t>
-            </a:r>
-            <a:r>
-              <a:rPr lang="en-US" dirty="0" err="1" smtClean="0"/>
-              <a:t>noden</a:t>
+              <a:t>Single node cluster</a:t>
             </a:r>
             <a:endParaRPr lang="en-US" dirty="0"/>
           </a:p>
@@ -29809,7 +26055,7 @@
     </p:spTree>
     <p:extLst>
       <p:ext uri="{BB962C8B-B14F-4D97-AF65-F5344CB8AC3E}">
-        <p14:creationId xmlns:p14="http://schemas.microsoft.com/office/powerpoint/2010/main" val="2602014452"/>
+        <p14:creationId xmlns:p14="http://schemas.microsoft.com/office/powerpoint/2010/main" val="955420408"/>
       </p:ext>
     </p:extLst>
   </p:cSld>

--- a/intro.pptx
+++ b/intro.pptx
@@ -514,107 +514,10 @@
           <a:bodyPr/>
           <a:lstStyle/>
           <a:p>
-            <a:pPr marL="171450" indent="-171450">
-              <a:buFontTx/>
-              <a:buChar char="-"/>
+            <a:pPr marL="0" indent="0">
+              <a:buFontTx/>
+              <a:buNone/>
             </a:pPr>
-            <a:r>
-              <a:rPr lang="en-US" dirty="0" err="1" smtClean="0"/>
-              <a:t>Starte</a:t>
-            </a:r>
-            <a:r>
-              <a:rPr lang="en-US" dirty="0" smtClean="0"/>
-              <a:t> </a:t>
-            </a:r>
-            <a:r>
-              <a:rPr lang="en-US" dirty="0" err="1" smtClean="0"/>
-              <a:t>OpCenter</a:t>
-            </a:r>
-            <a:endParaRPr lang="en-US" dirty="0" smtClean="0"/>
-          </a:p>
-          <a:p>
-            <a:pPr marL="171450" indent="-171450">
-              <a:buFontTx/>
-              <a:buChar char="-"/>
-            </a:pPr>
-            <a:r>
-              <a:rPr lang="en-US" dirty="0" err="1" smtClean="0"/>
-              <a:t>Huske</a:t>
-            </a:r>
-            <a:r>
-              <a:rPr lang="en-US" dirty="0" smtClean="0"/>
-              <a:t>:</a:t>
-            </a:r>
-          </a:p>
-          <a:p>
-            <a:pPr marL="628650" lvl="1" indent="-171450">
-              <a:buFontTx/>
-              <a:buChar char="-"/>
-            </a:pPr>
-            <a:r>
-              <a:rPr lang="en-US" dirty="0" smtClean="0"/>
-              <a:t>Min node </a:t>
-            </a:r>
-            <a:r>
-              <a:rPr lang="en-US" dirty="0" err="1" smtClean="0"/>
-              <a:t>og</a:t>
-            </a:r>
-            <a:r>
-              <a:rPr lang="en-US" dirty="0" smtClean="0"/>
-              <a:t> en </a:t>
-            </a:r>
-            <a:r>
-              <a:rPr lang="en-US" dirty="0" err="1" smtClean="0"/>
-              <a:t>annens</a:t>
-            </a:r>
-            <a:r>
-              <a:rPr lang="en-US" dirty="0" smtClean="0"/>
-              <a:t> node </a:t>
-            </a:r>
-            <a:r>
-              <a:rPr lang="en-US" dirty="0" err="1" smtClean="0"/>
-              <a:t>skal</a:t>
-            </a:r>
-            <a:r>
-              <a:rPr lang="en-US" dirty="0" smtClean="0"/>
-              <a:t> </a:t>
-            </a:r>
-            <a:r>
-              <a:rPr lang="en-US" dirty="0" err="1" smtClean="0"/>
-              <a:t>startes</a:t>
-            </a:r>
-            <a:r>
-              <a:rPr lang="en-US" baseline="0" dirty="0" smtClean="0"/>
-              <a:t> med: </a:t>
-            </a:r>
-            <a:r>
-              <a:rPr lang="en-US" baseline="0" dirty="0" err="1" smtClean="0"/>
-              <a:t>auto_bootstrap</a:t>
-            </a:r>
-            <a:r>
-              <a:rPr lang="en-US" baseline="0" dirty="0" smtClean="0"/>
-              <a:t>: false for </a:t>
-            </a:r>
-            <a:r>
-              <a:rPr lang="en-US" baseline="0" dirty="0" err="1" smtClean="0"/>
-              <a:t>å</a:t>
-            </a:r>
-            <a:r>
-              <a:rPr lang="en-US" baseline="0" dirty="0" smtClean="0"/>
-              <a:t> </a:t>
-            </a:r>
-            <a:r>
-              <a:rPr lang="en-US" baseline="0" dirty="0" err="1" smtClean="0"/>
-              <a:t>initialisere</a:t>
-            </a:r>
-            <a:r>
-              <a:rPr lang="en-US" baseline="0" dirty="0" smtClean="0"/>
-              <a:t> </a:t>
-            </a:r>
-            <a:r>
-              <a:rPr lang="en-US" baseline="0" dirty="0" err="1" smtClean="0"/>
-              <a:t>clusteret</a:t>
-            </a:r>
             <a:endParaRPr lang="en-US" dirty="0"/>
           </a:p>
         </p:txBody>
@@ -646,6 +549,308 @@
     <p:extLst>
       <p:ext uri="{BB962C8B-B14F-4D97-AF65-F5344CB8AC3E}">
         <p14:creationId xmlns:p14="http://schemas.microsoft.com/office/powerpoint/2010/main" val="3506264665"/>
+      </p:ext>
+    </p:extLst>
+  </p:cSld>
+  <p:clrMapOvr>
+    <a:masterClrMapping/>
+  </p:clrMapOvr>
+</p:notes>
+</file>
+
+<file path=ppt/notesSlides/notesSlide10.xml><?xml version="1.0" encoding="utf-8"?>
+<p:notes xmlns:a="http://schemas.openxmlformats.org/drawingml/2006/main" xmlns:r="http://schemas.openxmlformats.org/officeDocument/2006/relationships" xmlns:p="http://schemas.openxmlformats.org/presentationml/2006/main">
+  <p:cSld>
+    <p:spTree>
+      <p:nvGrpSpPr>
+        <p:cNvPr id="1" name=""/>
+        <p:cNvGrpSpPr/>
+        <p:nvPr/>
+      </p:nvGrpSpPr>
+      <p:grpSpPr>
+        <a:xfrm>
+          <a:off x="0" y="0"/>
+          <a:ext cx="0" cy="0"/>
+          <a:chOff x="0" y="0"/>
+          <a:chExt cx="0" cy="0"/>
+        </a:xfrm>
+      </p:grpSpPr>
+      <p:sp>
+        <p:nvSpPr>
+          <p:cNvPr id="2" name="Slide Image Placeholder 1"/>
+          <p:cNvSpPr>
+            <a:spLocks noGrp="1" noRot="1" noChangeAspect="1"/>
+          </p:cNvSpPr>
+          <p:nvPr>
+            <p:ph type="sldImg"/>
+          </p:nvPr>
+        </p:nvSpPr>
+        <p:spPr/>
+      </p:sp>
+      <p:sp>
+        <p:nvSpPr>
+          <p:cNvPr id="3" name="Notes Placeholder 2"/>
+          <p:cNvSpPr>
+            <a:spLocks noGrp="1"/>
+          </p:cNvSpPr>
+          <p:nvPr>
+            <p:ph type="body" idx="1"/>
+          </p:nvPr>
+        </p:nvSpPr>
+        <p:spPr/>
+        <p:txBody>
+          <a:bodyPr/>
+          <a:lstStyle/>
+          <a:p>
+            <a:pPr marL="171450" indent="-171450">
+              <a:buFont typeface="Arial"/>
+              <a:buChar char="•"/>
+            </a:pPr>
+            <a:r>
+              <a:rPr lang="en-US" b="1" dirty="0" smtClean="0"/>
+              <a:t>PK:</a:t>
+            </a:r>
+            <a:r>
+              <a:rPr lang="en-US" b="1" baseline="0" dirty="0" smtClean="0"/>
+              <a:t> Primary key</a:t>
+            </a:r>
+          </a:p>
+          <a:p>
+            <a:pPr marL="628650" lvl="1" indent="-171450">
+              <a:buFont typeface="Arial"/>
+              <a:buChar char="•"/>
+            </a:pPr>
+            <a:r>
+              <a:rPr lang="en-US" b="0" baseline="0" dirty="0" err="1" smtClean="0"/>
+              <a:t>Flere</a:t>
+            </a:r>
+            <a:r>
+              <a:rPr lang="en-US" b="0" baseline="0" dirty="0" smtClean="0"/>
+              <a:t> PK: Compound key</a:t>
+            </a:r>
+          </a:p>
+          <a:p>
+            <a:pPr marL="628650" lvl="1" indent="-171450">
+              <a:buFont typeface="Arial"/>
+              <a:buChar char="•"/>
+            </a:pPr>
+            <a:r>
+              <a:rPr lang="en-US" b="0" baseline="0" dirty="0" err="1" smtClean="0"/>
+              <a:t>Alle</a:t>
+            </a:r>
+            <a:r>
+              <a:rPr lang="en-US" b="0" baseline="0" dirty="0" smtClean="0"/>
+              <a:t> </a:t>
+            </a:r>
+            <a:r>
+              <a:rPr lang="en-US" b="0" baseline="0" dirty="0" err="1" smtClean="0"/>
+              <a:t>må</a:t>
+            </a:r>
+            <a:r>
+              <a:rPr lang="en-US" b="0" baseline="0" dirty="0" smtClean="0"/>
+              <a:t> </a:t>
+            </a:r>
+            <a:r>
+              <a:rPr lang="en-US" b="0" baseline="0" dirty="0" err="1" smtClean="0"/>
+              <a:t>alltid</a:t>
+            </a:r>
+            <a:r>
+              <a:rPr lang="en-US" b="0" baseline="0" dirty="0" smtClean="0"/>
+              <a:t> </a:t>
+            </a:r>
+            <a:r>
+              <a:rPr lang="en-US" b="0" baseline="0" dirty="0" err="1" smtClean="0"/>
+              <a:t>være</a:t>
+            </a:r>
+            <a:r>
+              <a:rPr lang="en-US" b="0" baseline="0" dirty="0" smtClean="0"/>
+              <a:t> med (</a:t>
+            </a:r>
+            <a:r>
+              <a:rPr lang="en-US" b="0" baseline="0" dirty="0" err="1" smtClean="0"/>
+              <a:t>som</a:t>
+            </a:r>
+            <a:r>
+              <a:rPr lang="en-US" b="0" baseline="0" dirty="0" smtClean="0"/>
+              <a:t> I </a:t>
+            </a:r>
+            <a:r>
+              <a:rPr lang="en-US" b="0" baseline="0" dirty="0" err="1" smtClean="0"/>
+              <a:t>relasjonsdb</a:t>
+            </a:r>
+            <a:r>
+              <a:rPr lang="en-US" b="0" baseline="0" dirty="0" smtClean="0"/>
+              <a:t>)</a:t>
+            </a:r>
+          </a:p>
+          <a:p>
+            <a:pPr marL="171450" indent="-171450">
+              <a:buFont typeface="Arial"/>
+              <a:buChar char="•"/>
+            </a:pPr>
+            <a:r>
+              <a:rPr lang="en-US" b="1" baseline="0" dirty="0" smtClean="0"/>
+              <a:t>C: Clustering column</a:t>
+            </a:r>
+          </a:p>
+          <a:p>
+            <a:pPr marL="628650" lvl="1" indent="-171450">
+              <a:buFont typeface="Arial"/>
+              <a:buChar char="•"/>
+            </a:pPr>
+            <a:r>
+              <a:rPr lang="en-US" b="0" baseline="0" dirty="0" err="1" smtClean="0"/>
+              <a:t>Clustres</a:t>
+            </a:r>
+            <a:r>
+              <a:rPr lang="en-US" b="0" baseline="0" dirty="0" smtClean="0"/>
+              <a:t> </a:t>
+            </a:r>
+            <a:r>
+              <a:rPr lang="en-US" b="0" baseline="0" dirty="0" err="1" smtClean="0"/>
+              <a:t>på</a:t>
+            </a:r>
+            <a:r>
+              <a:rPr lang="en-US" b="0" baseline="0" dirty="0" smtClean="0"/>
+              <a:t> disk </a:t>
+            </a:r>
+            <a:r>
+              <a:rPr lang="en-US" b="0" baseline="0" dirty="0" err="1" smtClean="0"/>
+              <a:t>basert</a:t>
+            </a:r>
+            <a:r>
+              <a:rPr lang="en-US" b="0" baseline="0" dirty="0" smtClean="0"/>
+              <a:t> </a:t>
+            </a:r>
+            <a:r>
+              <a:rPr lang="en-US" b="0" baseline="0" dirty="0" err="1" smtClean="0"/>
+              <a:t>på</a:t>
+            </a:r>
+            <a:r>
+              <a:rPr lang="en-US" b="0" baseline="0" dirty="0" smtClean="0"/>
+              <a:t> </a:t>
+            </a:r>
+            <a:r>
+              <a:rPr lang="en-US" b="0" baseline="0" dirty="0" err="1" smtClean="0"/>
+              <a:t>denne</a:t>
+            </a:r>
+            <a:endParaRPr lang="en-US" b="0" baseline="0" dirty="0" smtClean="0"/>
+          </a:p>
+          <a:p>
+            <a:pPr marL="628650" lvl="1" indent="-171450">
+              <a:buFont typeface="Arial"/>
+              <a:buChar char="•"/>
+            </a:pPr>
+            <a:r>
+              <a:rPr lang="en-US" b="0" baseline="0" dirty="0" err="1" smtClean="0"/>
+              <a:t>Blir</a:t>
+            </a:r>
+            <a:r>
+              <a:rPr lang="en-US" b="0" baseline="0" dirty="0" smtClean="0"/>
+              <a:t> </a:t>
+            </a:r>
+            <a:r>
+              <a:rPr lang="en-US" b="0" baseline="0" dirty="0" err="1" smtClean="0"/>
+              <a:t>sortert</a:t>
+            </a:r>
+            <a:r>
+              <a:rPr lang="en-US" b="0" baseline="0" dirty="0" smtClean="0"/>
+              <a:t> </a:t>
+            </a:r>
+            <a:r>
+              <a:rPr lang="en-US" b="0" baseline="0" dirty="0" err="1" smtClean="0"/>
+              <a:t>automatisk</a:t>
+            </a:r>
+            <a:r>
+              <a:rPr lang="en-US" b="0" baseline="0" dirty="0" smtClean="0"/>
+              <a:t> </a:t>
+            </a:r>
+            <a:r>
+              <a:rPr lang="en-US" b="0" baseline="0" dirty="0" err="1" smtClean="0"/>
+              <a:t>på</a:t>
+            </a:r>
+            <a:r>
+              <a:rPr lang="en-US" b="0" baseline="0" dirty="0" smtClean="0"/>
+              <a:t> </a:t>
+            </a:r>
+            <a:r>
+              <a:rPr lang="en-US" b="0" baseline="0" dirty="0" err="1" smtClean="0"/>
+              <a:t>denne</a:t>
+            </a:r>
+            <a:endParaRPr lang="en-US" b="0" baseline="0" dirty="0" smtClean="0"/>
+          </a:p>
+          <a:p>
+            <a:pPr marL="628650" lvl="1" indent="-171450">
+              <a:buFont typeface="Arial"/>
+              <a:buChar char="•"/>
+            </a:pPr>
+            <a:r>
+              <a:rPr lang="en-US" b="0" baseline="0" dirty="0" err="1" smtClean="0"/>
+              <a:t>Foregående</a:t>
+            </a:r>
+            <a:r>
+              <a:rPr lang="en-US" b="0" baseline="0" dirty="0" smtClean="0"/>
+              <a:t> </a:t>
+            </a:r>
+            <a:r>
+              <a:rPr lang="en-US" b="0" baseline="0" dirty="0" err="1" smtClean="0"/>
+              <a:t>definerte</a:t>
+            </a:r>
+            <a:r>
+              <a:rPr lang="en-US" b="0" baseline="0" dirty="0" smtClean="0"/>
+              <a:t> Clustering columns </a:t>
+            </a:r>
+            <a:r>
+              <a:rPr lang="en-US" b="0" baseline="0" dirty="0" err="1" smtClean="0"/>
+              <a:t>må</a:t>
+            </a:r>
+            <a:r>
+              <a:rPr lang="en-US" b="0" baseline="0" dirty="0" smtClean="0"/>
+              <a:t> </a:t>
+            </a:r>
+            <a:r>
+              <a:rPr lang="en-US" b="0" baseline="0" dirty="0" err="1" smtClean="0"/>
+              <a:t>være</a:t>
+            </a:r>
+            <a:r>
+              <a:rPr lang="en-US" b="0" baseline="0" dirty="0" smtClean="0"/>
+              <a:t> med I </a:t>
+            </a:r>
+            <a:r>
+              <a:rPr lang="en-US" b="0" baseline="0" dirty="0" err="1" smtClean="0"/>
+              <a:t>spørringen</a:t>
+            </a:r>
+            <a:endParaRPr lang="en-US" b="0" baseline="0" dirty="0" smtClean="0"/>
+          </a:p>
+        </p:txBody>
+      </p:sp>
+      <p:sp>
+        <p:nvSpPr>
+          <p:cNvPr id="4" name="Slide Number Placeholder 3"/>
+          <p:cNvSpPr>
+            <a:spLocks noGrp="1"/>
+          </p:cNvSpPr>
+          <p:nvPr>
+            <p:ph type="sldNum" sz="quarter" idx="10"/>
+          </p:nvPr>
+        </p:nvSpPr>
+        <p:spPr/>
+        <p:txBody>
+          <a:bodyPr/>
+          <a:lstStyle/>
+          <a:p>
+            <a:fld id="{5B8851A2-1533-BD40-9223-E39EB9F7BBE7}" type="slidenum">
+              <a:rPr lang="en-US" smtClean="0"/>
+              <a:t>11</a:t>
+            </a:fld>
+            <a:endParaRPr lang="en-US"/>
+          </a:p>
+        </p:txBody>
+      </p:sp>
+    </p:spTree>
+    <p:extLst>
+      <p:ext uri="{BB962C8B-B14F-4D97-AF65-F5344CB8AC3E}">
+        <p14:creationId xmlns:p14="http://schemas.microsoft.com/office/powerpoint/2010/main" val="341419617"/>
       </p:ext>
     </p:extLst>
   </p:cSld>
@@ -705,7 +910,11 @@
             </a:pPr>
             <a:r>
               <a:rPr lang="en-US" dirty="0" smtClean="0"/>
-              <a:t>Eventual consistent</a:t>
+              <a:t>Eventual </a:t>
+            </a:r>
+            <a:r>
+              <a:rPr lang="en-US" dirty="0" smtClean="0"/>
+              <a:t>consistent</a:t>
             </a:r>
           </a:p>
           <a:p>
@@ -714,6 +923,85 @@
               <a:buChar char="•"/>
             </a:pPr>
             <a:r>
+              <a:rPr lang="en-US" dirty="0" err="1" smtClean="0"/>
+              <a:t>Ikke</a:t>
+            </a:r>
+            <a:r>
+              <a:rPr lang="en-US" dirty="0" smtClean="0"/>
+              <a:t> </a:t>
+            </a:r>
+            <a:r>
+              <a:rPr lang="en-US" dirty="0" err="1" smtClean="0"/>
+              <a:t>garanti</a:t>
+            </a:r>
+            <a:r>
+              <a:rPr lang="en-US" dirty="0" smtClean="0"/>
+              <a:t> for</a:t>
+            </a:r>
+            <a:r>
+              <a:rPr lang="en-US" baseline="0" dirty="0" smtClean="0"/>
+              <a:t> at </a:t>
+            </a:r>
+            <a:r>
+              <a:rPr lang="en-US" baseline="0" dirty="0" err="1" smtClean="0"/>
+              <a:t>neste</a:t>
+            </a:r>
+            <a:r>
+              <a:rPr lang="en-US" baseline="0" dirty="0" smtClean="0"/>
+              <a:t> </a:t>
+            </a:r>
+            <a:r>
+              <a:rPr lang="en-US" baseline="0" dirty="0" err="1" smtClean="0"/>
+              <a:t>transaksjon</a:t>
+            </a:r>
+            <a:r>
+              <a:rPr lang="en-US" baseline="0" dirty="0" smtClean="0"/>
+              <a:t> </a:t>
+            </a:r>
+            <a:r>
+              <a:rPr lang="en-US" baseline="0" dirty="0" err="1" smtClean="0"/>
+              <a:t>leser</a:t>
+            </a:r>
+            <a:r>
+              <a:rPr lang="en-US" baseline="0" dirty="0" smtClean="0"/>
+              <a:t> </a:t>
+            </a:r>
+            <a:r>
+              <a:rPr lang="en-US" baseline="0" dirty="0" err="1" smtClean="0"/>
+              <a:t>samme</a:t>
+            </a:r>
+            <a:r>
+              <a:rPr lang="en-US" baseline="0" dirty="0" smtClean="0"/>
+              <a:t> </a:t>
+            </a:r>
+            <a:r>
+              <a:rPr lang="en-US" baseline="0" dirty="0" err="1" smtClean="0"/>
+              <a:t>versjon</a:t>
+            </a:r>
+            <a:r>
+              <a:rPr lang="en-US" baseline="0" dirty="0" smtClean="0"/>
+              <a:t> </a:t>
+            </a:r>
+            <a:r>
+              <a:rPr lang="en-US" baseline="0" dirty="0" err="1" smtClean="0"/>
+              <a:t>av</a:t>
+            </a:r>
+            <a:r>
+              <a:rPr lang="en-US" baseline="0" dirty="0" smtClean="0"/>
+              <a:t> </a:t>
+            </a:r>
+            <a:r>
+              <a:rPr lang="en-US" baseline="0" dirty="0" err="1" smtClean="0"/>
+              <a:t>datasettet</a:t>
+            </a:r>
+            <a:endParaRPr lang="en-US" dirty="0" smtClean="0"/>
+          </a:p>
+          <a:p>
+            <a:pPr marL="628650" lvl="1" indent="-171450">
+              <a:buFont typeface="Arial"/>
+              <a:buChar char="•"/>
+            </a:pPr>
+            <a:r>
               <a:rPr lang="en-US" baseline="0" dirty="0" err="1" smtClean="0"/>
               <a:t>Snakk</a:t>
             </a:r>
@@ -731,7 +1019,7 @@
             </a:r>
             <a:r>
               <a:rPr lang="en-US" baseline="0" dirty="0" err="1" smtClean="0"/>
-              <a:t>microsekunder</a:t>
+              <a:t>kort</a:t>
             </a:r>
             <a:r>
               <a:rPr lang="en-US" baseline="0" dirty="0" smtClean="0"/>
@@ -739,7 +1027,7 @@
             </a:r>
             <a:r>
               <a:rPr lang="en-US" baseline="0" dirty="0" err="1" smtClean="0"/>
-              <a:t>eller</a:t>
+              <a:t>tid</a:t>
             </a:r>
             <a:r>
               <a:rPr lang="en-US" baseline="0" dirty="0" smtClean="0"/>
@@ -747,16 +1035,108 @@
             </a:r>
             <a:r>
               <a:rPr lang="en-US" baseline="0" dirty="0" err="1" smtClean="0"/>
-              <a:t>millisekunder</a:t>
+              <a:t>før</a:t>
+            </a:r>
+            <a:r>
+              <a:rPr lang="en-US" baseline="0" dirty="0" smtClean="0"/>
+              <a:t> </a:t>
+            </a:r>
+            <a:r>
+              <a:rPr lang="en-US" baseline="0" dirty="0" err="1" smtClean="0"/>
+              <a:t>basen</a:t>
+            </a:r>
+            <a:r>
+              <a:rPr lang="en-US" baseline="0" dirty="0" smtClean="0"/>
+              <a:t> </a:t>
+            </a:r>
+            <a:r>
+              <a:rPr lang="en-US" baseline="0" dirty="0" err="1" smtClean="0"/>
+              <a:t>er</a:t>
+            </a:r>
+            <a:r>
+              <a:rPr lang="en-US" baseline="0" dirty="0" smtClean="0"/>
+              <a:t> </a:t>
+            </a:r>
+            <a:r>
+              <a:rPr lang="en-US" baseline="0" dirty="0" err="1" smtClean="0"/>
+              <a:t>konsistent</a:t>
             </a:r>
             <a:endParaRPr lang="en-US" baseline="0" dirty="0" smtClean="0"/>
           </a:p>
           <a:p>
-            <a:pPr marL="457200" lvl="1" indent="0">
+            <a:pPr marL="1085850" lvl="2" indent="-171450">
               <a:buFont typeface="Arial"/>
-              <a:buNone/>
+              <a:buChar char="•"/>
             </a:pPr>
-            <a:endParaRPr lang="en-US" dirty="0" smtClean="0"/>
+            <a:r>
+              <a:rPr lang="en-US" baseline="0" dirty="0" err="1" smtClean="0"/>
+              <a:t>Forsøker</a:t>
+            </a:r>
+            <a:r>
+              <a:rPr lang="en-US" baseline="0" dirty="0" smtClean="0"/>
+              <a:t> </a:t>
+            </a:r>
+            <a:r>
+              <a:rPr lang="en-US" baseline="0" dirty="0" err="1" smtClean="0"/>
+              <a:t>å</a:t>
+            </a:r>
+            <a:r>
+              <a:rPr lang="en-US" baseline="0" dirty="0" smtClean="0"/>
+              <a:t> </a:t>
+            </a:r>
+            <a:r>
+              <a:rPr lang="en-US" baseline="0" dirty="0" err="1" smtClean="0"/>
+              <a:t>skrive</a:t>
+            </a:r>
+            <a:r>
+              <a:rPr lang="en-US" baseline="0" dirty="0" smtClean="0"/>
+              <a:t> </a:t>
+            </a:r>
+            <a:r>
+              <a:rPr lang="en-US" baseline="0" dirty="0" err="1" smtClean="0"/>
+              <a:t>til</a:t>
+            </a:r>
+            <a:r>
+              <a:rPr lang="en-US" baseline="0" dirty="0" smtClean="0"/>
+              <a:t> </a:t>
+            </a:r>
+            <a:r>
+              <a:rPr lang="en-US" baseline="0" dirty="0" err="1" smtClean="0"/>
+              <a:t>alle</a:t>
+            </a:r>
+            <a:r>
+              <a:rPr lang="en-US" baseline="0" dirty="0" smtClean="0"/>
+              <a:t> </a:t>
+            </a:r>
+            <a:r>
+              <a:rPr lang="en-US" baseline="0" dirty="0" err="1" smtClean="0"/>
+              <a:t>involverte</a:t>
+            </a:r>
+            <a:r>
+              <a:rPr lang="en-US" baseline="0" dirty="0" smtClean="0"/>
+              <a:t> </a:t>
+            </a:r>
+            <a:r>
+              <a:rPr lang="en-US" baseline="0" dirty="0" err="1" smtClean="0"/>
+              <a:t>noder</a:t>
+            </a:r>
+            <a:r>
+              <a:rPr lang="en-US" baseline="0" dirty="0" smtClean="0"/>
+              <a:t> med en gang </a:t>
+            </a:r>
+            <a:r>
+              <a:rPr lang="en-US" baseline="0" dirty="0" err="1" smtClean="0"/>
+              <a:t>hvis</a:t>
+            </a:r>
+            <a:r>
+              <a:rPr lang="en-US" baseline="0" dirty="0" smtClean="0"/>
+              <a:t> </a:t>
+            </a:r>
+            <a:r>
+              <a:rPr lang="en-US" baseline="0" dirty="0" err="1" smtClean="0"/>
+              <a:t>tilgjengelig</a:t>
+            </a:r>
+            <a:endParaRPr lang="en-US" baseline="0" dirty="0" smtClean="0"/>
           </a:p>
         </p:txBody>
       </p:sp>
@@ -855,8 +1235,8 @@
               <a:buChar char="•"/>
             </a:pPr>
             <a:r>
-              <a:rPr lang="en-US" dirty="0" err="1" smtClean="0"/>
-              <a:t>Miks</a:t>
+              <a:rPr lang="en-US" dirty="0" smtClean="0"/>
+              <a:t>Hybrid</a:t>
             </a:r>
             <a:r>
               <a:rPr lang="en-US" baseline="0" dirty="0" smtClean="0"/>
@@ -864,7 +1244,7 @@
             </a:r>
             <a:r>
               <a:rPr lang="en-US" baseline="0" dirty="0" err="1" smtClean="0"/>
-              <a:t>av</a:t>
+              <a:t>mellom</a:t>
             </a:r>
             <a:r>
               <a:rPr lang="en-US" baseline="0" dirty="0" smtClean="0"/>
@@ -1929,17 +2309,13 @@
           <a:bodyPr/>
           <a:lstStyle/>
           <a:p>
-            <a:pPr marL="171450" indent="-171450">
-              <a:buFont typeface="Arial"/>
-              <a:buChar char="•"/>
-            </a:pPr>
-            <a:r>
-              <a:rPr lang="en-US" dirty="0" smtClean="0"/>
-              <a:t>Start </a:t>
-            </a:r>
-            <a:r>
-              <a:rPr lang="en-US" dirty="0" err="1" smtClean="0"/>
-              <a:t>OpsCenter</a:t>
+            <a:r>
+              <a:rPr lang="en-US" dirty="0" smtClean="0"/>
+              <a:t>- </a:t>
+            </a:r>
+            <a:r>
+              <a:rPr lang="en-US" dirty="0" err="1" smtClean="0"/>
+              <a:t>Fokus</a:t>
             </a:r>
             <a:r>
               <a:rPr lang="en-US" dirty="0" smtClean="0"/>
@@ -1947,37 +2323,12 @@
             </a:r>
             <a:r>
               <a:rPr lang="en-US" dirty="0" err="1" smtClean="0"/>
-              <a:t>lokalt</a:t>
-            </a:r>
-            <a:endParaRPr lang="en-US" dirty="0" smtClean="0"/>
-          </a:p>
-          <a:p>
-            <a:pPr marL="171450" indent="-171450">
-              <a:buFont typeface="Arial"/>
-              <a:buChar char="•"/>
-            </a:pPr>
-            <a:r>
-              <a:rPr lang="en-US" dirty="0" err="1" smtClean="0"/>
-              <a:t>Koble</a:t>
-            </a:r>
-            <a:r>
-              <a:rPr lang="en-US" dirty="0" smtClean="0"/>
-              <a:t> </a:t>
-            </a:r>
-            <a:r>
-              <a:rPr lang="en-US" dirty="0" err="1" smtClean="0"/>
-              <a:t>til</a:t>
-            </a:r>
-            <a:r>
-              <a:rPr lang="en-US" dirty="0" smtClean="0"/>
-              <a:t> min node</a:t>
-            </a:r>
-          </a:p>
-          <a:p>
-            <a:pPr marL="171450" indent="-171450">
-              <a:buFont typeface="Arial"/>
-              <a:buChar char="•"/>
-            </a:pPr>
+              <a:t>på</a:t>
+            </a:r>
+            <a:r>
+              <a:rPr lang="en-US" dirty="0" smtClean="0"/>
+              <a:t> fault tolerance</a:t>
+            </a:r>
             <a:endParaRPr lang="en-US" dirty="0"/>
           </a:p>
         </p:txBody>
@@ -1999,7 +2350,7 @@
           <a:p>
             <a:fld id="{5B8851A2-1533-BD40-9223-E39EB9F7BBE7}" type="slidenum">
               <a:rPr lang="en-US" smtClean="0"/>
-              <a:t>10</a:t>
+              <a:t>8</a:t>
             </a:fld>
             <a:endParaRPr lang="en-US"/>
           </a:p>
@@ -2008,7 +2359,7 @@
     </p:spTree>
     <p:extLst>
       <p:ext uri="{BB962C8B-B14F-4D97-AF65-F5344CB8AC3E}">
-        <p14:creationId xmlns:p14="http://schemas.microsoft.com/office/powerpoint/2010/main" val="3674016033"/>
+        <p14:creationId xmlns:p14="http://schemas.microsoft.com/office/powerpoint/2010/main" val="3271057547"/>
       </p:ext>
     </p:extLst>
   </p:cSld>
@@ -2075,22 +2426,14 @@
               <a:t>OpsCenter</a:t>
             </a:r>
             <a:r>
-              <a:rPr lang="en-US" baseline="0" dirty="0" smtClean="0"/>
+              <a:rPr lang="en-US" dirty="0" smtClean="0"/>
               <a:t> </a:t>
             </a:r>
             <a:r>
-              <a:rPr lang="en-US" baseline="0" dirty="0" err="1" smtClean="0"/>
-              <a:t>på</a:t>
-            </a:r>
-            <a:r>
-              <a:rPr lang="en-US" baseline="0" dirty="0" smtClean="0"/>
-              <a:t> min </a:t>
-            </a:r>
-            <a:r>
-              <a:rPr lang="en-US" baseline="0" dirty="0" err="1" smtClean="0"/>
-              <a:t>maskin</a:t>
-            </a:r>
-            <a:endParaRPr lang="en-US" baseline="0" dirty="0" smtClean="0"/>
+              <a:rPr lang="en-US" dirty="0" err="1" smtClean="0"/>
+              <a:t>lokalt</a:t>
+            </a:r>
+            <a:endParaRPr lang="en-US" dirty="0" smtClean="0"/>
           </a:p>
           <a:p>
             <a:pPr marL="171450" indent="-171450">
@@ -2098,610 +2441,28 @@
               <a:buChar char="•"/>
             </a:pPr>
             <a:r>
-              <a:rPr lang="en-US" baseline="0" dirty="0" err="1" smtClean="0"/>
-              <a:t>Kjører</a:t>
-            </a:r>
-            <a:r>
-              <a:rPr lang="en-US" baseline="0" dirty="0" smtClean="0"/>
+              <a:rPr lang="en-US" dirty="0" err="1" smtClean="0"/>
+              <a:t>Koble</a:t>
+            </a:r>
+            <a:r>
+              <a:rPr lang="en-US" dirty="0" smtClean="0"/>
               <a:t> </a:t>
             </a:r>
             <a:r>
-              <a:rPr lang="en-US" baseline="0" dirty="0" err="1" smtClean="0"/>
-              <a:t>datastax</a:t>
-            </a:r>
-            <a:r>
-              <a:rPr lang="en-US" baseline="0" dirty="0" smtClean="0"/>
-              <a:t>-agent </a:t>
-            </a:r>
-            <a:r>
-              <a:rPr lang="en-US" baseline="0" dirty="0" err="1" smtClean="0"/>
-              <a:t>på</a:t>
-            </a:r>
-            <a:r>
-              <a:rPr lang="en-US" baseline="0" dirty="0" smtClean="0"/>
-              <a:t> </a:t>
-            </a:r>
-            <a:r>
-              <a:rPr lang="en-US" baseline="0" dirty="0" err="1" smtClean="0"/>
-              <a:t>alle</a:t>
-            </a:r>
-            <a:r>
-              <a:rPr lang="en-US" baseline="0" dirty="0" smtClean="0"/>
-              <a:t> </a:t>
-            </a:r>
-            <a:r>
-              <a:rPr lang="en-US" baseline="0" dirty="0" err="1" smtClean="0"/>
-              <a:t>nodene</a:t>
-            </a:r>
-            <a:r>
-              <a:rPr lang="en-US" baseline="0" dirty="0" smtClean="0"/>
-              <a:t>?</a:t>
-            </a:r>
-          </a:p>
-          <a:p>
-            <a:pPr marL="628650" lvl="1" indent="-171450">
+              <a:rPr lang="en-US" dirty="0" err="1" smtClean="0"/>
+              <a:t>til</a:t>
+            </a:r>
+            <a:r>
+              <a:rPr lang="en-US" dirty="0" smtClean="0"/>
+              <a:t> min node</a:t>
+            </a:r>
+          </a:p>
+          <a:p>
+            <a:pPr marL="171450" indent="-171450">
               <a:buFont typeface="Arial"/>
               <a:buChar char="•"/>
             </a:pPr>
-            <a:r>
-              <a:rPr lang="en-US" baseline="0" dirty="0" err="1" smtClean="0"/>
-              <a:t>Kan</a:t>
-            </a:r>
-            <a:r>
-              <a:rPr lang="en-US" baseline="0" dirty="0" smtClean="0"/>
-              <a:t> </a:t>
-            </a:r>
-            <a:r>
-              <a:rPr lang="en-US" baseline="0" dirty="0" err="1" smtClean="0"/>
-              <a:t>initialiseres</a:t>
-            </a:r>
-            <a:r>
-              <a:rPr lang="en-US" baseline="0" dirty="0" smtClean="0"/>
-              <a:t> </a:t>
-            </a:r>
-            <a:r>
-              <a:rPr lang="en-US" baseline="0" dirty="0" err="1" smtClean="0"/>
-              <a:t>fra</a:t>
-            </a:r>
-            <a:r>
-              <a:rPr lang="en-US" baseline="0" dirty="0" smtClean="0"/>
-              <a:t> </a:t>
-            </a:r>
-            <a:r>
-              <a:rPr lang="en-US" baseline="0" dirty="0" err="1" smtClean="0"/>
-              <a:t>OpsCenter</a:t>
-            </a:r>
-            <a:r>
-              <a:rPr lang="en-US" baseline="0" dirty="0" smtClean="0"/>
-              <a:t>?</a:t>
-            </a:r>
-          </a:p>
-          <a:p>
-            <a:pPr marL="1085850" lvl="2" indent="-171450">
-              <a:buFont typeface="Arial"/>
-              <a:buChar char="•"/>
-            </a:pPr>
-            <a:r>
-              <a:rPr lang="en-US" baseline="0" dirty="0" err="1" smtClean="0"/>
-              <a:t>Evt</a:t>
-            </a:r>
-            <a:r>
-              <a:rPr lang="en-US" baseline="0" dirty="0" smtClean="0"/>
-              <a:t>. </a:t>
-            </a:r>
-            <a:r>
-              <a:rPr lang="en-US" baseline="0" dirty="0" err="1" smtClean="0"/>
-              <a:t>Kan</a:t>
-            </a:r>
-            <a:r>
-              <a:rPr lang="en-US" baseline="0" dirty="0" smtClean="0"/>
-              <a:t> </a:t>
-            </a:r>
-            <a:r>
-              <a:rPr lang="en-US" baseline="0" dirty="0" err="1" smtClean="0"/>
-              <a:t>alle</a:t>
-            </a:r>
-            <a:r>
-              <a:rPr lang="en-US" baseline="0" dirty="0" smtClean="0"/>
-              <a:t> </a:t>
-            </a:r>
-            <a:r>
-              <a:rPr lang="en-US" baseline="0" dirty="0" err="1" smtClean="0"/>
-              <a:t>sette</a:t>
-            </a:r>
-            <a:r>
-              <a:rPr lang="en-US" baseline="0" dirty="0" smtClean="0"/>
-              <a:t> </a:t>
-            </a:r>
-            <a:r>
-              <a:rPr lang="en-US" baseline="0" dirty="0" err="1" smtClean="0"/>
-              <a:t>opp</a:t>
-            </a:r>
-            <a:r>
-              <a:rPr lang="en-US" baseline="0" dirty="0" smtClean="0"/>
-              <a:t> sin </a:t>
-            </a:r>
-            <a:r>
-              <a:rPr lang="en-US" baseline="0" dirty="0" err="1" smtClean="0"/>
-              <a:t>egen</a:t>
-            </a:r>
-            <a:r>
-              <a:rPr lang="en-US" baseline="0" dirty="0" smtClean="0"/>
-              <a:t> </a:t>
-            </a:r>
-            <a:r>
-              <a:rPr lang="en-US" baseline="0" dirty="0" err="1" smtClean="0"/>
-              <a:t>instans</a:t>
-            </a:r>
-            <a:r>
-              <a:rPr lang="en-US" baseline="0" dirty="0" smtClean="0"/>
-              <a:t> </a:t>
-            </a:r>
-            <a:r>
-              <a:rPr lang="en-US" baseline="0" dirty="0" err="1" smtClean="0"/>
-              <a:t>samtidig</a:t>
-            </a:r>
-            <a:endParaRPr lang="en-US" baseline="0" dirty="0" smtClean="0"/>
-          </a:p>
-          <a:p>
-            <a:pPr marL="1085850" lvl="2" indent="-171450">
-              <a:buFont typeface="Arial"/>
-              <a:buChar char="•"/>
-            </a:pPr>
-            <a:endParaRPr lang="en-US" baseline="0" dirty="0" smtClean="0"/>
-          </a:p>
-          <a:p>
-            <a:pPr marL="1085850" lvl="2" indent="-171450">
-              <a:buFont typeface="Arial"/>
-              <a:buChar char="•"/>
-            </a:pPr>
-            <a:endParaRPr lang="en-US" baseline="0" dirty="0" smtClean="0"/>
-          </a:p>
-          <a:p>
-            <a:pPr marL="1085850" lvl="2" indent="-171450">
-              <a:buFont typeface="Arial"/>
-              <a:buChar char="•"/>
-            </a:pPr>
-            <a:endParaRPr lang="en-US" baseline="0" dirty="0" smtClean="0"/>
-          </a:p>
-          <a:p>
-            <a:pPr marL="171450" lvl="0" indent="-171450">
-              <a:buFont typeface="Arial"/>
-              <a:buChar char="•"/>
-            </a:pPr>
-            <a:r>
-              <a:rPr lang="en-US" baseline="0" dirty="0" smtClean="0"/>
-              <a:t>Med </a:t>
-            </a:r>
-            <a:r>
-              <a:rPr lang="en-US" baseline="0" dirty="0" err="1" smtClean="0"/>
-              <a:t>Javadriver</a:t>
-            </a:r>
-            <a:r>
-              <a:rPr lang="en-US" baseline="0" dirty="0" smtClean="0"/>
-              <a:t> </a:t>
-            </a:r>
-            <a:r>
-              <a:rPr lang="en-US" baseline="0" dirty="0" err="1" smtClean="0"/>
-              <a:t>eller</a:t>
-            </a:r>
-            <a:r>
-              <a:rPr lang="en-US" baseline="0" dirty="0" smtClean="0"/>
-              <a:t> </a:t>
-            </a:r>
-            <a:r>
-              <a:rPr lang="en-US" baseline="0" dirty="0" err="1" smtClean="0"/>
-              <a:t>lignende</a:t>
-            </a:r>
-            <a:endParaRPr lang="en-US" baseline="0" dirty="0" smtClean="0"/>
-          </a:p>
-          <a:p>
-            <a:pPr marL="628650" lvl="1" indent="-171450">
-              <a:buFont typeface="Arial"/>
-              <a:buChar char="•"/>
-            </a:pPr>
-            <a:r>
-              <a:rPr lang="en-US" baseline="0" dirty="0" err="1" smtClean="0"/>
-              <a:t>Definert</a:t>
-            </a:r>
-            <a:r>
-              <a:rPr lang="en-US" baseline="0" dirty="0" smtClean="0"/>
-              <a:t> et sett med </a:t>
-            </a:r>
-            <a:r>
-              <a:rPr lang="en-US" baseline="0" dirty="0" err="1" smtClean="0"/>
-              <a:t>ip’er</a:t>
-            </a:r>
-            <a:r>
-              <a:rPr lang="en-US" baseline="0" dirty="0" smtClean="0"/>
-              <a:t>. </a:t>
-            </a:r>
-            <a:r>
-              <a:rPr lang="en-US" baseline="0" dirty="0" err="1" smtClean="0"/>
-              <a:t>Oppdateres</a:t>
-            </a:r>
-            <a:r>
-              <a:rPr lang="en-US" baseline="0" dirty="0" smtClean="0"/>
-              <a:t> </a:t>
-            </a:r>
-            <a:r>
-              <a:rPr lang="en-US" baseline="0" dirty="0" err="1" smtClean="0"/>
-              <a:t>denne</a:t>
-            </a:r>
-            <a:r>
-              <a:rPr lang="en-US" baseline="0" dirty="0" smtClean="0"/>
-              <a:t> </a:t>
-            </a:r>
-            <a:r>
-              <a:rPr lang="en-US" baseline="0" dirty="0" err="1" smtClean="0"/>
-              <a:t>automatisk</a:t>
-            </a:r>
-            <a:r>
-              <a:rPr lang="en-US" baseline="0" dirty="0" smtClean="0"/>
-              <a:t> </a:t>
-            </a:r>
-            <a:r>
-              <a:rPr lang="en-US" baseline="0" dirty="0" err="1" smtClean="0"/>
-              <a:t>når</a:t>
-            </a:r>
-            <a:r>
-              <a:rPr lang="en-US" baseline="0" dirty="0" smtClean="0"/>
-              <a:t> </a:t>
-            </a:r>
-            <a:r>
-              <a:rPr lang="en-US" baseline="0" dirty="0" err="1" smtClean="0"/>
-              <a:t>nye</a:t>
-            </a:r>
-            <a:r>
-              <a:rPr lang="en-US" baseline="0" dirty="0" smtClean="0"/>
-              <a:t> </a:t>
-            </a:r>
-            <a:r>
-              <a:rPr lang="en-US" baseline="0" dirty="0" err="1" smtClean="0"/>
-              <a:t>noder</a:t>
-            </a:r>
-            <a:r>
-              <a:rPr lang="en-US" baseline="0" dirty="0" smtClean="0"/>
-              <a:t> </a:t>
-            </a:r>
-            <a:r>
-              <a:rPr lang="en-US" baseline="0" dirty="0" err="1" smtClean="0"/>
-              <a:t>kommer</a:t>
-            </a:r>
-            <a:r>
-              <a:rPr lang="en-US" baseline="0" dirty="0" smtClean="0"/>
-              <a:t> </a:t>
-            </a:r>
-            <a:r>
-              <a:rPr lang="en-US" baseline="0" dirty="0" err="1" smtClean="0"/>
-              <a:t>til</a:t>
-            </a:r>
-            <a:r>
-              <a:rPr lang="en-US" baseline="0" dirty="0" smtClean="0"/>
-              <a:t>?</a:t>
-            </a:r>
-          </a:p>
-          <a:p>
-            <a:pPr marL="628650" lvl="1" indent="-171450">
-              <a:buFont typeface="Arial"/>
-              <a:buChar char="•"/>
-            </a:pPr>
-            <a:r>
-              <a:rPr lang="en-US" baseline="0" dirty="0" err="1" smtClean="0"/>
-              <a:t>Spør</a:t>
-            </a:r>
-            <a:r>
-              <a:rPr lang="en-US" baseline="0" dirty="0" smtClean="0"/>
-              <a:t> </a:t>
-            </a:r>
-            <a:r>
-              <a:rPr lang="en-US" baseline="0" dirty="0" err="1" smtClean="0"/>
-              <a:t>rundt</a:t>
-            </a:r>
-            <a:r>
-              <a:rPr lang="en-US" baseline="0" dirty="0" smtClean="0"/>
-              <a:t> </a:t>
-            </a:r>
-            <a:r>
-              <a:rPr lang="en-US" baseline="0" dirty="0" err="1" smtClean="0"/>
-              <a:t>på</a:t>
-            </a:r>
-            <a:r>
-              <a:rPr lang="en-US" baseline="0" dirty="0" smtClean="0"/>
-              <a:t> de </a:t>
-            </a:r>
-            <a:r>
-              <a:rPr lang="en-US" baseline="0" dirty="0" err="1" smtClean="0"/>
-              <a:t>ulike</a:t>
-            </a:r>
-            <a:r>
-              <a:rPr lang="en-US" baseline="0" dirty="0" smtClean="0"/>
-              <a:t> </a:t>
-            </a:r>
-            <a:r>
-              <a:rPr lang="en-US" baseline="0" dirty="0" err="1" smtClean="0"/>
-              <a:t>adressene</a:t>
-            </a:r>
-            <a:r>
-              <a:rPr lang="en-US" baseline="0" dirty="0" smtClean="0"/>
-              <a:t> </a:t>
-            </a:r>
-            <a:r>
-              <a:rPr lang="en-US" baseline="0" dirty="0" err="1" smtClean="0"/>
-              <a:t>og</a:t>
-            </a:r>
-            <a:r>
-              <a:rPr lang="en-US" baseline="0" dirty="0" smtClean="0"/>
-              <a:t> </a:t>
-            </a:r>
-            <a:r>
-              <a:rPr lang="en-US" baseline="0" dirty="0" err="1" smtClean="0"/>
-              <a:t>håndterer</a:t>
-            </a:r>
-            <a:r>
-              <a:rPr lang="en-US" baseline="0" dirty="0" smtClean="0"/>
-              <a:t> failover </a:t>
-            </a:r>
-            <a:r>
-              <a:rPr lang="en-US" baseline="0" dirty="0" err="1" smtClean="0"/>
-              <a:t>fra</a:t>
-            </a:r>
-            <a:r>
-              <a:rPr lang="en-US" baseline="0" dirty="0" smtClean="0"/>
-              <a:t> </a:t>
-            </a:r>
-            <a:r>
-              <a:rPr lang="en-US" baseline="0" dirty="0" err="1" smtClean="0"/>
-              <a:t>clusteret</a:t>
-            </a:r>
-            <a:endParaRPr lang="en-US" baseline="0" dirty="0" smtClean="0"/>
-          </a:p>
-          <a:p>
-            <a:pPr marL="628650" lvl="1" indent="-171450">
-              <a:buFont typeface="Arial"/>
-              <a:buChar char="•"/>
-            </a:pPr>
-            <a:r>
-              <a:rPr lang="en-US" baseline="0" dirty="0" err="1" smtClean="0"/>
-              <a:t>Nå</a:t>
-            </a:r>
-            <a:r>
-              <a:rPr lang="en-US" baseline="0" dirty="0" smtClean="0"/>
-              <a:t> </a:t>
-            </a:r>
-            <a:r>
-              <a:rPr lang="en-US" baseline="0" dirty="0" err="1" smtClean="0"/>
-              <a:t>er</a:t>
-            </a:r>
-            <a:r>
-              <a:rPr lang="en-US" baseline="0" dirty="0" smtClean="0"/>
-              <a:t> alt </a:t>
-            </a:r>
-            <a:r>
-              <a:rPr lang="en-US" baseline="0" dirty="0" err="1" smtClean="0"/>
-              <a:t>manuelt</a:t>
-            </a:r>
-            <a:r>
-              <a:rPr lang="en-US" baseline="0" dirty="0" smtClean="0"/>
-              <a:t> </a:t>
-            </a:r>
-            <a:r>
-              <a:rPr lang="en-US" baseline="0" dirty="0" err="1" smtClean="0"/>
-              <a:t>så</a:t>
-            </a:r>
-            <a:r>
-              <a:rPr lang="en-US" baseline="0" dirty="0" smtClean="0"/>
-              <a:t> </a:t>
-            </a:r>
-            <a:r>
-              <a:rPr lang="en-US" baseline="0" dirty="0" err="1" smtClean="0"/>
-              <a:t>nå</a:t>
-            </a:r>
-            <a:r>
-              <a:rPr lang="en-US" baseline="0" dirty="0" smtClean="0"/>
-              <a:t> </a:t>
-            </a:r>
-            <a:r>
-              <a:rPr lang="en-US" baseline="0" dirty="0" err="1" smtClean="0"/>
-              <a:t>er</a:t>
-            </a:r>
-            <a:r>
-              <a:rPr lang="en-US" baseline="0" dirty="0" smtClean="0"/>
-              <a:t> </a:t>
-            </a:r>
-            <a:r>
-              <a:rPr lang="en-US" baseline="0" dirty="0" err="1" smtClean="0"/>
-              <a:t>det</a:t>
-            </a:r>
-            <a:r>
-              <a:rPr lang="en-US" baseline="0" dirty="0" smtClean="0"/>
-              <a:t> </a:t>
-            </a:r>
-            <a:r>
-              <a:rPr lang="en-US" baseline="0" dirty="0" err="1" smtClean="0"/>
-              <a:t>ikke</a:t>
-            </a:r>
-            <a:r>
-              <a:rPr lang="en-US" baseline="0" dirty="0" smtClean="0"/>
-              <a:t> failover</a:t>
-            </a:r>
-          </a:p>
-          <a:p>
-            <a:pPr marL="1085850" lvl="2" indent="-171450">
-              <a:buFont typeface="Arial"/>
-              <a:buChar char="•"/>
-            </a:pPr>
-            <a:r>
-              <a:rPr lang="en-US" baseline="0" dirty="0" err="1" smtClean="0"/>
-              <a:t>Ikke</a:t>
-            </a:r>
-            <a:r>
-              <a:rPr lang="en-US" baseline="0" dirty="0" smtClean="0"/>
-              <a:t> ta </a:t>
-            </a:r>
-            <a:r>
-              <a:rPr lang="en-US" baseline="0" dirty="0" err="1" smtClean="0"/>
-              <a:t>ned</a:t>
-            </a:r>
-            <a:r>
-              <a:rPr lang="en-US" baseline="0" dirty="0" smtClean="0"/>
-              <a:t> </a:t>
-            </a:r>
-            <a:r>
-              <a:rPr lang="en-US" baseline="0" dirty="0" err="1" smtClean="0"/>
-              <a:t>noden</a:t>
-            </a:r>
-            <a:r>
-              <a:rPr lang="en-US" baseline="0" dirty="0" smtClean="0"/>
-              <a:t> </a:t>
-            </a:r>
-            <a:r>
-              <a:rPr lang="en-US" baseline="0" dirty="0" err="1" smtClean="0"/>
-              <a:t>jeg</a:t>
-            </a:r>
-            <a:r>
-              <a:rPr lang="en-US" baseline="0" dirty="0" smtClean="0"/>
-              <a:t> </a:t>
-            </a:r>
-            <a:r>
-              <a:rPr lang="en-US" baseline="0" dirty="0" err="1" smtClean="0"/>
-              <a:t>spør</a:t>
-            </a:r>
-            <a:r>
-              <a:rPr lang="en-US" baseline="0" dirty="0" smtClean="0"/>
-              <a:t> </a:t>
-            </a:r>
-            <a:r>
-              <a:rPr lang="en-US" baseline="0" dirty="0" err="1" smtClean="0"/>
-              <a:t>fra</a:t>
-            </a:r>
-            <a:r>
-              <a:rPr lang="en-US" baseline="0" dirty="0" smtClean="0"/>
-              <a:t>. </a:t>
-            </a:r>
-            <a:r>
-              <a:rPr lang="en-US" baseline="0" dirty="0" err="1" smtClean="0"/>
-              <a:t>Evt</a:t>
-            </a:r>
-            <a:r>
-              <a:rPr lang="en-US" baseline="0" dirty="0" smtClean="0"/>
-              <a:t>. </a:t>
-            </a:r>
-            <a:r>
-              <a:rPr lang="en-US" baseline="0" dirty="0" err="1" smtClean="0"/>
-              <a:t>Spør</a:t>
-            </a:r>
-            <a:r>
-              <a:rPr lang="en-US" baseline="0" dirty="0" smtClean="0"/>
-              <a:t> </a:t>
-            </a:r>
-            <a:r>
-              <a:rPr lang="en-US" baseline="0" dirty="0" err="1" smtClean="0"/>
-              <a:t>fra</a:t>
-            </a:r>
-            <a:r>
-              <a:rPr lang="en-US" baseline="0" dirty="0" smtClean="0"/>
-              <a:t> </a:t>
-            </a:r>
-            <a:r>
-              <a:rPr lang="en-US" baseline="0" dirty="0" err="1" smtClean="0"/>
-              <a:t>lokalmaskin</a:t>
-            </a:r>
-            <a:endParaRPr lang="en-US" baseline="0" dirty="0" smtClean="0"/>
-          </a:p>
-          <a:p>
-            <a:pPr marL="1543050" lvl="3" indent="-171450">
-              <a:buFont typeface="Arial"/>
-              <a:buChar char="•"/>
-            </a:pPr>
-            <a:r>
-              <a:rPr lang="en-US" baseline="0" dirty="0" err="1" smtClean="0"/>
-              <a:t>Alle</a:t>
-            </a:r>
-            <a:r>
-              <a:rPr lang="en-US" baseline="0" dirty="0" smtClean="0"/>
-              <a:t> </a:t>
-            </a:r>
-            <a:r>
-              <a:rPr lang="en-US" baseline="0" dirty="0" err="1" smtClean="0"/>
-              <a:t>kan</a:t>
-            </a:r>
-            <a:r>
-              <a:rPr lang="en-US" baseline="0" dirty="0" smtClean="0"/>
-              <a:t> </a:t>
-            </a:r>
-            <a:r>
-              <a:rPr lang="en-US" baseline="0" dirty="0" err="1" smtClean="0"/>
-              <a:t>spørre</a:t>
-            </a:r>
-            <a:r>
-              <a:rPr lang="en-US" baseline="0" dirty="0" smtClean="0"/>
-              <a:t> </a:t>
-            </a:r>
-            <a:r>
-              <a:rPr lang="en-US" baseline="0" dirty="0" err="1" smtClean="0"/>
-              <a:t>fra</a:t>
-            </a:r>
-            <a:r>
-              <a:rPr lang="en-US" baseline="0" dirty="0" smtClean="0"/>
-              <a:t> </a:t>
-            </a:r>
-            <a:r>
-              <a:rPr lang="en-US" baseline="0" dirty="0" err="1" smtClean="0"/>
-              <a:t>lokalmaskin</a:t>
-            </a:r>
-            <a:r>
-              <a:rPr lang="en-US" baseline="0" dirty="0" smtClean="0"/>
-              <a:t> </a:t>
-            </a:r>
-            <a:r>
-              <a:rPr lang="en-US" baseline="0" dirty="0" err="1" smtClean="0"/>
-              <a:t>hvis</a:t>
-            </a:r>
-            <a:r>
-              <a:rPr lang="en-US" baseline="0" dirty="0" smtClean="0"/>
-              <a:t> de </a:t>
-            </a:r>
-            <a:r>
-              <a:rPr lang="en-US" baseline="0" dirty="0" err="1" smtClean="0"/>
-              <a:t>har</a:t>
-            </a:r>
-            <a:r>
-              <a:rPr lang="en-US" baseline="0" dirty="0" smtClean="0"/>
-              <a:t> </a:t>
-            </a:r>
-            <a:r>
-              <a:rPr lang="en-US" baseline="0" dirty="0" err="1" smtClean="0"/>
-              <a:t>cassandra</a:t>
-            </a:r>
-            <a:endParaRPr lang="en-US" baseline="0" dirty="0" smtClean="0"/>
-          </a:p>
-          <a:p>
-            <a:pPr marL="2000250" lvl="4" indent="-171450">
-              <a:buFont typeface="Arial"/>
-              <a:buChar char="•"/>
-            </a:pPr>
-            <a:r>
-              <a:rPr lang="en-US" b="1" baseline="0" dirty="0" smtClean="0"/>
-              <a:t>bin/</a:t>
-            </a:r>
-            <a:r>
-              <a:rPr lang="en-US" b="1" baseline="0" dirty="0" err="1" smtClean="0"/>
-              <a:t>cqlsh</a:t>
-            </a:r>
-            <a:r>
-              <a:rPr lang="en-US" b="1" baseline="0" dirty="0" smtClean="0"/>
-              <a:t> &lt;</a:t>
-            </a:r>
-            <a:r>
-              <a:rPr lang="en-US" b="1" baseline="0" dirty="0" err="1" smtClean="0"/>
-              <a:t>ip</a:t>
-            </a:r>
-            <a:r>
-              <a:rPr lang="en-US" b="1" baseline="0" dirty="0" smtClean="0"/>
-              <a:t>&gt; &lt;port&gt;</a:t>
-            </a:r>
-            <a:endParaRPr lang="en-US" b="1" dirty="0"/>
+            <a:endParaRPr lang="en-US" dirty="0"/>
           </a:p>
         </p:txBody>
       </p:sp>
@@ -2722,7 +2483,7 @@
           <a:p>
             <a:fld id="{5B8851A2-1533-BD40-9223-E39EB9F7BBE7}" type="slidenum">
               <a:rPr lang="en-US" smtClean="0"/>
-              <a:t>11</a:t>
+              <a:t>10</a:t>
             </a:fld>
             <a:endParaRPr lang="en-US"/>
           </a:p>
@@ -2731,7 +2492,7 @@
     </p:spTree>
     <p:extLst>
       <p:ext uri="{BB962C8B-B14F-4D97-AF65-F5344CB8AC3E}">
-        <p14:creationId xmlns:p14="http://schemas.microsoft.com/office/powerpoint/2010/main" val="341419617"/>
+        <p14:creationId xmlns:p14="http://schemas.microsoft.com/office/powerpoint/2010/main" val="3674016033"/>
       </p:ext>
     </p:extLst>
   </p:cSld>
@@ -19657,12 +19418,12 @@
             <a:endParaRPr lang="en-US" dirty="0" smtClean="0"/>
           </a:p>
           <a:p>
-            <a:pPr marL="285750" indent="-285750">
+            <a:pPr marL="554038" lvl="1" indent="-285750">
               <a:buFont typeface="Arial"/>
               <a:buChar char="•"/>
             </a:pPr>
             <a:r>
-              <a:rPr lang="en-US" smtClean="0"/>
+              <a:rPr lang="en-US" dirty="0" err="1" smtClean="0"/>
               <a:t>Multinode.md</a:t>
             </a:r>
             <a:endParaRPr lang="en-US" dirty="0"/>
@@ -24661,16 +24422,9 @@
             </a:pPr>
             <a:r>
               <a:rPr lang="en-US" dirty="0" smtClean="0"/>
-              <a:t>Wide </a:t>
-            </a:r>
-            <a:r>
-              <a:rPr lang="en-US" dirty="0"/>
-              <a:t>column </a:t>
-            </a:r>
-            <a:r>
-              <a:rPr lang="en-US" dirty="0" smtClean="0"/>
-              <a:t>store</a:t>
-            </a:r>
+              <a:t>Wide column store</a:t>
+            </a:r>
+            <a:endParaRPr lang="en-US" dirty="0" smtClean="0"/>
           </a:p>
           <a:p>
             <a:pPr marL="285750" indent="-285750">
@@ -24679,7 +24433,11 @@
             </a:pPr>
             <a:r>
               <a:rPr lang="en-US" dirty="0" smtClean="0"/>
-              <a:t>Eventual consistent</a:t>
+              <a:t>Eventual </a:t>
+            </a:r>
+            <a:r>
+              <a:rPr lang="en-US" dirty="0" smtClean="0"/>
+              <a:t>consistent</a:t>
             </a:r>
           </a:p>
           <a:p>
@@ -24705,9 +24463,12 @@
             </a:r>
             <a:r>
               <a:rPr lang="en-US" dirty="0" smtClean="0"/>
-              <a:t> 2008</a:t>
-            </a:r>
-            <a:endParaRPr lang="en-US" dirty="0"/>
+              <a:t> </a:t>
+            </a:r>
+            <a:r>
+              <a:rPr lang="en-US" dirty="0" smtClean="0"/>
+              <a:t>2008</a:t>
+            </a:r>
           </a:p>
         </p:txBody>
       </p:sp>
@@ -24724,7 +24485,7 @@
         <p:spPr>
           <a:xfrm>
             <a:off x="376445" y="294936"/>
-            <a:ext cx="2565936" cy="261610"/>
+            <a:ext cx="2459051" cy="261610"/>
           </a:xfrm>
         </p:spPr>
         <p:txBody>
@@ -24745,7 +24506,11 @@
             </a:r>
             <a:r>
               <a:rPr lang="en-US" dirty="0" smtClean="0"/>
-              <a:t> Cassandra?</a:t>
+              <a:t> </a:t>
+            </a:r>
+            <a:r>
+              <a:rPr lang="en-US" dirty="0" smtClean="0"/>
+              <a:t>Cassandra</a:t>
             </a:r>
             <a:endParaRPr lang="en-US" dirty="0"/>
           </a:p>
@@ -25060,7 +24825,7 @@
         <p:spPr>
           <a:xfrm>
             <a:off x="376445" y="294936"/>
-            <a:ext cx="2370175" cy="261610"/>
+            <a:ext cx="4249341" cy="261610"/>
           </a:xfrm>
         </p:spPr>
         <p:txBody>
@@ -25068,8 +24833,20 @@
           <a:lstStyle/>
           <a:p>
             <a:r>
-              <a:rPr lang="en-US" dirty="0" smtClean="0"/>
-              <a:t>NoSQL </a:t>
+              <a:rPr lang="en-US" dirty="0" err="1" smtClean="0"/>
+              <a:t>Gruppering</a:t>
+            </a:r>
+            <a:r>
+              <a:rPr lang="en-US" dirty="0" smtClean="0"/>
+              <a:t> </a:t>
+            </a:r>
+            <a:r>
+              <a:rPr lang="en-US" dirty="0" err="1" smtClean="0"/>
+              <a:t>av</a:t>
+            </a:r>
+            <a:r>
+              <a:rPr lang="en-US" dirty="0" smtClean="0"/>
+              <a:t> NoSQL </a:t>
             </a:r>
             <a:r>
               <a:rPr lang="en-US" dirty="0" err="1" smtClean="0"/>
@@ -25790,6 +25567,10 @@
               <a:rPr lang="en-US" dirty="0" err="1" smtClean="0"/>
               <a:t>spørrespråk</a:t>
             </a:r>
+            <a:r>
+              <a:rPr lang="en-US" dirty="0" smtClean="0"/>
+              <a:t> (CQL)</a:t>
+            </a:r>
             <a:endParaRPr lang="en-US" dirty="0" smtClean="0"/>
           </a:p>
           <a:p>
@@ -25921,7 +25702,7 @@
           <a:p>
             <a:r>
               <a:rPr lang="en-US" dirty="0" smtClean="0"/>
-              <a:t>Workshop del 1</a:t>
+              <a:t>Workshop</a:t>
             </a:r>
             <a:endParaRPr lang="en-US" dirty="0"/>
           </a:p>
@@ -25942,10 +25723,6 @@
           <a:bodyPr/>
           <a:lstStyle/>
           <a:p>
-            <a:r>
-              <a:rPr lang="en-US" dirty="0" smtClean="0"/>
-              <a:t>Single node cluster</a:t>
-            </a:r>
             <a:endParaRPr lang="en-US" dirty="0"/>
           </a:p>
         </p:txBody>
@@ -26017,7 +25794,7 @@
             <a:endParaRPr lang="en-US" dirty="0" smtClean="0"/>
           </a:p>
           <a:p>
-            <a:pPr marL="285750" indent="-285750">
+            <a:pPr marL="554038" lvl="1" indent="-285750">
               <a:buFont typeface="Arial"/>
               <a:buChar char="•"/>
             </a:pPr>

--- a/intro.pptx
+++ b/intro.pptx
@@ -25645,7 +25645,7 @@
               <a:t>behov</a:t>
             </a:r>
             <a:r>
-              <a:rPr lang="en-US" dirty="0" smtClean="0"/>
+              <a:rPr lang="en-US" smtClean="0"/>
               <a:t> for</a:t>
             </a:r>
             <a:endParaRPr lang="en-US" dirty="0"/>

--- a/intro.pptx
+++ b/intro.pptx
@@ -1138,6 +1138,99 @@
             </a:r>
             <a:endParaRPr lang="en-US" baseline="0" dirty="0" smtClean="0"/>
           </a:p>
+          <a:p>
+            <a:pPr marL="1085850" lvl="2" indent="-171450">
+              <a:buFont typeface="Arial"/>
+              <a:buChar char="•"/>
+            </a:pPr>
+            <a:r>
+              <a:rPr lang="en-US" baseline="0" dirty="0" err="1" smtClean="0"/>
+              <a:t>Tiden</a:t>
+            </a:r>
+            <a:r>
+              <a:rPr lang="en-US" baseline="0" dirty="0" smtClean="0"/>
+              <a:t> </a:t>
+            </a:r>
+            <a:r>
+              <a:rPr lang="en-US" baseline="0" dirty="0" err="1" smtClean="0"/>
+              <a:t>det</a:t>
+            </a:r>
+            <a:r>
+              <a:rPr lang="en-US" baseline="0" dirty="0" smtClean="0"/>
+              <a:t> tar </a:t>
+            </a:r>
+            <a:r>
+              <a:rPr lang="en-US" baseline="0" dirty="0" err="1" smtClean="0"/>
+              <a:t>å</a:t>
+            </a:r>
+            <a:r>
+              <a:rPr lang="en-US" baseline="0" dirty="0" smtClean="0"/>
+              <a:t> </a:t>
+            </a:r>
+            <a:r>
+              <a:rPr lang="en-US" baseline="0" dirty="0" err="1" smtClean="0"/>
+              <a:t>flytte</a:t>
+            </a:r>
+            <a:r>
+              <a:rPr lang="en-US" baseline="0" dirty="0" smtClean="0"/>
+              <a:t> data </a:t>
+            </a:r>
+            <a:r>
+              <a:rPr lang="en-US" baseline="0" dirty="0" err="1" smtClean="0"/>
+              <a:t>fra</a:t>
+            </a:r>
+            <a:r>
+              <a:rPr lang="en-US" baseline="0" dirty="0" smtClean="0"/>
+              <a:t> A </a:t>
+            </a:r>
+            <a:r>
+              <a:rPr lang="en-US" baseline="0" dirty="0" err="1" smtClean="0"/>
+              <a:t>til</a:t>
+            </a:r>
+            <a:r>
+              <a:rPr lang="en-US" baseline="0" dirty="0" smtClean="0"/>
+              <a:t> B</a:t>
+            </a:r>
+          </a:p>
+          <a:p>
+            <a:pPr marL="1085850" lvl="2" indent="-171450">
+              <a:buFont typeface="Arial"/>
+              <a:buChar char="•"/>
+            </a:pPr>
+            <a:r>
+              <a:rPr lang="en-US" baseline="0" dirty="0" smtClean="0"/>
+              <a:t>Bottleneck </a:t>
+            </a:r>
+            <a:r>
+              <a:rPr lang="en-US" baseline="0" dirty="0" err="1" smtClean="0"/>
+              <a:t>er</a:t>
+            </a:r>
+            <a:r>
+              <a:rPr lang="en-US" baseline="0" dirty="0" smtClean="0"/>
+              <a:t> </a:t>
+            </a:r>
+            <a:r>
+              <a:rPr lang="en-US" baseline="0" dirty="0" err="1" smtClean="0"/>
+              <a:t>nettet</a:t>
+            </a:r>
+            <a:r>
+              <a:rPr lang="en-US" baseline="0" dirty="0" smtClean="0"/>
+              <a:t> </a:t>
+            </a:r>
+            <a:r>
+              <a:rPr lang="en-US" baseline="0" dirty="0" err="1" smtClean="0"/>
+              <a:t>mellom</a:t>
+            </a:r>
+            <a:r>
+              <a:rPr lang="en-US" baseline="0" dirty="0" smtClean="0"/>
+              <a:t> </a:t>
+            </a:r>
+            <a:r>
+              <a:rPr lang="en-US" baseline="0" dirty="0" err="1" smtClean="0"/>
+              <a:t>nodene</a:t>
+            </a:r>
+            <a:endParaRPr lang="en-US" baseline="0" dirty="0" smtClean="0"/>
+          </a:p>
         </p:txBody>
       </p:sp>
       <p:sp>
@@ -1864,8 +1957,29 @@
             </a:r>
             <a:r>
               <a:rPr lang="en-US" dirty="0" smtClean="0"/>
-              <a:t> specs)</a:t>
-            </a:r>
+              <a:t> </a:t>
+            </a:r>
+            <a:r>
+              <a:rPr lang="en-US" dirty="0" smtClean="0"/>
+              <a:t>specs, </a:t>
+            </a:r>
+            <a:r>
+              <a:rPr lang="en-US" dirty="0" err="1" smtClean="0"/>
+              <a:t>mer</a:t>
+            </a:r>
+            <a:r>
+              <a:rPr lang="en-US" dirty="0" smtClean="0"/>
+              <a:t> </a:t>
+            </a:r>
+            <a:r>
+              <a:rPr lang="en-US" dirty="0" err="1" smtClean="0"/>
+              <a:t>realistiske</a:t>
+            </a:r>
+            <a:r>
+              <a:rPr lang="en-US" dirty="0" smtClean="0"/>
+              <a:t>)</a:t>
+            </a:r>
+            <a:endParaRPr lang="en-US" dirty="0" smtClean="0"/>
           </a:p>
           <a:p>
             <a:pPr marL="554038" lvl="1" indent="-285750">
@@ -1887,8 +2001,13 @@
             </a:pPr>
             <a:r>
               <a:rPr lang="en-US" dirty="0" smtClean="0"/>
-              <a:t>2014: Google Compute Engine (50 nodes)</a:t>
-            </a:r>
+              <a:t>2014: Google Compute Engine (50 </a:t>
+            </a:r>
+            <a:r>
+              <a:rPr lang="en-US" dirty="0" smtClean="0"/>
+              <a:t>compute engines)</a:t>
+            </a:r>
+            <a:endParaRPr lang="en-US" dirty="0" smtClean="0"/>
           </a:p>
           <a:p>
             <a:pPr marL="554038" lvl="1" indent="-285750">
@@ -2222,7 +2341,7 @@
               <a:t> </a:t>
             </a:r>
             <a:r>
-              <a:rPr lang="en-US" baseline="0" smtClean="0"/>
+              <a:rPr lang="en-US" baseline="0" dirty="0" err="1" smtClean="0"/>
               <a:t>ned</a:t>
             </a:r>
             <a:endParaRPr lang="en-US" dirty="0"/>
@@ -19364,6 +19483,13 @@
   <p:transition xmlns:p14="http://schemas.microsoft.com/office/powerpoint/2010/main">
     <p:fade thruBlk="1"/>
   </p:transition>
+  <p:timing>
+    <p:tnLst>
+      <p:par>
+        <p:cTn xmlns:p14="http://schemas.microsoft.com/office/powerpoint/2010/main" id="1" dur="indefinite" restart="never" nodeType="tmRoot"/>
+      </p:par>
+    </p:tnLst>
+  </p:timing>
 </p:sld>
 </file>
 
@@ -19471,6 +19597,13 @@
   <p:transition xmlns:p14="http://schemas.microsoft.com/office/powerpoint/2010/main">
     <p:fade thruBlk="1"/>
   </p:transition>
+  <p:timing>
+    <p:tnLst>
+      <p:par>
+        <p:cTn xmlns:p14="http://schemas.microsoft.com/office/powerpoint/2010/main" id="1" dur="indefinite" restart="never" nodeType="tmRoot"/>
+      </p:par>
+    </p:tnLst>
+  </p:timing>
 </p:sld>
 </file>
 
@@ -24376,6 +24509,13 @@
   <p:transition xmlns:p14="http://schemas.microsoft.com/office/powerpoint/2010/main">
     <p:fade thruBlk="1"/>
   </p:transition>
+  <p:timing>
+    <p:tnLst>
+      <p:par>
+        <p:cTn xmlns:p14="http://schemas.microsoft.com/office/powerpoint/2010/main" id="1" dur="indefinite" restart="never" nodeType="tmRoot"/>
+      </p:par>
+    </p:tnLst>
+  </p:timing>
 </p:sld>
 </file>
 
@@ -24433,12 +24573,19 @@
             </a:pPr>
             <a:r>
               <a:rPr lang="en-US" dirty="0" smtClean="0"/>
-              <a:t>Eventual </a:t>
-            </a:r>
-            <a:r>
-              <a:rPr lang="en-US" dirty="0" smtClean="0"/>
-              <a:t>consistent</a:t>
-            </a:r>
+              <a:t>Eventually consistent</a:t>
+            </a:r>
+          </a:p>
+          <a:p>
+            <a:pPr marL="554038" lvl="1" indent="-285750">
+              <a:buFont typeface="Arial"/>
+              <a:buChar char="•"/>
+            </a:pPr>
+            <a:r>
+              <a:rPr lang="en-US" dirty="0" smtClean="0"/>
+              <a:t>Tunable consistency</a:t>
+            </a:r>
+            <a:endParaRPr lang="en-US" dirty="0" smtClean="0"/>
           </a:p>
           <a:p>
             <a:pPr marL="285750" indent="-285750">
@@ -24468,6 +24615,20 @@
             <a:r>
               <a:rPr lang="en-US" dirty="0" smtClean="0"/>
               <a:t>2008</a:t>
+            </a:r>
+          </a:p>
+          <a:p>
+            <a:pPr marL="285750" indent="-285750">
+              <a:buFont typeface="Arial"/>
+              <a:buChar char="•"/>
+            </a:pPr>
+            <a:r>
+              <a:rPr lang="en-US" dirty="0" err="1" smtClean="0"/>
+              <a:t>Aktivt</a:t>
+            </a:r>
+            <a:r>
+              <a:rPr lang="en-US" dirty="0" smtClean="0"/>
+              <a:t> community</a:t>
             </a:r>
           </a:p>
         </p:txBody>
@@ -24529,6 +24690,13 @@
   <p:transition xmlns:p14="http://schemas.microsoft.com/office/powerpoint/2010/main">
     <p:fade thruBlk="1"/>
   </p:transition>
+  <p:timing>
+    <p:tnLst>
+      <p:par>
+        <p:cTn xmlns:p14="http://schemas.microsoft.com/office/powerpoint/2010/main" id="1" dur="indefinite" restart="never" nodeType="tmRoot"/>
+      </p:par>
+    </p:tnLst>
+  </p:timing>
 </p:sld>
 </file>
 
@@ -24559,14 +24727,14 @@
             <p:ph idx="1"/>
             <p:extLst>
               <p:ext uri="{D42A27DB-BD31-4B8C-83A1-F6EECF244321}">
-                <p14:modId xmlns:p14="http://schemas.microsoft.com/office/powerpoint/2010/main" val="1742409920"/>
+                <p14:modId xmlns:p14="http://schemas.microsoft.com/office/powerpoint/2010/main" val="2131856085"/>
               </p:ext>
             </p:extLst>
           </p:nvPr>
         </p:nvGraphicFramePr>
         <p:xfrm>
           <a:off x="387350" y="1039813"/>
-          <a:ext cx="8353424" cy="1483360"/>
+          <a:ext cx="8353424" cy="1112520"/>
         </p:xfrm>
         <a:graphic>
           <a:graphicData uri="http://schemas.openxmlformats.org/drawingml/2006/table">
@@ -24724,6 +24892,10 @@
                     <a:bodyPr/>
                     <a:lstStyle/>
                     <a:p>
+                      <a:r>
+                        <a:rPr lang="en-US" sz="1400" dirty="0" err="1" smtClean="0"/>
+                        <a:t>TitanDB</a:t>
+                      </a:r>
                       <a:endParaRPr lang="en-US" sz="1400" dirty="0"/>
                     </a:p>
                   </a:txBody>
@@ -24758,56 +24930,6 @@
                   <a:tcPr/>
                 </a:tc>
               </a:tr>
-              <a:tr h="370840">
-                <a:tc>
-                  <a:txBody>
-                    <a:bodyPr/>
-                    <a:lstStyle/>
-                    <a:p>
-                      <a:endParaRPr lang="en-US" sz="1400" dirty="0"/>
-                    </a:p>
-                  </a:txBody>
-                  <a:tcPr/>
-                </a:tc>
-                <a:tc>
-                  <a:txBody>
-                    <a:bodyPr/>
-                    <a:lstStyle/>
-                    <a:p>
-                      <a:endParaRPr lang="en-US" sz="1400" dirty="0"/>
-                    </a:p>
-                  </a:txBody>
-                  <a:tcPr/>
-                </a:tc>
-                <a:tc>
-                  <a:txBody>
-                    <a:bodyPr/>
-                    <a:lstStyle/>
-                    <a:p>
-                      <a:r>
-                        <a:rPr lang="en-US" sz="1400" dirty="0" err="1" smtClean="0"/>
-                        <a:t>Memcached</a:t>
-                      </a:r>
-                      <a:endParaRPr lang="en-US" sz="1400" dirty="0"/>
-                    </a:p>
-                  </a:txBody>
-                  <a:tcPr/>
-                </a:tc>
-                <a:tc>
-                  <a:txBody>
-                    <a:bodyPr/>
-                    <a:lstStyle/>
-                    <a:p>
-                      <a:r>
-                        <a:rPr lang="en-US" sz="1400" dirty="0" err="1" smtClean="0"/>
-                        <a:t>Hypertable</a:t>
-                      </a:r>
-                      <a:endParaRPr lang="en-US" sz="1400" dirty="0"/>
-                    </a:p>
-                  </a:txBody>
-                  <a:tcPr/>
-                </a:tc>
-              </a:tr>
             </a:tbl>
           </a:graphicData>
         </a:graphic>
@@ -24869,6 +24991,13 @@
   <p:transition xmlns:p14="http://schemas.microsoft.com/office/powerpoint/2010/main">
     <p:fade thruBlk="1"/>
   </p:transition>
+  <p:timing>
+    <p:tnLst>
+      <p:par>
+        <p:cTn xmlns:p14="http://schemas.microsoft.com/office/powerpoint/2010/main" id="1" dur="indefinite" restart="never" nodeType="tmRoot"/>
+      </p:par>
+    </p:tnLst>
+  </p:timing>
 </p:sld>
 </file>
 
@@ -25220,6 +25349,13 @@
   <p:transition xmlns:p14="http://schemas.microsoft.com/office/powerpoint/2010/main">
     <p:fade thruBlk="1"/>
   </p:transition>
+  <p:timing>
+    <p:tnLst>
+      <p:par>
+        <p:cTn xmlns:p14="http://schemas.microsoft.com/office/powerpoint/2010/main" id="1" dur="indefinite" restart="never" nodeType="tmRoot"/>
+      </p:par>
+    </p:tnLst>
+  </p:timing>
 </p:sld>
 </file>
 
@@ -25281,6 +25417,13 @@
   <p:transition xmlns:p14="http://schemas.microsoft.com/office/powerpoint/2010/main">
     <p:fade thruBlk="1"/>
   </p:transition>
+  <p:timing>
+    <p:tnLst>
+      <p:par>
+        <p:cTn xmlns:p14="http://schemas.microsoft.com/office/powerpoint/2010/main" id="1" dur="indefinite" restart="never" nodeType="tmRoot"/>
+      </p:par>
+    </p:tnLst>
+  </p:timing>
 </p:sld>
 </file>
 
@@ -25321,8 +25464,12 @@
               <a:buChar char="•"/>
             </a:pPr>
             <a:r>
-              <a:rPr lang="en-US" dirty="0" smtClean="0"/>
-              <a:t>Time series data</a:t>
+              <a:rPr lang="en-US" b="1" dirty="0" smtClean="0"/>
+              <a:t>Time series </a:t>
+            </a:r>
+            <a:r>
+              <a:rPr lang="en-US" b="1" dirty="0" smtClean="0"/>
+              <a:t>data</a:t>
             </a:r>
           </a:p>
           <a:p>
@@ -25332,7 +25479,11 @@
             </a:pPr>
             <a:r>
               <a:rPr lang="en-US" dirty="0" smtClean="0"/>
-              <a:t>Internet of Things</a:t>
+              <a:t>Internet </a:t>
+            </a:r>
+            <a:r>
+              <a:rPr lang="en-US" dirty="0" smtClean="0"/>
+              <a:t>of Things</a:t>
             </a:r>
           </a:p>
           <a:p>
@@ -25474,6 +25625,13 @@
   <p:transition xmlns:p14="http://schemas.microsoft.com/office/powerpoint/2010/main">
     <p:fade thruBlk="1"/>
   </p:transition>
+  <p:timing>
+    <p:tnLst>
+      <p:par>
+        <p:cTn xmlns:p14="http://schemas.microsoft.com/office/powerpoint/2010/main" id="1" dur="indefinite" restart="never" nodeType="tmRoot"/>
+      </p:par>
+    </p:tnLst>
+  </p:timing>
 </p:sld>
 </file>
 
@@ -25625,7 +25783,7 @@
         <p:spPr>
           <a:xfrm>
             <a:off x="376445" y="294936"/>
-            <a:ext cx="2066755" cy="261610"/>
+            <a:ext cx="3033279" cy="261610"/>
           </a:xfrm>
         </p:spPr>
         <p:txBody>
@@ -25634,7 +25792,7 @@
           <a:p>
             <a:r>
               <a:rPr lang="en-US" dirty="0" err="1" smtClean="0"/>
-              <a:t>Har</a:t>
+              <a:t>Vurder</a:t>
             </a:r>
             <a:r>
               <a:rPr lang="en-US" dirty="0" smtClean="0"/>
@@ -25642,10 +25800,18 @@
             </a:r>
             <a:r>
               <a:rPr lang="en-US" dirty="0" err="1" smtClean="0"/>
+              <a:t>ved</a:t>
+            </a:r>
+            <a:r>
+              <a:rPr lang="en-US" dirty="0" smtClean="0"/>
+              <a:t> </a:t>
+            </a:r>
+            <a:r>
+              <a:rPr lang="en-US" dirty="0" err="1" smtClean="0"/>
               <a:t>behov</a:t>
             </a:r>
             <a:r>
-              <a:rPr lang="en-US" smtClean="0"/>
+              <a:rPr lang="en-US" dirty="0" smtClean="0"/>
               <a:t> for</a:t>
             </a:r>
             <a:endParaRPr lang="en-US" dirty="0"/>
@@ -25665,6 +25831,13 @@
   <p:transition xmlns:p14="http://schemas.microsoft.com/office/powerpoint/2010/main">
     <p:fade thruBlk="1"/>
   </p:transition>
+  <p:timing>
+    <p:tnLst>
+      <p:par>
+        <p:cTn xmlns:p14="http://schemas.microsoft.com/office/powerpoint/2010/main" id="1" dur="indefinite" restart="never" nodeType="tmRoot"/>
+      </p:par>
+    </p:tnLst>
+  </p:timing>
 </p:sld>
 </file>
 
@@ -25708,25 +25881,6 @@
           </a:p>
         </p:txBody>
       </p:sp>
-      <p:sp>
-        <p:nvSpPr>
-          <p:cNvPr id="3" name="Subtitle 2"/>
-          <p:cNvSpPr>
-            <a:spLocks noGrp="1"/>
-          </p:cNvSpPr>
-          <p:nvPr>
-            <p:ph type="subTitle" idx="1"/>
-          </p:nvPr>
-        </p:nvSpPr>
-        <p:spPr/>
-        <p:txBody>
-          <a:bodyPr/>
-          <a:lstStyle/>
-          <a:p>
-            <a:endParaRPr lang="en-US" dirty="0"/>
-          </a:p>
-        </p:txBody>
-      </p:sp>
     </p:spTree>
     <p:extLst>
       <p:ext uri="{BB962C8B-B14F-4D97-AF65-F5344CB8AC3E}">
@@ -25740,6 +25894,13 @@
   <p:transition xmlns:p14="http://schemas.microsoft.com/office/powerpoint/2010/main">
     <p:fade thruBlk="1"/>
   </p:transition>
+  <p:timing>
+    <p:tnLst>
+      <p:par>
+        <p:cTn xmlns:p14="http://schemas.microsoft.com/office/powerpoint/2010/main" id="1" dur="indefinite" restart="never" nodeType="tmRoot"/>
+      </p:par>
+    </p:tnLst>
+  </p:timing>
 </p:sld>
 </file>
 
@@ -25842,6 +26003,13 @@
   <p:transition xmlns:p14="http://schemas.microsoft.com/office/powerpoint/2010/main">
     <p:fade thruBlk="1"/>
   </p:transition>
+  <p:timing>
+    <p:tnLst>
+      <p:par>
+        <p:cTn xmlns:p14="http://schemas.microsoft.com/office/powerpoint/2010/main" id="1" dur="indefinite" restart="never" nodeType="tmRoot"/>
+      </p:par>
+    </p:tnLst>
+  </p:timing>
 </p:sld>
 </file>
 

--- a/intro.pptx
+++ b/intro.pptx
@@ -1043,7 +1043,7 @@
             </a:r>
             <a:r>
               <a:rPr lang="en-US" baseline="0" dirty="0" err="1" smtClean="0"/>
-              <a:t>basen</a:t>
+              <a:t>dataene</a:t>
             </a:r>
             <a:r>
               <a:rPr lang="en-US" baseline="0" dirty="0" smtClean="0"/>
@@ -1349,7 +1349,7 @@
             </a:r>
             <a:r>
               <a:rPr lang="en-US" baseline="0" dirty="0" smtClean="0"/>
-              <a:t> </a:t>
+              <a:t>- </a:t>
             </a:r>
             <a:r>
               <a:rPr lang="en-US" baseline="0" dirty="0" err="1" smtClean="0"/>
@@ -1357,11 +1357,46 @@
             </a:r>
             <a:r>
               <a:rPr lang="en-US" baseline="0" dirty="0" smtClean="0"/>
-              <a:t> key-value-</a:t>
+              <a:t> </a:t>
+            </a:r>
+            <a:r>
+              <a:rPr lang="en-US" baseline="0" dirty="0" smtClean="0"/>
+              <a:t>key-value-</a:t>
             </a:r>
             <a:r>
               <a:rPr lang="en-US" baseline="0" dirty="0" err="1" smtClean="0"/>
               <a:t>modell</a:t>
+            </a:r>
+            <a:endParaRPr lang="en-US" baseline="0" dirty="0" smtClean="0"/>
+          </a:p>
+          <a:p>
+            <a:pPr marL="171450" indent="-171450">
+              <a:buFont typeface="Arial"/>
+              <a:buChar char="•"/>
+            </a:pPr>
+            <a:r>
+              <a:rPr lang="en-US" baseline="0" dirty="0" smtClean="0"/>
+              <a:t>Cassandra </a:t>
+            </a:r>
+            <a:r>
+              <a:rPr lang="en-US" baseline="0" dirty="0" err="1" smtClean="0"/>
+              <a:t>er</a:t>
+            </a:r>
+            <a:r>
+              <a:rPr lang="en-US" baseline="0" dirty="0" smtClean="0"/>
+              <a:t> </a:t>
+            </a:r>
+            <a:r>
+              <a:rPr lang="en-US" baseline="0" dirty="0" err="1" smtClean="0"/>
+              <a:t>basert</a:t>
+            </a:r>
+            <a:r>
+              <a:rPr lang="en-US" baseline="0" dirty="0" smtClean="0"/>
+              <a:t> </a:t>
+            </a:r>
+            <a:r>
+              <a:rPr lang="en-US" baseline="0" dirty="0" err="1" smtClean="0"/>
+              <a:t>på</a:t>
             </a:r>
             <a:endParaRPr lang="en-US" baseline="0" dirty="0" smtClean="0"/>
           </a:p>
@@ -1372,21 +1407,24 @@
             </a:pPr>
             <a:r>
               <a:rPr lang="en-US" baseline="0" dirty="0" smtClean="0"/>
-              <a:t>Tables </a:t>
-            </a:r>
-            <a:r>
-              <a:rPr lang="en-US" baseline="0" dirty="0" err="1" smtClean="0"/>
-              <a:t>fra</a:t>
-            </a:r>
-            <a:r>
-              <a:rPr lang="en-US" baseline="0" dirty="0" smtClean="0"/>
-              <a:t> Google’s </a:t>
+              <a:t>Google’s </a:t>
             </a:r>
             <a:r>
               <a:rPr lang="en-US" baseline="0" dirty="0" err="1" smtClean="0"/>
               <a:t>BigTable</a:t>
             </a:r>
-            <a:endParaRPr lang="en-US" baseline="0" dirty="0" smtClean="0"/>
+            <a:r>
+              <a:rPr lang="en-US" baseline="0" dirty="0" smtClean="0"/>
+              <a:t> (Tables-</a:t>
+            </a:r>
+            <a:r>
+              <a:rPr lang="en-US" baseline="0" dirty="0" err="1" smtClean="0"/>
+              <a:t>modell</a:t>
+            </a:r>
+            <a:r>
+              <a:rPr lang="en-US" baseline="0" dirty="0" smtClean="0"/>
+              <a:t>)</a:t>
+            </a:r>
           </a:p>
           <a:p>
             <a:pPr marL="628650" lvl="1" indent="-171450">
@@ -1395,15 +1433,15 @@
             </a:pPr>
             <a:r>
               <a:rPr lang="en-US" baseline="0" dirty="0" smtClean="0"/>
-              <a:t>Key-value </a:t>
+              <a:t>Amazon’s Dynamo (Key-value </a:t>
             </a:r>
             <a:r>
               <a:rPr lang="en-US" baseline="0" dirty="0" err="1" smtClean="0"/>
-              <a:t>fra</a:t>
+              <a:t>modell</a:t>
             </a:r>
             <a:r>
               <a:rPr lang="en-US" baseline="0" dirty="0" smtClean="0"/>
-              <a:t> Amazon’s Dynamo</a:t>
+              <a:t>)</a:t>
             </a:r>
             <a:endParaRPr lang="en-US" dirty="0"/>
           </a:p>
@@ -25701,6 +25739,22 @@
             <a:r>
               <a:rPr lang="en-US" dirty="0" err="1" smtClean="0"/>
               <a:t>skalering</a:t>
+            </a:r>
+            <a:r>
+              <a:rPr lang="en-US" dirty="0" smtClean="0"/>
+              <a:t> </a:t>
+            </a:r>
+            <a:r>
+              <a:rPr lang="en-US" dirty="0" err="1" smtClean="0"/>
+              <a:t>av</a:t>
+            </a:r>
+            <a:r>
+              <a:rPr lang="en-US" dirty="0" smtClean="0"/>
+              <a:t> </a:t>
+            </a:r>
+            <a:r>
+              <a:rPr lang="en-US" dirty="0" err="1" smtClean="0"/>
+              <a:t>noder</a:t>
             </a:r>
             <a:endParaRPr lang="en-US" dirty="0" smtClean="0"/>
           </a:p>

--- a/intro.pptx
+++ b/intro.pptx
@@ -17,8 +17,8 @@
     <p:sldId id="262" r:id="rId8"/>
     <p:sldId id="263" r:id="rId9"/>
     <p:sldId id="275" r:id="rId10"/>
-    <p:sldId id="268" r:id="rId11"/>
-    <p:sldId id="273" r:id="rId12"/>
+    <p:sldId id="273" r:id="rId11"/>
+    <p:sldId id="268" r:id="rId12"/>
   </p:sldIdLst>
   <p:sldSz cx="9144000" cy="5143500" type="screen16x9"/>
   <p:notesSz cx="6858000" cy="9144000"/>
@@ -514,11 +514,245 @@
           <a:bodyPr/>
           <a:lstStyle/>
           <a:p>
-            <a:pPr marL="0" indent="0">
-              <a:buFontTx/>
-              <a:buNone/>
+            <a:pPr marL="171450" indent="-171450">
+              <a:buFont typeface="Arial"/>
+              <a:buChar char="•"/>
             </a:pPr>
-            <a:endParaRPr lang="en-US" dirty="0"/>
+            <a:r>
+              <a:rPr lang="en-US" baseline="0" dirty="0" smtClean="0"/>
+              <a:t>Plan:</a:t>
+            </a:r>
+          </a:p>
+          <a:p>
+            <a:pPr marL="628650" lvl="1" indent="-171450">
+              <a:buFont typeface="Arial"/>
+              <a:buChar char="•"/>
+            </a:pPr>
+            <a:r>
+              <a:rPr lang="en-US" baseline="0" dirty="0" err="1" smtClean="0"/>
+              <a:t>Kort</a:t>
+            </a:r>
+            <a:r>
+              <a:rPr lang="en-US" baseline="0" dirty="0" smtClean="0"/>
+              <a:t> intro</a:t>
+            </a:r>
+          </a:p>
+          <a:p>
+            <a:pPr marL="1085850" marR="0" lvl="2" indent="-171450" algn="l" defTabSz="457200" rtl="0" eaLnBrk="1" fontAlgn="auto" latinLnBrk="0" hangingPunct="1">
+              <a:lnSpc>
+                <a:spcPct val="100000"/>
+              </a:lnSpc>
+              <a:spcBef>
+                <a:spcPts val="0"/>
+              </a:spcBef>
+              <a:spcAft>
+                <a:spcPts val="0"/>
+              </a:spcAft>
+              <a:buClrTx/>
+              <a:buSzTx/>
+              <a:buFont typeface="Arial"/>
+              <a:buChar char="•"/>
+              <a:tabLst/>
+              <a:defRPr/>
+            </a:pPr>
+            <a:r>
+              <a:rPr lang="en-US" baseline="0" smtClean="0"/>
+              <a:t>Overordnet</a:t>
+            </a:r>
+            <a:endParaRPr lang="en-US" baseline="0" dirty="0" smtClean="0"/>
+          </a:p>
+          <a:p>
+            <a:pPr marL="1085850" lvl="2" indent="-171450">
+              <a:buFont typeface="Arial"/>
+              <a:buChar char="•"/>
+            </a:pPr>
+            <a:r>
+              <a:rPr lang="en-US" baseline="0" dirty="0" err="1" smtClean="0"/>
+              <a:t>Ikke</a:t>
+            </a:r>
+            <a:r>
+              <a:rPr lang="en-US" baseline="0" dirty="0" smtClean="0"/>
+              <a:t> </a:t>
+            </a:r>
+            <a:r>
+              <a:rPr lang="en-US" baseline="0" dirty="0" err="1" smtClean="0"/>
+              <a:t>veldig</a:t>
+            </a:r>
+            <a:r>
+              <a:rPr lang="en-US" baseline="0" dirty="0" smtClean="0"/>
+              <a:t> </a:t>
+            </a:r>
+            <a:r>
+              <a:rPr lang="en-US" baseline="0" dirty="0" err="1" smtClean="0"/>
+              <a:t>detaljert</a:t>
+            </a:r>
+            <a:endParaRPr lang="en-US" baseline="0" dirty="0" smtClean="0"/>
+          </a:p>
+          <a:p>
+            <a:pPr marL="1085850" lvl="2" indent="-171450">
+              <a:buFont typeface="Arial"/>
+              <a:buChar char="•"/>
+            </a:pPr>
+            <a:r>
+              <a:rPr lang="en-US" baseline="0" dirty="0" err="1" smtClean="0"/>
+              <a:t>Fokus</a:t>
+            </a:r>
+            <a:r>
+              <a:rPr lang="en-US" baseline="0" dirty="0" smtClean="0"/>
+              <a:t> </a:t>
+            </a:r>
+            <a:r>
+              <a:rPr lang="en-US" baseline="0" dirty="0" err="1" smtClean="0"/>
+              <a:t>på</a:t>
+            </a:r>
+            <a:r>
+              <a:rPr lang="en-US" baseline="0" dirty="0" smtClean="0"/>
+              <a:t> </a:t>
+            </a:r>
+            <a:r>
+              <a:rPr lang="en-US" baseline="0" dirty="0" err="1" smtClean="0"/>
+              <a:t>å</a:t>
+            </a:r>
+            <a:r>
+              <a:rPr lang="en-US" baseline="0" dirty="0" smtClean="0"/>
+              <a:t> </a:t>
+            </a:r>
+            <a:r>
+              <a:rPr lang="en-US" baseline="0" dirty="0" err="1" smtClean="0"/>
+              <a:t>sette</a:t>
+            </a:r>
+            <a:r>
+              <a:rPr lang="en-US" baseline="0" dirty="0" smtClean="0"/>
+              <a:t> </a:t>
+            </a:r>
+            <a:r>
+              <a:rPr lang="en-US" baseline="0" dirty="0" err="1" smtClean="0"/>
+              <a:t>opp</a:t>
+            </a:r>
+            <a:r>
+              <a:rPr lang="en-US" baseline="0" dirty="0" smtClean="0"/>
+              <a:t> et cluster</a:t>
+            </a:r>
+          </a:p>
+          <a:p>
+            <a:pPr marL="628650" lvl="1" indent="-171450">
+              <a:buFont typeface="Arial"/>
+              <a:buChar char="•"/>
+            </a:pPr>
+            <a:r>
+              <a:rPr lang="en-US" baseline="0" dirty="0" err="1" smtClean="0"/>
+              <a:t>Sette</a:t>
+            </a:r>
+            <a:r>
+              <a:rPr lang="en-US" baseline="0" dirty="0" smtClean="0"/>
+              <a:t> </a:t>
+            </a:r>
+            <a:r>
+              <a:rPr lang="en-US" baseline="0" dirty="0" err="1" smtClean="0"/>
+              <a:t>opp</a:t>
+            </a:r>
+            <a:r>
+              <a:rPr lang="en-US" baseline="0" dirty="0" smtClean="0"/>
+              <a:t> single node cluster</a:t>
+            </a:r>
+          </a:p>
+          <a:p>
+            <a:pPr marL="628650" lvl="1" indent="-171450">
+              <a:buFont typeface="Arial"/>
+              <a:buChar char="•"/>
+            </a:pPr>
+            <a:r>
+              <a:rPr lang="en-US" baseline="0" dirty="0" err="1" smtClean="0"/>
+              <a:t>Sette</a:t>
+            </a:r>
+            <a:r>
+              <a:rPr lang="en-US" baseline="0" dirty="0" smtClean="0"/>
+              <a:t> </a:t>
+            </a:r>
+            <a:r>
+              <a:rPr lang="en-US" baseline="0" dirty="0" err="1" smtClean="0"/>
+              <a:t>opp</a:t>
+            </a:r>
+            <a:r>
+              <a:rPr lang="en-US" baseline="0" dirty="0" smtClean="0"/>
+              <a:t> multi node cluster</a:t>
+            </a:r>
+          </a:p>
+          <a:p>
+            <a:pPr marL="1085850" lvl="2" indent="-171450">
+              <a:buFont typeface="Arial"/>
+              <a:buChar char="•"/>
+            </a:pPr>
+            <a:r>
+              <a:rPr lang="en-US" baseline="0" dirty="0" err="1" smtClean="0"/>
+              <a:t>Visualisere</a:t>
+            </a:r>
+            <a:endParaRPr lang="en-US" baseline="0" dirty="0" smtClean="0"/>
+          </a:p>
+          <a:p>
+            <a:pPr marL="1085850" lvl="2" indent="-171450">
+              <a:buFont typeface="Arial"/>
+              <a:buChar char="•"/>
+            </a:pPr>
+            <a:r>
+              <a:rPr lang="en-US" baseline="0" dirty="0" err="1" smtClean="0"/>
+              <a:t>Legge</a:t>
+            </a:r>
+            <a:r>
+              <a:rPr lang="en-US" baseline="0" dirty="0" smtClean="0"/>
+              <a:t> </a:t>
+            </a:r>
+            <a:r>
+              <a:rPr lang="en-US" baseline="0" dirty="0" err="1" smtClean="0"/>
+              <a:t>til</a:t>
+            </a:r>
+            <a:r>
+              <a:rPr lang="en-US" baseline="0" dirty="0" smtClean="0"/>
+              <a:t> / </a:t>
+            </a:r>
+            <a:r>
+              <a:rPr lang="en-US" baseline="0" dirty="0" err="1" smtClean="0"/>
+              <a:t>fjerne</a:t>
+            </a:r>
+            <a:r>
+              <a:rPr lang="en-US" baseline="0" dirty="0" smtClean="0"/>
+              <a:t> </a:t>
+            </a:r>
+            <a:r>
+              <a:rPr lang="en-US" baseline="0" dirty="0" err="1" smtClean="0"/>
+              <a:t>noder</a:t>
+            </a:r>
+            <a:endParaRPr lang="en-US" baseline="0" dirty="0" smtClean="0"/>
+          </a:p>
+          <a:p>
+            <a:pPr marL="1085850" lvl="2" indent="-171450">
+              <a:buFont typeface="Arial"/>
+              <a:buChar char="•"/>
+            </a:pPr>
+            <a:r>
+              <a:rPr lang="en-US" baseline="0" dirty="0" err="1" smtClean="0"/>
+              <a:t>Spørre</a:t>
+            </a:r>
+            <a:r>
+              <a:rPr lang="en-US" baseline="0" dirty="0" smtClean="0"/>
+              <a:t> </a:t>
+            </a:r>
+            <a:r>
+              <a:rPr lang="en-US" baseline="0" dirty="0" err="1" smtClean="0"/>
+              <a:t>på</a:t>
+            </a:r>
+            <a:r>
+              <a:rPr lang="en-US" baseline="0" dirty="0" smtClean="0"/>
+              <a:t> </a:t>
+            </a:r>
+            <a:r>
+              <a:rPr lang="en-US" baseline="0" dirty="0" err="1" smtClean="0"/>
+              <a:t>dataene</a:t>
+            </a:r>
+            <a:r>
+              <a:rPr lang="en-US" baseline="0" dirty="0" smtClean="0"/>
+              <a:t> (?)</a:t>
+            </a:r>
           </a:p>
         </p:txBody>
       </p:sp>
@@ -607,81 +841,22 @@
               <a:buChar char="•"/>
             </a:pPr>
             <a:r>
-              <a:rPr lang="en-US" b="1" dirty="0" smtClean="0"/>
-              <a:t>PK:</a:t>
-            </a:r>
-            <a:r>
-              <a:rPr lang="en-US" b="1" baseline="0" dirty="0" smtClean="0"/>
-              <a:t> Primary key</a:t>
-            </a:r>
-          </a:p>
-          <a:p>
-            <a:pPr marL="628650" lvl="1" indent="-171450">
-              <a:buFont typeface="Arial"/>
-              <a:buChar char="•"/>
-            </a:pPr>
-            <a:r>
-              <a:rPr lang="en-US" b="0" baseline="0" dirty="0" err="1" smtClean="0"/>
-              <a:t>Flere</a:t>
-            </a:r>
-            <a:r>
-              <a:rPr lang="en-US" b="0" baseline="0" dirty="0" smtClean="0"/>
-              <a:t> PK: Compound key</a:t>
-            </a:r>
-          </a:p>
-          <a:p>
-            <a:pPr marL="628650" lvl="1" indent="-171450">
-              <a:buFont typeface="Arial"/>
-              <a:buChar char="•"/>
-            </a:pPr>
-            <a:r>
-              <a:rPr lang="en-US" b="0" baseline="0" dirty="0" err="1" smtClean="0"/>
-              <a:t>Alle</a:t>
-            </a:r>
-            <a:r>
-              <a:rPr lang="en-US" b="0" baseline="0" dirty="0" smtClean="0"/>
+              <a:rPr lang="en-US" dirty="0" smtClean="0"/>
+              <a:t>Start </a:t>
+            </a:r>
+            <a:r>
+              <a:rPr lang="en-US" dirty="0" err="1" smtClean="0"/>
+              <a:t>OpsCenter</a:t>
+            </a:r>
+            <a:r>
+              <a:rPr lang="en-US" dirty="0" smtClean="0"/>
               <a:t> </a:t>
             </a:r>
             <a:r>
-              <a:rPr lang="en-US" b="0" baseline="0" dirty="0" err="1" smtClean="0"/>
-              <a:t>må</a:t>
-            </a:r>
-            <a:r>
-              <a:rPr lang="en-US" b="0" baseline="0" dirty="0" smtClean="0"/>
-              <a:t> </a:t>
-            </a:r>
-            <a:r>
-              <a:rPr lang="en-US" b="0" baseline="0" dirty="0" err="1" smtClean="0"/>
-              <a:t>alltid</a:t>
-            </a:r>
-            <a:r>
-              <a:rPr lang="en-US" b="0" baseline="0" dirty="0" smtClean="0"/>
-              <a:t> </a:t>
-            </a:r>
-            <a:r>
-              <a:rPr lang="en-US" b="0" baseline="0" dirty="0" err="1" smtClean="0"/>
-              <a:t>være</a:t>
-            </a:r>
-            <a:r>
-              <a:rPr lang="en-US" b="0" baseline="0" dirty="0" smtClean="0"/>
-              <a:t> med (</a:t>
-            </a:r>
-            <a:r>
-              <a:rPr lang="en-US" b="0" baseline="0" dirty="0" err="1" smtClean="0"/>
-              <a:t>som</a:t>
-            </a:r>
-            <a:r>
-              <a:rPr lang="en-US" b="0" baseline="0" dirty="0" smtClean="0"/>
-              <a:t> I </a:t>
-            </a:r>
-            <a:r>
-              <a:rPr lang="en-US" b="0" baseline="0" dirty="0" err="1" smtClean="0"/>
-              <a:t>relasjonsdb</a:t>
-            </a:r>
-            <a:r>
-              <a:rPr lang="en-US" b="0" baseline="0" dirty="0" smtClean="0"/>
-              <a:t>)</a:t>
-            </a:r>
+              <a:rPr lang="en-US" dirty="0" err="1" smtClean="0"/>
+              <a:t>lokalt</a:t>
+            </a:r>
+            <a:endParaRPr lang="en-US" dirty="0" smtClean="0"/>
           </a:p>
           <a:p>
             <a:pPr marL="171450" indent="-171450">
@@ -689,138 +864,28 @@
               <a:buChar char="•"/>
             </a:pPr>
             <a:r>
-              <a:rPr lang="en-US" b="1" baseline="0" dirty="0" smtClean="0"/>
-              <a:t>C: Clustering column</a:t>
-            </a:r>
-          </a:p>
-          <a:p>
-            <a:pPr marL="628650" lvl="1" indent="-171450">
+              <a:rPr lang="en-US" dirty="0" err="1" smtClean="0"/>
+              <a:t>Koble</a:t>
+            </a:r>
+            <a:r>
+              <a:rPr lang="en-US" dirty="0" smtClean="0"/>
+              <a:t> </a:t>
+            </a:r>
+            <a:r>
+              <a:rPr lang="en-US" dirty="0" err="1" smtClean="0"/>
+              <a:t>til</a:t>
+            </a:r>
+            <a:r>
+              <a:rPr lang="en-US" dirty="0" smtClean="0"/>
+              <a:t> min node</a:t>
+            </a:r>
+          </a:p>
+          <a:p>
+            <a:pPr marL="171450" indent="-171450">
               <a:buFont typeface="Arial"/>
               <a:buChar char="•"/>
             </a:pPr>
-            <a:r>
-              <a:rPr lang="en-US" b="0" baseline="0" dirty="0" err="1" smtClean="0"/>
-              <a:t>Clustres</a:t>
-            </a:r>
-            <a:r>
-              <a:rPr lang="en-US" b="0" baseline="0" dirty="0" smtClean="0"/>
-              <a:t> </a:t>
-            </a:r>
-            <a:r>
-              <a:rPr lang="en-US" b="0" baseline="0" dirty="0" err="1" smtClean="0"/>
-              <a:t>på</a:t>
-            </a:r>
-            <a:r>
-              <a:rPr lang="en-US" b="0" baseline="0" dirty="0" smtClean="0"/>
-              <a:t> disk </a:t>
-            </a:r>
-            <a:r>
-              <a:rPr lang="en-US" b="0" baseline="0" dirty="0" err="1" smtClean="0"/>
-              <a:t>basert</a:t>
-            </a:r>
-            <a:r>
-              <a:rPr lang="en-US" b="0" baseline="0" dirty="0" smtClean="0"/>
-              <a:t> </a:t>
-            </a:r>
-            <a:r>
-              <a:rPr lang="en-US" b="0" baseline="0" dirty="0" err="1" smtClean="0"/>
-              <a:t>på</a:t>
-            </a:r>
-            <a:r>
-              <a:rPr lang="en-US" b="0" baseline="0" dirty="0" smtClean="0"/>
-              <a:t> </a:t>
-            </a:r>
-            <a:r>
-              <a:rPr lang="en-US" b="0" baseline="0" dirty="0" err="1" smtClean="0"/>
-              <a:t>denne</a:t>
-            </a:r>
-            <a:endParaRPr lang="en-US" b="0" baseline="0" dirty="0" smtClean="0"/>
-          </a:p>
-          <a:p>
-            <a:pPr marL="628650" lvl="1" indent="-171450">
-              <a:buFont typeface="Arial"/>
-              <a:buChar char="•"/>
-            </a:pPr>
-            <a:r>
-              <a:rPr lang="en-US" b="0" baseline="0" dirty="0" err="1" smtClean="0"/>
-              <a:t>Blir</a:t>
-            </a:r>
-            <a:r>
-              <a:rPr lang="en-US" b="0" baseline="0" dirty="0" smtClean="0"/>
-              <a:t> </a:t>
-            </a:r>
-            <a:r>
-              <a:rPr lang="en-US" b="0" baseline="0" dirty="0" err="1" smtClean="0"/>
-              <a:t>sortert</a:t>
-            </a:r>
-            <a:r>
-              <a:rPr lang="en-US" b="0" baseline="0" dirty="0" smtClean="0"/>
-              <a:t> </a:t>
-            </a:r>
-            <a:r>
-              <a:rPr lang="en-US" b="0" baseline="0" dirty="0" err="1" smtClean="0"/>
-              <a:t>automatisk</a:t>
-            </a:r>
-            <a:r>
-              <a:rPr lang="en-US" b="0" baseline="0" dirty="0" smtClean="0"/>
-              <a:t> </a:t>
-            </a:r>
-            <a:r>
-              <a:rPr lang="en-US" b="0" baseline="0" dirty="0" err="1" smtClean="0"/>
-              <a:t>på</a:t>
-            </a:r>
-            <a:r>
-              <a:rPr lang="en-US" b="0" baseline="0" dirty="0" smtClean="0"/>
-              <a:t> </a:t>
-            </a:r>
-            <a:r>
-              <a:rPr lang="en-US" b="0" baseline="0" dirty="0" err="1" smtClean="0"/>
-              <a:t>denne</a:t>
-            </a:r>
-            <a:endParaRPr lang="en-US" b="0" baseline="0" dirty="0" smtClean="0"/>
-          </a:p>
-          <a:p>
-            <a:pPr marL="628650" lvl="1" indent="-171450">
-              <a:buFont typeface="Arial"/>
-              <a:buChar char="•"/>
-            </a:pPr>
-            <a:r>
-              <a:rPr lang="en-US" b="0" baseline="0" dirty="0" err="1" smtClean="0"/>
-              <a:t>Foregående</a:t>
-            </a:r>
-            <a:r>
-              <a:rPr lang="en-US" b="0" baseline="0" dirty="0" smtClean="0"/>
-              <a:t> </a:t>
-            </a:r>
-            <a:r>
-              <a:rPr lang="en-US" b="0" baseline="0" dirty="0" err="1" smtClean="0"/>
-              <a:t>definerte</a:t>
-            </a:r>
-            <a:r>
-              <a:rPr lang="en-US" b="0" baseline="0" dirty="0" smtClean="0"/>
-              <a:t> Clustering columns </a:t>
-            </a:r>
-            <a:r>
-              <a:rPr lang="en-US" b="0" baseline="0" dirty="0" err="1" smtClean="0"/>
-              <a:t>må</a:t>
-            </a:r>
-            <a:r>
-              <a:rPr lang="en-US" b="0" baseline="0" dirty="0" smtClean="0"/>
-              <a:t> </a:t>
-            </a:r>
-            <a:r>
-              <a:rPr lang="en-US" b="0" baseline="0" dirty="0" err="1" smtClean="0"/>
-              <a:t>være</a:t>
-            </a:r>
-            <a:r>
-              <a:rPr lang="en-US" b="0" baseline="0" dirty="0" smtClean="0"/>
-              <a:t> med I </a:t>
-            </a:r>
-            <a:r>
-              <a:rPr lang="en-US" b="0" baseline="0" dirty="0" err="1" smtClean="0"/>
-              <a:t>spørringen</a:t>
-            </a:r>
-            <a:endParaRPr lang="en-US" b="0" baseline="0" dirty="0" smtClean="0"/>
+            <a:endParaRPr lang="en-US" dirty="0"/>
           </a:p>
         </p:txBody>
       </p:sp>
@@ -850,7 +915,7 @@
     </p:spTree>
     <p:extLst>
       <p:ext uri="{BB962C8B-B14F-4D97-AF65-F5344CB8AC3E}">
-        <p14:creationId xmlns:p14="http://schemas.microsoft.com/office/powerpoint/2010/main" val="341419617"/>
+        <p14:creationId xmlns:p14="http://schemas.microsoft.com/office/powerpoint/2010/main" val="3674016033"/>
       </p:ext>
     </p:extLst>
   </p:cSld>
@@ -924,7 +989,7 @@
             </a:pPr>
             <a:r>
               <a:rPr lang="en-US" dirty="0" err="1" smtClean="0"/>
-              <a:t>Ikke</a:t>
+              <a:t>Hørt</a:t>
             </a:r>
             <a:r>
               <a:rPr lang="en-US" dirty="0" smtClean="0"/>
@@ -932,69 +997,20 @@
             </a:r>
             <a:r>
               <a:rPr lang="en-US" dirty="0" err="1" smtClean="0"/>
-              <a:t>garanti</a:t>
-            </a:r>
-            <a:r>
-              <a:rPr lang="en-US" dirty="0" smtClean="0"/>
-              <a:t> for</a:t>
-            </a:r>
-            <a:r>
-              <a:rPr lang="en-US" baseline="0" dirty="0" smtClean="0"/>
-              <a:t> at </a:t>
-            </a:r>
-            <a:r>
-              <a:rPr lang="en-US" baseline="0" dirty="0" err="1" smtClean="0"/>
-              <a:t>neste</a:t>
-            </a:r>
-            <a:r>
-              <a:rPr lang="en-US" baseline="0" dirty="0" smtClean="0"/>
+              <a:t>om</a:t>
+            </a:r>
+            <a:r>
+              <a:rPr lang="en-US" dirty="0" smtClean="0"/>
               <a:t> </a:t>
             </a:r>
             <a:r>
-              <a:rPr lang="en-US" baseline="0" dirty="0" err="1" smtClean="0"/>
-              <a:t>transaksjon</a:t>
-            </a:r>
-            <a:r>
-              <a:rPr lang="en-US" baseline="0" dirty="0" smtClean="0"/>
-              <a:t> </a:t>
-            </a:r>
-            <a:r>
-              <a:rPr lang="en-US" baseline="0" dirty="0" err="1" smtClean="0"/>
-              <a:t>leser</a:t>
-            </a:r>
-            <a:r>
-              <a:rPr lang="en-US" baseline="0" dirty="0" smtClean="0"/>
-              <a:t> </a:t>
-            </a:r>
-            <a:r>
-              <a:rPr lang="en-US" baseline="0" dirty="0" err="1" smtClean="0"/>
-              <a:t>samme</a:t>
-            </a:r>
-            <a:r>
-              <a:rPr lang="en-US" baseline="0" dirty="0" smtClean="0"/>
-              <a:t> </a:t>
-            </a:r>
-            <a:r>
-              <a:rPr lang="en-US" baseline="0" dirty="0" err="1" smtClean="0"/>
-              <a:t>versjon</a:t>
-            </a:r>
-            <a:r>
-              <a:rPr lang="en-US" baseline="0" dirty="0" smtClean="0"/>
-              <a:t> </a:t>
-            </a:r>
-            <a:r>
-              <a:rPr lang="en-US" baseline="0" dirty="0" err="1" smtClean="0"/>
-              <a:t>av</a:t>
-            </a:r>
-            <a:r>
-              <a:rPr lang="en-US" baseline="0" dirty="0" smtClean="0"/>
-              <a:t> </a:t>
-            </a:r>
-            <a:r>
-              <a:rPr lang="en-US" baseline="0" dirty="0" err="1" smtClean="0"/>
-              <a:t>datasettet</a:t>
-            </a:r>
-            <a:endParaRPr lang="en-US" dirty="0" smtClean="0"/>
+              <a:rPr lang="en-US" dirty="0" err="1" smtClean="0"/>
+              <a:t>før</a:t>
+            </a:r>
+            <a:r>
+              <a:rPr lang="en-US" dirty="0" smtClean="0"/>
+              <a:t>?</a:t>
+            </a:r>
           </a:p>
           <a:p>
             <a:pPr marL="628650" lvl="1" indent="-171450">
@@ -1002,6 +1018,112 @@
               <a:buChar char="•"/>
             </a:pPr>
             <a:r>
+              <a:rPr lang="en-US" dirty="0" err="1" smtClean="0"/>
+              <a:t>Ikke</a:t>
+            </a:r>
+            <a:r>
+              <a:rPr lang="en-US" dirty="0" smtClean="0"/>
+              <a:t> </a:t>
+            </a:r>
+            <a:r>
+              <a:rPr lang="en-US" dirty="0" err="1" smtClean="0"/>
+              <a:t>så</a:t>
+            </a:r>
+            <a:r>
+              <a:rPr lang="en-US" dirty="0" smtClean="0"/>
+              <a:t> </a:t>
+            </a:r>
+            <a:r>
+              <a:rPr lang="en-US" dirty="0" err="1" smtClean="0"/>
+              <a:t>skummelt</a:t>
+            </a:r>
+            <a:endParaRPr lang="en-US" dirty="0" smtClean="0"/>
+          </a:p>
+          <a:p>
+            <a:pPr marL="628650" lvl="1" indent="-171450">
+              <a:buFont typeface="Arial"/>
+              <a:buChar char="•"/>
+            </a:pPr>
+            <a:r>
+              <a:rPr lang="en-US" dirty="0" err="1" smtClean="0"/>
+              <a:t>Ikke</a:t>
+            </a:r>
+            <a:r>
+              <a:rPr lang="en-US" dirty="0" smtClean="0"/>
+              <a:t> </a:t>
+            </a:r>
+            <a:r>
+              <a:rPr lang="en-US" dirty="0" err="1" smtClean="0"/>
+              <a:t>garanti</a:t>
+            </a:r>
+            <a:r>
+              <a:rPr lang="en-US" dirty="0" smtClean="0"/>
+              <a:t> for</a:t>
+            </a:r>
+            <a:r>
+              <a:rPr lang="en-US" baseline="0" dirty="0" smtClean="0"/>
+              <a:t> at </a:t>
+            </a:r>
+            <a:r>
+              <a:rPr lang="en-US" baseline="0" dirty="0" err="1" smtClean="0"/>
+              <a:t>neste</a:t>
+            </a:r>
+            <a:r>
+              <a:rPr lang="en-US" baseline="0" dirty="0" smtClean="0"/>
+              <a:t> </a:t>
+            </a:r>
+            <a:r>
+              <a:rPr lang="en-US" baseline="0" dirty="0" err="1" smtClean="0"/>
+              <a:t>transaksjon</a:t>
+            </a:r>
+            <a:r>
+              <a:rPr lang="en-US" baseline="0" dirty="0" smtClean="0"/>
+              <a:t> </a:t>
+            </a:r>
+            <a:r>
+              <a:rPr lang="en-US" baseline="0" dirty="0" err="1" smtClean="0"/>
+              <a:t>leser</a:t>
+            </a:r>
+            <a:r>
+              <a:rPr lang="en-US" baseline="0" dirty="0" smtClean="0"/>
+              <a:t> </a:t>
+            </a:r>
+            <a:r>
+              <a:rPr lang="en-US" baseline="0" dirty="0" err="1" smtClean="0"/>
+              <a:t>samme</a:t>
+            </a:r>
+            <a:r>
+              <a:rPr lang="en-US" baseline="0" dirty="0" smtClean="0"/>
+              <a:t> </a:t>
+            </a:r>
+            <a:r>
+              <a:rPr lang="en-US" baseline="0" dirty="0" err="1" smtClean="0"/>
+              <a:t>versjon</a:t>
+            </a:r>
+            <a:r>
+              <a:rPr lang="en-US" baseline="0" dirty="0" smtClean="0"/>
+              <a:t> </a:t>
+            </a:r>
+            <a:r>
+              <a:rPr lang="en-US" baseline="0" dirty="0" err="1" smtClean="0"/>
+              <a:t>av</a:t>
+            </a:r>
+            <a:r>
+              <a:rPr lang="en-US" baseline="0" dirty="0" smtClean="0"/>
+              <a:t> </a:t>
+            </a:r>
+            <a:r>
+              <a:rPr lang="en-US" baseline="0" dirty="0" err="1" smtClean="0"/>
+              <a:t>datasettet</a:t>
+            </a:r>
+            <a:endParaRPr lang="en-US" dirty="0" smtClean="0"/>
+          </a:p>
+          <a:p>
+            <a:pPr marL="628650" lvl="1" indent="-171450">
+              <a:buFont typeface="Arial"/>
+              <a:buChar char="•"/>
+            </a:pPr>
+            <a:r>
               <a:rPr lang="en-US" baseline="0" dirty="0" err="1" smtClean="0"/>
               <a:t>Snakk</a:t>
             </a:r>
@@ -1060,6 +1182,41 @@
             <a:r>
               <a:rPr lang="en-US" baseline="0" dirty="0" err="1" smtClean="0"/>
               <a:t>konsistent</a:t>
+            </a:r>
+            <a:endParaRPr lang="en-US" baseline="0" dirty="0" smtClean="0"/>
+          </a:p>
+          <a:p>
+            <a:pPr marL="1085850" lvl="2" indent="-171450">
+              <a:buFont typeface="Arial"/>
+              <a:buChar char="•"/>
+            </a:pPr>
+            <a:r>
+              <a:rPr lang="en-US" baseline="0" dirty="0" err="1" smtClean="0"/>
+              <a:t>Ikke</a:t>
+            </a:r>
+            <a:r>
+              <a:rPr lang="en-US" baseline="0" dirty="0" smtClean="0"/>
+              <a:t> ACID </a:t>
+            </a:r>
+            <a:r>
+              <a:rPr lang="en-US" baseline="0" dirty="0" err="1" smtClean="0"/>
+              <a:t>pga</a:t>
+            </a:r>
+            <a:r>
+              <a:rPr lang="en-US" baseline="0" dirty="0" smtClean="0"/>
+              <a:t> performance – bottleneck. </a:t>
+            </a:r>
+            <a:r>
+              <a:rPr lang="en-US" baseline="0" dirty="0" err="1" smtClean="0"/>
+              <a:t>Ikke</a:t>
+            </a:r>
+            <a:r>
+              <a:rPr lang="en-US" baseline="0" dirty="0" smtClean="0"/>
+              <a:t> </a:t>
+            </a:r>
+            <a:r>
+              <a:rPr lang="en-US" baseline="0" dirty="0" err="1" smtClean="0"/>
+              <a:t>behov</a:t>
             </a:r>
             <a:endParaRPr lang="en-US" baseline="0" dirty="0" smtClean="0"/>
           </a:p>
@@ -1319,7 +1476,11 @@
             </a:pPr>
             <a:r>
               <a:rPr lang="en-US" dirty="0" smtClean="0"/>
-              <a:t>Wide column store</a:t>
+              <a:t>Wide column </a:t>
+            </a:r>
+            <a:r>
+              <a:rPr lang="en-US" dirty="0" smtClean="0"/>
+              <a:t>store</a:t>
             </a:r>
           </a:p>
           <a:p>
@@ -1328,8 +1489,8 @@
               <a:buChar char="•"/>
             </a:pPr>
             <a:r>
-              <a:rPr lang="en-US" dirty="0" smtClean="0"/>
-              <a:t>Hybrid</a:t>
+              <a:rPr lang="en-US" dirty="0" err="1" smtClean="0"/>
+              <a:t>Basert</a:t>
             </a:r>
             <a:r>
               <a:rPr lang="en-US" baseline="0" dirty="0" smtClean="0"/>
@@ -1337,35 +1498,15 @@
             </a:r>
             <a:r>
               <a:rPr lang="en-US" baseline="0" dirty="0" err="1" smtClean="0"/>
-              <a:t>mellom</a:t>
+              <a:t>på</a:t>
             </a:r>
             <a:r>
               <a:rPr lang="en-US" baseline="0" dirty="0" smtClean="0"/>
-              <a:t> </a:t>
+              <a:t> Google’s </a:t>
             </a:r>
             <a:r>
               <a:rPr lang="en-US" baseline="0" dirty="0" err="1" smtClean="0"/>
-              <a:t>Tabell</a:t>
-            </a:r>
-            <a:r>
-              <a:rPr lang="en-US" baseline="0" dirty="0" smtClean="0"/>
-              <a:t>- </a:t>
-            </a:r>
-            <a:r>
-              <a:rPr lang="en-US" baseline="0" dirty="0" err="1" smtClean="0"/>
-              <a:t>og</a:t>
-            </a:r>
-            <a:r>
-              <a:rPr lang="en-US" baseline="0" dirty="0" smtClean="0"/>
-              <a:t> </a:t>
-            </a:r>
-            <a:r>
-              <a:rPr lang="en-US" baseline="0" dirty="0" smtClean="0"/>
-              <a:t>key-value-</a:t>
-            </a:r>
-            <a:r>
-              <a:rPr lang="en-US" baseline="0" dirty="0" err="1" smtClean="0"/>
-              <a:t>modell</a:t>
+              <a:t>BigTable</a:t>
             </a:r>
             <a:endParaRPr lang="en-US" baseline="0" dirty="0" smtClean="0"/>
           </a:p>
@@ -1375,30 +1516,18 @@
               <a:buChar char="•"/>
             </a:pPr>
             <a:r>
-              <a:rPr lang="en-US" baseline="0" dirty="0" smtClean="0"/>
+              <a:rPr lang="en-US" dirty="0" smtClean="0"/>
               <a:t>Cassandra </a:t>
             </a:r>
             <a:r>
-              <a:rPr lang="en-US" baseline="0" dirty="0" err="1" smtClean="0"/>
+              <a:rPr lang="en-US" dirty="0" err="1" smtClean="0"/>
               <a:t>er</a:t>
             </a:r>
             <a:r>
-              <a:rPr lang="en-US" baseline="0" dirty="0" smtClean="0"/>
-              <a:t> </a:t>
-            </a:r>
-            <a:r>
-              <a:rPr lang="en-US" baseline="0" dirty="0" err="1" smtClean="0"/>
-              <a:t>basert</a:t>
-            </a:r>
-            <a:r>
-              <a:rPr lang="en-US" baseline="0" dirty="0" smtClean="0"/>
-              <a:t> </a:t>
-            </a:r>
-            <a:r>
-              <a:rPr lang="en-US" baseline="0" dirty="0" err="1" smtClean="0"/>
-              <a:t>på</a:t>
-            </a:r>
-            <a:endParaRPr lang="en-US" baseline="0" dirty="0" smtClean="0"/>
+              <a:rPr lang="en-US" dirty="0" smtClean="0"/>
+              <a:t> en Hybrid</a:t>
+            </a:r>
+            <a:endParaRPr lang="en-US" dirty="0" smtClean="0"/>
           </a:p>
           <a:p>
             <a:pPr marL="628650" lvl="1" indent="-171450">
@@ -1406,6 +1535,28 @@
               <a:buChar char="•"/>
             </a:pPr>
             <a:r>
+              <a:rPr lang="en-US" baseline="0" dirty="0" err="1" smtClean="0"/>
+              <a:t>Basert</a:t>
+            </a:r>
+            <a:r>
+              <a:rPr lang="en-US" baseline="0" dirty="0" smtClean="0"/>
+              <a:t> </a:t>
+            </a:r>
+            <a:r>
+              <a:rPr lang="en-US" baseline="0" dirty="0" err="1" smtClean="0"/>
+              <a:t>på</a:t>
+            </a:r>
+            <a:r>
+              <a:rPr lang="en-US" baseline="0" dirty="0" smtClean="0"/>
+              <a:t>:</a:t>
+            </a:r>
+          </a:p>
+          <a:p>
+            <a:pPr marL="1085850" lvl="2" indent="-171450">
+              <a:buFont typeface="Arial"/>
+              <a:buChar char="•"/>
+            </a:pPr>
+            <a:r>
               <a:rPr lang="en-US" baseline="0" dirty="0" smtClean="0"/>
               <a:t>Google’s </a:t>
             </a:r>
@@ -1427,7 +1578,7 @@
             </a:r>
           </a:p>
           <a:p>
-            <a:pPr marL="628650" lvl="1" indent="-171450">
+            <a:pPr marL="1085850" lvl="2" indent="-171450">
               <a:buFont typeface="Arial"/>
               <a:buChar char="•"/>
             </a:pPr>
@@ -2466,10 +2617,10 @@
           <a:bodyPr/>
           <a:lstStyle/>
           <a:p>
-            <a:r>
-              <a:rPr lang="en-US" dirty="0" smtClean="0"/>
-              <a:t>- </a:t>
-            </a:r>
+            <a:pPr marL="171450" indent="-171450">
+              <a:buFontTx/>
+              <a:buChar char="-"/>
+            </a:pPr>
             <a:r>
               <a:rPr lang="en-US" dirty="0" err="1" smtClean="0"/>
               <a:t>Fokus</a:t>
@@ -2485,6 +2636,36 @@
             <a:r>
               <a:rPr lang="en-US" dirty="0" smtClean="0"/>
               <a:t> fault tolerance</a:t>
+            </a:r>
+          </a:p>
+          <a:p>
+            <a:pPr marL="171450" indent="-171450">
+              <a:buFontTx/>
+              <a:buChar char="-"/>
+            </a:pPr>
+            <a:r>
+              <a:rPr lang="en-US" dirty="0" err="1" smtClean="0"/>
+              <a:t>Noen</a:t>
+            </a:r>
+            <a:r>
+              <a:rPr lang="en-US" dirty="0" smtClean="0"/>
+              <a:t> </a:t>
+            </a:r>
+            <a:r>
+              <a:rPr lang="en-US" dirty="0" err="1" smtClean="0"/>
+              <a:t>på</a:t>
+            </a:r>
+            <a:r>
+              <a:rPr lang="en-US" dirty="0" smtClean="0"/>
+              <a:t> </a:t>
+            </a:r>
+            <a:r>
+              <a:rPr lang="en-US" dirty="0" err="1" smtClean="0"/>
+              <a:t>windowsmaskin</a:t>
+            </a:r>
+            <a:r>
+              <a:rPr lang="en-US" dirty="0" smtClean="0"/>
+              <a:t>?</a:t>
             </a:r>
             <a:endParaRPr lang="en-US" dirty="0"/>
           </a:p>
@@ -2575,22 +2756,81 @@
               <a:buChar char="•"/>
             </a:pPr>
             <a:r>
-              <a:rPr lang="en-US" dirty="0" smtClean="0"/>
-              <a:t>Start </a:t>
-            </a:r>
-            <a:r>
-              <a:rPr lang="en-US" dirty="0" err="1" smtClean="0"/>
-              <a:t>OpsCenter</a:t>
-            </a:r>
-            <a:r>
-              <a:rPr lang="en-US" dirty="0" smtClean="0"/>
+              <a:rPr lang="en-US" b="1" dirty="0" smtClean="0"/>
+              <a:t>PK:</a:t>
+            </a:r>
+            <a:r>
+              <a:rPr lang="en-US" b="1" baseline="0" dirty="0" smtClean="0"/>
+              <a:t> Primary key</a:t>
+            </a:r>
+          </a:p>
+          <a:p>
+            <a:pPr marL="628650" lvl="1" indent="-171450">
+              <a:buFont typeface="Arial"/>
+              <a:buChar char="•"/>
+            </a:pPr>
+            <a:r>
+              <a:rPr lang="en-US" b="0" baseline="0" dirty="0" err="1" smtClean="0"/>
+              <a:t>Flere</a:t>
+            </a:r>
+            <a:r>
+              <a:rPr lang="en-US" b="0" baseline="0" dirty="0" smtClean="0"/>
+              <a:t> PK: Compound key</a:t>
+            </a:r>
+          </a:p>
+          <a:p>
+            <a:pPr marL="628650" lvl="1" indent="-171450">
+              <a:buFont typeface="Arial"/>
+              <a:buChar char="•"/>
+            </a:pPr>
+            <a:r>
+              <a:rPr lang="en-US" b="0" baseline="0" dirty="0" err="1" smtClean="0"/>
+              <a:t>Alle</a:t>
+            </a:r>
+            <a:r>
+              <a:rPr lang="en-US" b="0" baseline="0" dirty="0" smtClean="0"/>
               <a:t> </a:t>
             </a:r>
             <a:r>
-              <a:rPr lang="en-US" dirty="0" err="1" smtClean="0"/>
-              <a:t>lokalt</a:t>
-            </a:r>
-            <a:endParaRPr lang="en-US" dirty="0" smtClean="0"/>
+              <a:rPr lang="en-US" b="0" baseline="0" dirty="0" err="1" smtClean="0"/>
+              <a:t>må</a:t>
+            </a:r>
+            <a:r>
+              <a:rPr lang="en-US" b="0" baseline="0" dirty="0" smtClean="0"/>
+              <a:t> </a:t>
+            </a:r>
+            <a:r>
+              <a:rPr lang="en-US" b="0" baseline="0" dirty="0" err="1" smtClean="0"/>
+              <a:t>alltid</a:t>
+            </a:r>
+            <a:r>
+              <a:rPr lang="en-US" b="0" baseline="0" dirty="0" smtClean="0"/>
+              <a:t> </a:t>
+            </a:r>
+            <a:r>
+              <a:rPr lang="en-US" b="0" baseline="0" dirty="0" err="1" smtClean="0"/>
+              <a:t>være</a:t>
+            </a:r>
+            <a:r>
+              <a:rPr lang="en-US" b="0" baseline="0" dirty="0" smtClean="0"/>
+              <a:t> med (</a:t>
+            </a:r>
+            <a:r>
+              <a:rPr lang="en-US" b="0" baseline="0" dirty="0" err="1" smtClean="0"/>
+              <a:t>som</a:t>
+            </a:r>
+            <a:r>
+              <a:rPr lang="en-US" b="0" baseline="0" dirty="0" smtClean="0"/>
+              <a:t> I </a:t>
+            </a:r>
+            <a:r>
+              <a:rPr lang="en-US" b="0" baseline="0" dirty="0" err="1" smtClean="0"/>
+              <a:t>relasjonsdb</a:t>
+            </a:r>
+            <a:r>
+              <a:rPr lang="en-US" b="0" baseline="0" dirty="0" smtClean="0"/>
+              <a:t>)</a:t>
+            </a:r>
           </a:p>
           <a:p>
             <a:pPr marL="171450" indent="-171450">
@@ -2598,28 +2838,138 @@
               <a:buChar char="•"/>
             </a:pPr>
             <a:r>
-              <a:rPr lang="en-US" dirty="0" err="1" smtClean="0"/>
-              <a:t>Koble</a:t>
-            </a:r>
-            <a:r>
-              <a:rPr lang="en-US" dirty="0" smtClean="0"/>
-              <a:t> </a:t>
-            </a:r>
-            <a:r>
-              <a:rPr lang="en-US" dirty="0" err="1" smtClean="0"/>
-              <a:t>til</a:t>
-            </a:r>
-            <a:r>
-              <a:rPr lang="en-US" dirty="0" smtClean="0"/>
-              <a:t> min node</a:t>
-            </a:r>
-          </a:p>
-          <a:p>
-            <a:pPr marL="171450" indent="-171450">
+              <a:rPr lang="en-US" b="1" baseline="0" dirty="0" smtClean="0"/>
+              <a:t>C: Clustering column</a:t>
+            </a:r>
+          </a:p>
+          <a:p>
+            <a:pPr marL="628650" lvl="1" indent="-171450">
               <a:buFont typeface="Arial"/>
               <a:buChar char="•"/>
             </a:pPr>
-            <a:endParaRPr lang="en-US" dirty="0"/>
+            <a:r>
+              <a:rPr lang="en-US" b="0" baseline="0" dirty="0" err="1" smtClean="0"/>
+              <a:t>Clustres</a:t>
+            </a:r>
+            <a:r>
+              <a:rPr lang="en-US" b="0" baseline="0" dirty="0" smtClean="0"/>
+              <a:t> </a:t>
+            </a:r>
+            <a:r>
+              <a:rPr lang="en-US" b="0" baseline="0" dirty="0" err="1" smtClean="0"/>
+              <a:t>på</a:t>
+            </a:r>
+            <a:r>
+              <a:rPr lang="en-US" b="0" baseline="0" dirty="0" smtClean="0"/>
+              <a:t> disk </a:t>
+            </a:r>
+            <a:r>
+              <a:rPr lang="en-US" b="0" baseline="0" dirty="0" err="1" smtClean="0"/>
+              <a:t>basert</a:t>
+            </a:r>
+            <a:r>
+              <a:rPr lang="en-US" b="0" baseline="0" dirty="0" smtClean="0"/>
+              <a:t> </a:t>
+            </a:r>
+            <a:r>
+              <a:rPr lang="en-US" b="0" baseline="0" dirty="0" err="1" smtClean="0"/>
+              <a:t>på</a:t>
+            </a:r>
+            <a:r>
+              <a:rPr lang="en-US" b="0" baseline="0" dirty="0" smtClean="0"/>
+              <a:t> </a:t>
+            </a:r>
+            <a:r>
+              <a:rPr lang="en-US" b="0" baseline="0" dirty="0" err="1" smtClean="0"/>
+              <a:t>denne</a:t>
+            </a:r>
+            <a:endParaRPr lang="en-US" b="0" baseline="0" dirty="0" smtClean="0"/>
+          </a:p>
+          <a:p>
+            <a:pPr marL="628650" lvl="1" indent="-171450">
+              <a:buFont typeface="Arial"/>
+              <a:buChar char="•"/>
+            </a:pPr>
+            <a:r>
+              <a:rPr lang="en-US" b="0" baseline="0" dirty="0" err="1" smtClean="0"/>
+              <a:t>Blir</a:t>
+            </a:r>
+            <a:r>
+              <a:rPr lang="en-US" b="0" baseline="0" dirty="0" smtClean="0"/>
+              <a:t> </a:t>
+            </a:r>
+            <a:r>
+              <a:rPr lang="en-US" b="0" baseline="0" dirty="0" err="1" smtClean="0"/>
+              <a:t>sortert</a:t>
+            </a:r>
+            <a:r>
+              <a:rPr lang="en-US" b="0" baseline="0" dirty="0" smtClean="0"/>
+              <a:t> </a:t>
+            </a:r>
+            <a:r>
+              <a:rPr lang="en-US" b="0" baseline="0" dirty="0" err="1" smtClean="0"/>
+              <a:t>automatisk</a:t>
+            </a:r>
+            <a:r>
+              <a:rPr lang="en-US" b="0" baseline="0" dirty="0" smtClean="0"/>
+              <a:t> </a:t>
+            </a:r>
+            <a:r>
+              <a:rPr lang="en-US" b="0" baseline="0" dirty="0" err="1" smtClean="0"/>
+              <a:t>på</a:t>
+            </a:r>
+            <a:r>
+              <a:rPr lang="en-US" b="0" baseline="0" dirty="0" smtClean="0"/>
+              <a:t> </a:t>
+            </a:r>
+            <a:r>
+              <a:rPr lang="en-US" b="0" baseline="0" dirty="0" err="1" smtClean="0"/>
+              <a:t>denne</a:t>
+            </a:r>
+            <a:endParaRPr lang="en-US" b="0" baseline="0" dirty="0" smtClean="0"/>
+          </a:p>
+          <a:p>
+            <a:pPr marL="628650" lvl="1" indent="-171450">
+              <a:buFont typeface="Arial"/>
+              <a:buChar char="•"/>
+            </a:pPr>
+            <a:r>
+              <a:rPr lang="en-US" b="0" baseline="0" dirty="0" err="1" smtClean="0"/>
+              <a:t>Foregående</a:t>
+            </a:r>
+            <a:r>
+              <a:rPr lang="en-US" b="0" baseline="0" dirty="0" smtClean="0"/>
+              <a:t> </a:t>
+            </a:r>
+            <a:r>
+              <a:rPr lang="en-US" b="0" baseline="0" dirty="0" err="1" smtClean="0"/>
+              <a:t>definerte</a:t>
+            </a:r>
+            <a:r>
+              <a:rPr lang="en-US" b="0" baseline="0" dirty="0" smtClean="0"/>
+              <a:t> Clustering columns </a:t>
+            </a:r>
+            <a:r>
+              <a:rPr lang="en-US" b="0" baseline="0" dirty="0" err="1" smtClean="0"/>
+              <a:t>må</a:t>
+            </a:r>
+            <a:r>
+              <a:rPr lang="en-US" b="0" baseline="0" dirty="0" smtClean="0"/>
+              <a:t> </a:t>
+            </a:r>
+            <a:r>
+              <a:rPr lang="en-US" b="0" baseline="0" dirty="0" err="1" smtClean="0"/>
+              <a:t>være</a:t>
+            </a:r>
+            <a:r>
+              <a:rPr lang="en-US" b="0" baseline="0" dirty="0" smtClean="0"/>
+              <a:t> med I </a:t>
+            </a:r>
+            <a:r>
+              <a:rPr lang="en-US" b="0" baseline="0" dirty="0" err="1" smtClean="0"/>
+              <a:t>spørringen</a:t>
+            </a:r>
+            <a:endParaRPr lang="en-US" b="0" baseline="0" dirty="0" smtClean="0"/>
           </a:p>
         </p:txBody>
       </p:sp>
@@ -2649,7 +2999,7 @@
     </p:spTree>
     <p:extLst>
       <p:ext uri="{BB962C8B-B14F-4D97-AF65-F5344CB8AC3E}">
-        <p14:creationId xmlns:p14="http://schemas.microsoft.com/office/powerpoint/2010/main" val="3674016033"/>
+        <p14:creationId xmlns:p14="http://schemas.microsoft.com/office/powerpoint/2010/main" val="341419617"/>
       </p:ext>
     </p:extLst>
   </p:cSld>
@@ -19550,120 +19900,6 @@
       </p:grpSpPr>
       <p:sp>
         <p:nvSpPr>
-          <p:cNvPr id="5" name="Subtitle 4"/>
-          <p:cNvSpPr>
-            <a:spLocks noGrp="1"/>
-          </p:cNvSpPr>
-          <p:nvPr>
-            <p:ph idx="1"/>
-          </p:nvPr>
-        </p:nvSpPr>
-        <p:spPr/>
-        <p:txBody>
-          <a:bodyPr/>
-          <a:lstStyle/>
-          <a:p>
-            <a:pPr marL="285750" indent="-285750">
-              <a:buFont typeface="Arial"/>
-              <a:buChar char="•"/>
-            </a:pPr>
-            <a:r>
-              <a:rPr lang="en-US" dirty="0">
-                <a:hlinkClick r:id="rId3"/>
-              </a:rPr>
-              <a:t>https://github.com/baakind/cassandra-workshop</a:t>
-            </a:r>
-            <a:r>
-              <a:rPr lang="en-US" dirty="0" smtClean="0">
-                <a:hlinkClick r:id="rId3"/>
-              </a:rPr>
-              <a:t>/</a:t>
-            </a:r>
-            <a:endParaRPr lang="en-US" dirty="0" smtClean="0"/>
-          </a:p>
-          <a:p>
-            <a:pPr marL="554038" lvl="1" indent="-285750">
-              <a:buFont typeface="Arial"/>
-              <a:buChar char="•"/>
-            </a:pPr>
-            <a:r>
-              <a:rPr lang="en-US" dirty="0" err="1" smtClean="0"/>
-              <a:t>Multinode.md</a:t>
-            </a:r>
-            <a:endParaRPr lang="en-US" dirty="0"/>
-          </a:p>
-        </p:txBody>
-      </p:sp>
-      <p:sp>
-        <p:nvSpPr>
-          <p:cNvPr id="4" name="Title 3"/>
-          <p:cNvSpPr>
-            <a:spLocks noGrp="1"/>
-          </p:cNvSpPr>
-          <p:nvPr>
-            <p:ph type="title"/>
-          </p:nvPr>
-        </p:nvSpPr>
-        <p:spPr>
-          <a:xfrm>
-            <a:off x="376445" y="294936"/>
-            <a:ext cx="2733304" cy="261610"/>
-          </a:xfrm>
-        </p:spPr>
-        <p:txBody>
-          <a:bodyPr/>
-          <a:lstStyle/>
-          <a:p>
-            <a:r>
-              <a:rPr lang="en-US" dirty="0" smtClean="0"/>
-              <a:t>Multi node cluster</a:t>
-            </a:r>
-            <a:endParaRPr lang="en-US" dirty="0"/>
-          </a:p>
-        </p:txBody>
-      </p:sp>
-    </p:spTree>
-    <p:extLst>
-      <p:ext uri="{BB962C8B-B14F-4D97-AF65-F5344CB8AC3E}">
-        <p14:creationId xmlns:p14="http://schemas.microsoft.com/office/powerpoint/2010/main" val="1545272170"/>
-      </p:ext>
-    </p:extLst>
-  </p:cSld>
-  <p:clrMapOvr>
-    <a:masterClrMapping/>
-  </p:clrMapOvr>
-  <p:transition xmlns:p14="http://schemas.microsoft.com/office/powerpoint/2010/main">
-    <p:fade thruBlk="1"/>
-  </p:transition>
-  <p:timing>
-    <p:tnLst>
-      <p:par>
-        <p:cTn xmlns:p14="http://schemas.microsoft.com/office/powerpoint/2010/main" id="1" dur="indefinite" restart="never" nodeType="tmRoot"/>
-      </p:par>
-    </p:tnLst>
-  </p:timing>
-</p:sld>
-</file>
-
-<file path=ppt/slides/slide11.xml><?xml version="1.0" encoding="utf-8"?>
-<p:sld xmlns:a="http://schemas.openxmlformats.org/drawingml/2006/main" xmlns:r="http://schemas.openxmlformats.org/officeDocument/2006/relationships" xmlns:p="http://schemas.openxmlformats.org/presentationml/2006/main">
-  <p:cSld>
-    <p:spTree>
-      <p:nvGrpSpPr>
-        <p:cNvPr id="1" name=""/>
-        <p:cNvGrpSpPr/>
-        <p:nvPr/>
-      </p:nvGrpSpPr>
-      <p:grpSpPr>
-        <a:xfrm>
-          <a:off x="0" y="0"/>
-          <a:ext cx="0" cy="0"/>
-          <a:chOff x="0" y="0"/>
-          <a:chExt cx="0" cy="0"/>
-        </a:xfrm>
-      </p:grpSpPr>
-      <p:sp>
-        <p:nvSpPr>
           <p:cNvPr id="3" name="Title 2"/>
           <p:cNvSpPr>
             <a:spLocks noGrp="1"/>
@@ -24538,6 +24774,120 @@
     <p:extLst>
       <p:ext uri="{BB962C8B-B14F-4D97-AF65-F5344CB8AC3E}">
         <p14:creationId xmlns:p14="http://schemas.microsoft.com/office/powerpoint/2010/main" val="2598851800"/>
+      </p:ext>
+    </p:extLst>
+  </p:cSld>
+  <p:clrMapOvr>
+    <a:masterClrMapping/>
+  </p:clrMapOvr>
+  <p:transition xmlns:p14="http://schemas.microsoft.com/office/powerpoint/2010/main">
+    <p:fade thruBlk="1"/>
+  </p:transition>
+  <p:timing>
+    <p:tnLst>
+      <p:par>
+        <p:cTn xmlns:p14="http://schemas.microsoft.com/office/powerpoint/2010/main" id="1" dur="indefinite" restart="never" nodeType="tmRoot"/>
+      </p:par>
+    </p:tnLst>
+  </p:timing>
+</p:sld>
+</file>
+
+<file path=ppt/slides/slide11.xml><?xml version="1.0" encoding="utf-8"?>
+<p:sld xmlns:a="http://schemas.openxmlformats.org/drawingml/2006/main" xmlns:r="http://schemas.openxmlformats.org/officeDocument/2006/relationships" xmlns:p="http://schemas.openxmlformats.org/presentationml/2006/main">
+  <p:cSld>
+    <p:spTree>
+      <p:nvGrpSpPr>
+        <p:cNvPr id="1" name=""/>
+        <p:cNvGrpSpPr/>
+        <p:nvPr/>
+      </p:nvGrpSpPr>
+      <p:grpSpPr>
+        <a:xfrm>
+          <a:off x="0" y="0"/>
+          <a:ext cx="0" cy="0"/>
+          <a:chOff x="0" y="0"/>
+          <a:chExt cx="0" cy="0"/>
+        </a:xfrm>
+      </p:grpSpPr>
+      <p:sp>
+        <p:nvSpPr>
+          <p:cNvPr id="5" name="Subtitle 4"/>
+          <p:cNvSpPr>
+            <a:spLocks noGrp="1"/>
+          </p:cNvSpPr>
+          <p:nvPr>
+            <p:ph idx="1"/>
+          </p:nvPr>
+        </p:nvSpPr>
+        <p:spPr/>
+        <p:txBody>
+          <a:bodyPr/>
+          <a:lstStyle/>
+          <a:p>
+            <a:pPr marL="285750" indent="-285750">
+              <a:buFont typeface="Arial"/>
+              <a:buChar char="•"/>
+            </a:pPr>
+            <a:r>
+              <a:rPr lang="en-US" dirty="0">
+                <a:hlinkClick r:id="rId3"/>
+              </a:rPr>
+              <a:t>https://github.com/baakind/cassandra-workshop</a:t>
+            </a:r>
+            <a:r>
+              <a:rPr lang="en-US" dirty="0" smtClean="0">
+                <a:hlinkClick r:id="rId3"/>
+              </a:rPr>
+              <a:t>/</a:t>
+            </a:r>
+            <a:endParaRPr lang="en-US" dirty="0" smtClean="0"/>
+          </a:p>
+          <a:p>
+            <a:pPr marL="554038" lvl="1" indent="-285750">
+              <a:buFont typeface="Arial"/>
+              <a:buChar char="•"/>
+            </a:pPr>
+            <a:r>
+              <a:rPr lang="en-US" dirty="0" err="1" smtClean="0"/>
+              <a:t>Multinode.md</a:t>
+            </a:r>
+            <a:endParaRPr lang="en-US" dirty="0"/>
+          </a:p>
+        </p:txBody>
+      </p:sp>
+      <p:sp>
+        <p:nvSpPr>
+          <p:cNvPr id="4" name="Title 3"/>
+          <p:cNvSpPr>
+            <a:spLocks noGrp="1"/>
+          </p:cNvSpPr>
+          <p:nvPr>
+            <p:ph type="title"/>
+          </p:nvPr>
+        </p:nvSpPr>
+        <p:spPr>
+          <a:xfrm>
+            <a:off x="376445" y="294936"/>
+            <a:ext cx="2733304" cy="261610"/>
+          </a:xfrm>
+        </p:spPr>
+        <p:txBody>
+          <a:bodyPr/>
+          <a:lstStyle/>
+          <a:p>
+            <a:r>
+              <a:rPr lang="en-US" dirty="0" smtClean="0"/>
+              <a:t>Multi node cluster</a:t>
+            </a:r>
+            <a:endParaRPr lang="en-US" dirty="0"/>
+          </a:p>
+        </p:txBody>
+      </p:sp>
+    </p:spTree>
+    <p:extLst>
+      <p:ext uri="{BB962C8B-B14F-4D97-AF65-F5344CB8AC3E}">
+        <p14:creationId xmlns:p14="http://schemas.microsoft.com/office/powerpoint/2010/main" val="1545272170"/>
       </p:ext>
     </p:extLst>
   </p:cSld>
@@ -25742,19 +26092,23 @@
             </a:r>
             <a:r>
               <a:rPr lang="en-US" dirty="0" smtClean="0"/>
+              <a:t> (</a:t>
+            </a:r>
+            <a:r>
+              <a:rPr lang="en-US" dirty="0" err="1" smtClean="0"/>
+              <a:t>av</a:t>
+            </a:r>
+            <a:r>
+              <a:rPr lang="en-US" dirty="0" smtClean="0"/>
               <a:t> </a:t>
             </a:r>
             <a:r>
               <a:rPr lang="en-US" dirty="0" err="1" smtClean="0"/>
-              <a:t>av</a:t>
-            </a:r>
-            <a:r>
-              <a:rPr lang="en-US" dirty="0" smtClean="0"/>
-              <a:t> </a:t>
-            </a:r>
-            <a:r>
-              <a:rPr lang="en-US" dirty="0" err="1" smtClean="0"/>
               <a:t>noder</a:t>
+            </a:r>
+            <a:r>
+              <a:rPr lang="en-US" dirty="0" smtClean="0"/>
+              <a:t>)</a:t>
             </a:r>
             <a:endParaRPr lang="en-US" dirty="0" smtClean="0"/>
           </a:p>
